--- a/Polyglot Persistence and NOSQL.pptx
+++ b/Polyglot Persistence and NOSQL.pptx
@@ -8,38 +8,57 @@
     <p:sldId id="256" r:id="rId2"/>
     <p:sldId id="262" r:id="rId3"/>
     <p:sldId id="259" r:id="rId4"/>
-    <p:sldId id="257" r:id="rId5"/>
-    <p:sldId id="260" r:id="rId6"/>
-    <p:sldId id="261" r:id="rId7"/>
-    <p:sldId id="258" r:id="rId8"/>
-    <p:sldId id="263" r:id="rId9"/>
-    <p:sldId id="269" r:id="rId10"/>
-    <p:sldId id="267" r:id="rId11"/>
-    <p:sldId id="265" r:id="rId12"/>
-    <p:sldId id="264" r:id="rId13"/>
-    <p:sldId id="266" r:id="rId14"/>
-    <p:sldId id="268" r:id="rId15"/>
-    <p:sldId id="272" r:id="rId16"/>
-    <p:sldId id="279" r:id="rId17"/>
-    <p:sldId id="280" r:id="rId18"/>
-    <p:sldId id="282" r:id="rId19"/>
-    <p:sldId id="281" r:id="rId20"/>
-    <p:sldId id="283" r:id="rId21"/>
-    <p:sldId id="284" r:id="rId22"/>
-    <p:sldId id="270" r:id="rId23"/>
-    <p:sldId id="271" r:id="rId24"/>
-    <p:sldId id="273" r:id="rId25"/>
-    <p:sldId id="274" r:id="rId26"/>
-    <p:sldId id="275" r:id="rId27"/>
-    <p:sldId id="276" r:id="rId28"/>
-    <p:sldId id="277" r:id="rId29"/>
-    <p:sldId id="278" r:id="rId30"/>
-    <p:sldId id="286" r:id="rId31"/>
-    <p:sldId id="289" r:id="rId32"/>
-    <p:sldId id="287" r:id="rId33"/>
-    <p:sldId id="288" r:id="rId34"/>
-    <p:sldId id="285" r:id="rId35"/>
-    <p:sldId id="290" r:id="rId36"/>
+    <p:sldId id="308" r:id="rId5"/>
+    <p:sldId id="309" r:id="rId6"/>
+    <p:sldId id="257" r:id="rId7"/>
+    <p:sldId id="260" r:id="rId8"/>
+    <p:sldId id="258" r:id="rId9"/>
+    <p:sldId id="263" r:id="rId10"/>
+    <p:sldId id="269" r:id="rId11"/>
+    <p:sldId id="267" r:id="rId12"/>
+    <p:sldId id="265" r:id="rId13"/>
+    <p:sldId id="264" r:id="rId14"/>
+    <p:sldId id="266" r:id="rId15"/>
+    <p:sldId id="268" r:id="rId16"/>
+    <p:sldId id="272" r:id="rId17"/>
+    <p:sldId id="279" r:id="rId18"/>
+    <p:sldId id="280" r:id="rId19"/>
+    <p:sldId id="282" r:id="rId20"/>
+    <p:sldId id="281" r:id="rId21"/>
+    <p:sldId id="283" r:id="rId22"/>
+    <p:sldId id="284" r:id="rId23"/>
+    <p:sldId id="270" r:id="rId24"/>
+    <p:sldId id="271" r:id="rId25"/>
+    <p:sldId id="273" r:id="rId26"/>
+    <p:sldId id="274" r:id="rId27"/>
+    <p:sldId id="275" r:id="rId28"/>
+    <p:sldId id="276" r:id="rId29"/>
+    <p:sldId id="277" r:id="rId30"/>
+    <p:sldId id="278" r:id="rId31"/>
+    <p:sldId id="286" r:id="rId32"/>
+    <p:sldId id="289" r:id="rId33"/>
+    <p:sldId id="287" r:id="rId34"/>
+    <p:sldId id="288" r:id="rId35"/>
+    <p:sldId id="285" r:id="rId36"/>
+    <p:sldId id="291" r:id="rId37"/>
+    <p:sldId id="292" r:id="rId38"/>
+    <p:sldId id="293" r:id="rId39"/>
+    <p:sldId id="290" r:id="rId40"/>
+    <p:sldId id="294" r:id="rId41"/>
+    <p:sldId id="295" r:id="rId42"/>
+    <p:sldId id="296" r:id="rId43"/>
+    <p:sldId id="297" r:id="rId44"/>
+    <p:sldId id="298" r:id="rId45"/>
+    <p:sldId id="299" r:id="rId46"/>
+    <p:sldId id="300" r:id="rId47"/>
+    <p:sldId id="304" r:id="rId48"/>
+    <p:sldId id="305" r:id="rId49"/>
+    <p:sldId id="301" r:id="rId50"/>
+    <p:sldId id="302" r:id="rId51"/>
+    <p:sldId id="303" r:id="rId52"/>
+    <p:sldId id="306" r:id="rId53"/>
+    <p:sldId id="307" r:id="rId54"/>
+    <p:sldId id="310" r:id="rId55"/>
   </p:sldIdLst>
   <p:sldSz cx="12192000" cy="6858000"/>
   <p:notesSz cx="6858000" cy="9144000"/>
@@ -338,7 +357,7 @@
             <a:fld id="{B61BEF0D-F0BB-DE4B-95CE-6DB70DBA9567}" type="datetimeFigureOut">
               <a:rPr lang="en-US" dirty="0"/>
               <a:pPr/>
-              <a:t>12/6/2017</a:t>
+              <a:t>12/11/2017</a:t>
             </a:fld>
             <a:endParaRPr lang="en-US" dirty="0"/>
           </a:p>
@@ -771,7 +790,7 @@
             <a:fld id="{B61BEF0D-F0BB-DE4B-95CE-6DB70DBA9567}" type="datetimeFigureOut">
               <a:rPr lang="en-US" dirty="0"/>
               <a:pPr/>
-              <a:t>12/6/2017</a:t>
+              <a:t>12/11/2017</a:t>
             </a:fld>
             <a:endParaRPr lang="en-US" dirty="0"/>
           </a:p>
@@ -1018,7 +1037,7 @@
             <a:fld id="{B61BEF0D-F0BB-DE4B-95CE-6DB70DBA9567}" type="datetimeFigureOut">
               <a:rPr lang="en-US" dirty="0"/>
               <a:pPr/>
-              <a:t>12/6/2017</a:t>
+              <a:t>12/11/2017</a:t>
             </a:fld>
             <a:endParaRPr lang="en-US" dirty="0"/>
           </a:p>
@@ -1323,7 +1342,7 @@
             <a:fld id="{B61BEF0D-F0BB-DE4B-95CE-6DB70DBA9567}" type="datetimeFigureOut">
               <a:rPr lang="en-US" dirty="0"/>
               <a:pPr/>
-              <a:t>12/6/2017</a:t>
+              <a:t>12/11/2017</a:t>
             </a:fld>
             <a:endParaRPr lang="en-US" dirty="0"/>
           </a:p>
@@ -1638,7 +1657,7 @@
             <a:fld id="{B61BEF0D-F0BB-DE4B-95CE-6DB70DBA9567}" type="datetimeFigureOut">
               <a:rPr lang="en-US" dirty="0"/>
               <a:pPr/>
-              <a:t>12/6/2017</a:t>
+              <a:t>12/11/2017</a:t>
             </a:fld>
             <a:endParaRPr lang="en-US" dirty="0"/>
           </a:p>
@@ -1937,7 +1956,7 @@
             <a:fld id="{B61BEF0D-F0BB-DE4B-95CE-6DB70DBA9567}" type="datetimeFigureOut">
               <a:rPr lang="en-US" dirty="0"/>
               <a:pPr/>
-              <a:t>12/6/2017</a:t>
+              <a:t>12/11/2017</a:t>
             </a:fld>
             <a:endParaRPr lang="en-US" dirty="0"/>
           </a:p>
@@ -2301,7 +2320,7 @@
             <a:fld id="{B61BEF0D-F0BB-DE4B-95CE-6DB70DBA9567}" type="datetimeFigureOut">
               <a:rPr lang="en-US" dirty="0"/>
               <a:pPr/>
-              <a:t>12/6/2017</a:t>
+              <a:t>12/11/2017</a:t>
             </a:fld>
             <a:endParaRPr lang="en-US" dirty="0"/>
           </a:p>
@@ -2472,7 +2491,7 @@
             <a:fld id="{B61BEF0D-F0BB-DE4B-95CE-6DB70DBA9567}" type="datetimeFigureOut">
               <a:rPr lang="en-US" dirty="0"/>
               <a:pPr/>
-              <a:t>12/6/2017</a:t>
+              <a:t>12/11/2017</a:t>
             </a:fld>
             <a:endParaRPr lang="en-US" dirty="0"/>
           </a:p>
@@ -2649,7 +2668,7 @@
             <a:fld id="{B61BEF0D-F0BB-DE4B-95CE-6DB70DBA9567}" type="datetimeFigureOut">
               <a:rPr lang="en-US" dirty="0"/>
               <a:pPr/>
-              <a:t>12/6/2017</a:t>
+              <a:t>12/11/2017</a:t>
             </a:fld>
             <a:endParaRPr lang="en-US" dirty="0"/>
           </a:p>
@@ -2816,7 +2835,7 @@
             <a:fld id="{B61BEF0D-F0BB-DE4B-95CE-6DB70DBA9567}" type="datetimeFigureOut">
               <a:rPr lang="en-US" dirty="0"/>
               <a:pPr/>
-              <a:t>12/6/2017</a:t>
+              <a:t>12/11/2017</a:t>
             </a:fld>
             <a:endParaRPr lang="en-US" dirty="0"/>
           </a:p>
@@ -3063,7 +3082,7 @@
             <a:fld id="{B61BEF0D-F0BB-DE4B-95CE-6DB70DBA9567}" type="datetimeFigureOut">
               <a:rPr lang="en-US" dirty="0"/>
               <a:pPr/>
-              <a:t>12/6/2017</a:t>
+              <a:t>12/11/2017</a:t>
             </a:fld>
             <a:endParaRPr lang="en-US" dirty="0"/>
           </a:p>
@@ -3296,7 +3315,7 @@
             <a:fld id="{B61BEF0D-F0BB-DE4B-95CE-6DB70DBA9567}" type="datetimeFigureOut">
               <a:rPr lang="en-US" dirty="0"/>
               <a:pPr/>
-              <a:t>12/6/2017</a:t>
+              <a:t>12/11/2017</a:t>
             </a:fld>
             <a:endParaRPr lang="en-US" dirty="0"/>
           </a:p>
@@ -3675,7 +3694,7 @@
             <a:fld id="{B61BEF0D-F0BB-DE4B-95CE-6DB70DBA9567}" type="datetimeFigureOut">
               <a:rPr lang="en-US" dirty="0"/>
               <a:pPr/>
-              <a:t>12/6/2017</a:t>
+              <a:t>12/11/2017</a:t>
             </a:fld>
             <a:endParaRPr lang="en-US" dirty="0"/>
           </a:p>
@@ -3790,7 +3809,7 @@
             <a:fld id="{B61BEF0D-F0BB-DE4B-95CE-6DB70DBA9567}" type="datetimeFigureOut">
               <a:rPr lang="en-US" dirty="0"/>
               <a:pPr/>
-              <a:t>12/6/2017</a:t>
+              <a:t>12/11/2017</a:t>
             </a:fld>
             <a:endParaRPr lang="en-US" dirty="0"/>
           </a:p>
@@ -3882,7 +3901,7 @@
             <a:fld id="{B61BEF0D-F0BB-DE4B-95CE-6DB70DBA9567}" type="datetimeFigureOut">
               <a:rPr lang="en-US" dirty="0"/>
               <a:pPr/>
-              <a:t>12/6/2017</a:t>
+              <a:t>12/11/2017</a:t>
             </a:fld>
             <a:endParaRPr lang="en-US" dirty="0"/>
           </a:p>
@@ -4134,7 +4153,7 @@
             <a:fld id="{B61BEF0D-F0BB-DE4B-95CE-6DB70DBA9567}" type="datetimeFigureOut">
               <a:rPr lang="en-US" dirty="0"/>
               <a:pPr/>
-              <a:t>12/6/2017</a:t>
+              <a:t>12/11/2017</a:t>
             </a:fld>
             <a:endParaRPr lang="en-US" dirty="0"/>
           </a:p>
@@ -4414,7 +4433,7 @@
             <a:fld id="{B61BEF0D-F0BB-DE4B-95CE-6DB70DBA9567}" type="datetimeFigureOut">
               <a:rPr lang="en-US" dirty="0"/>
               <a:pPr/>
-              <a:t>12/6/2017</a:t>
+              <a:t>12/11/2017</a:t>
             </a:fld>
             <a:endParaRPr lang="en-US" dirty="0"/>
           </a:p>
@@ -4817,7 +4836,7 @@
             <a:fld id="{B61BEF0D-F0BB-DE4B-95CE-6DB70DBA9567}" type="datetimeFigureOut">
               <a:rPr lang="en-US" dirty="0"/>
               <a:pPr/>
-              <a:t>12/6/2017</a:t>
+              <a:t>12/11/2017</a:t>
             </a:fld>
             <a:endParaRPr lang="en-US" dirty="0"/>
           </a:p>
@@ -5394,7 +5413,15 @@
           <a:p>
             <a:r>
               <a:rPr lang="en-US" dirty="0" smtClean="0"/>
-              <a:t>4 DEC 2017</a:t>
+              <a:t>13</a:t>
+            </a:r>
+            <a:r>
+              <a:rPr lang="en-US" dirty="0" smtClean="0"/>
+              <a:t> </a:t>
+            </a:r>
+            <a:r>
+              <a:rPr lang="en-US" dirty="0" smtClean="0"/>
+              <a:t>DEC 2017</a:t>
             </a:r>
             <a:endParaRPr lang="en-US" dirty="0"/>
           </a:p>
@@ -5454,97 +5481,59 @@
           <a:p>
             <a:r>
               <a:rPr lang="en-US" dirty="0" smtClean="0"/>
-              <a:t>ACID</a:t>
-            </a:r>
-            <a:endParaRPr lang="en-US" dirty="0"/>
-          </a:p>
-        </p:txBody>
-      </p:sp>
-      <p:sp>
-        <p:nvSpPr>
-          <p:cNvPr id="3" name="Content Placeholder 2"/>
-          <p:cNvSpPr>
-            <a:spLocks noGrp="1"/>
-          </p:cNvSpPr>
+              <a:t>Components of an RDBMS</a:t>
+            </a:r>
+            <a:endParaRPr lang="en-US" dirty="0"/>
+          </a:p>
+        </p:txBody>
+      </p:sp>
+      <p:pic>
+        <p:nvPicPr>
+          <p:cNvPr id="1026" name="Picture 2" descr="Image result for what components does a typical rdbms consist of"/>
+          <p:cNvPicPr>
+            <a:picLocks noGrp="1" noChangeAspect="1" noChangeArrowheads="1"/>
+          </p:cNvPicPr>
           <p:nvPr>
             <p:ph idx="1"/>
           </p:nvPr>
-        </p:nvSpPr>
-        <p:spPr/>
-        <p:txBody>
-          <a:bodyPr>
-            <a:normAutofit fontScale="92500"/>
-          </a:bodyPr>
-          <a:lstStyle/>
-          <a:p>
-            <a:r>
-              <a:rPr lang="en-US" dirty="0" smtClean="0"/>
-              <a:t>ACID – term coined by Jim Gray:</a:t>
-            </a:r>
-          </a:p>
-          <a:p>
-            <a:pPr lvl="1"/>
-            <a:r>
-              <a:rPr lang="en-US" dirty="0" smtClean="0"/>
-              <a:t>Atomicity</a:t>
-            </a:r>
-          </a:p>
-          <a:p>
-            <a:pPr lvl="2"/>
-            <a:r>
-              <a:rPr lang="en-US" dirty="0" smtClean="0"/>
-              <a:t>“All or nothing” – either all parts of a transaction are completed or none are.</a:t>
-            </a:r>
-          </a:p>
-          <a:p>
-            <a:pPr lvl="1"/>
-            <a:r>
-              <a:rPr lang="en-US" dirty="0" smtClean="0"/>
-              <a:t>Consistency</a:t>
-            </a:r>
-          </a:p>
-          <a:p>
-            <a:pPr lvl="2"/>
-            <a:r>
-              <a:rPr lang="en-US" dirty="0" smtClean="0"/>
-              <a:t>Changes to one part of the database must not lead to the inconsistency of another part (enforced through constraints)</a:t>
-            </a:r>
-          </a:p>
-          <a:p>
-            <a:pPr lvl="1"/>
-            <a:r>
-              <a:rPr lang="en-US" dirty="0" smtClean="0"/>
-              <a:t>Isolation</a:t>
-            </a:r>
-          </a:p>
-          <a:p>
-            <a:pPr lvl="2"/>
-            <a:r>
-              <a:rPr lang="en-US" dirty="0" smtClean="0"/>
-              <a:t>Concurrent reads/writes are serialized so as to not intermix</a:t>
-            </a:r>
-          </a:p>
-          <a:p>
-            <a:pPr lvl="1"/>
-            <a:r>
-              <a:rPr lang="en-US" dirty="0" smtClean="0"/>
-              <a:t>Durability</a:t>
-            </a:r>
-          </a:p>
-          <a:p>
-            <a:pPr lvl="2"/>
-            <a:r>
-              <a:rPr lang="en-US" dirty="0" smtClean="0"/>
-              <a:t>Once a transaction is committed, its effects must persist</a:t>
-            </a:r>
-            <a:endParaRPr lang="en-US" dirty="0"/>
-          </a:p>
-        </p:txBody>
-      </p:sp>
+        </p:nvPicPr>
+        <p:blipFill>
+          <a:blip r:embed="rId2">
+            <a:extLst>
+              <a:ext uri="{28A0092B-C50C-407E-A947-70E740481C1C}">
+                <a14:useLocalDpi xmlns:a14="http://schemas.microsoft.com/office/drawing/2010/main" val="0"/>
+              </a:ext>
+            </a:extLst>
+          </a:blip>
+          <a:srcRect/>
+          <a:stretch>
+            <a:fillRect/>
+          </a:stretch>
+        </p:blipFill>
+        <p:spPr bwMode="auto">
+          <a:xfrm>
+            <a:off x="1753849" y="304415"/>
+            <a:ext cx="6610662" cy="4525044"/>
+          </a:xfrm>
+          <a:prstGeom prst="rect">
+            <a:avLst/>
+          </a:prstGeom>
+          <a:noFill/>
+          <a:extLst>
+            <a:ext uri="{909E8E84-426E-40DD-AFC4-6F175D3DCCD1}">
+              <a14:hiddenFill xmlns:a14="http://schemas.microsoft.com/office/drawing/2010/main">
+                <a:solidFill>
+                  <a:srgbClr val="FFFFFF"/>
+                </a:solidFill>
+              </a14:hiddenFill>
+            </a:ext>
+          </a:extLst>
+        </p:spPr>
+      </p:pic>
     </p:spTree>
     <p:extLst>
       <p:ext uri="{BB962C8B-B14F-4D97-AF65-F5344CB8AC3E}">
-        <p14:creationId xmlns:p14="http://schemas.microsoft.com/office/powerpoint/2010/main" val="3614586088"/>
+        <p14:creationId xmlns:p14="http://schemas.microsoft.com/office/powerpoint/2010/main" val="64628457"/>
       </p:ext>
     </p:extLst>
   </p:cSld>
@@ -5588,7 +5577,7 @@
           <a:p>
             <a:r>
               <a:rPr lang="en-US" dirty="0" smtClean="0"/>
-              <a:t>SQL 101</a:t>
+              <a:t>ACID</a:t>
             </a:r>
             <a:endParaRPr lang="en-US" dirty="0"/>
           </a:p>
@@ -5606,97 +5595,79 @@
         </p:nvSpPr>
         <p:spPr/>
         <p:txBody>
-          <a:bodyPr/>
-          <a:lstStyle/>
-          <a:p>
-            <a:r>
-              <a:rPr lang="en-US" dirty="0" smtClean="0"/>
-              <a:t>Declarative vs Imperative (i.e. what vs how)</a:t>
-            </a:r>
-          </a:p>
-          <a:p>
-            <a:r>
-              <a:rPr lang="en-US" dirty="0" smtClean="0"/>
-              <a:t>Three different types of statements:</a:t>
+          <a:bodyPr>
+            <a:normAutofit fontScale="92500"/>
+          </a:bodyPr>
+          <a:lstStyle/>
+          <a:p>
+            <a:r>
+              <a:rPr lang="en-US" dirty="0" smtClean="0"/>
+              <a:t>ACID – term coined by Jim Gray:</a:t>
             </a:r>
           </a:p>
           <a:p>
             <a:pPr lvl="1"/>
             <a:r>
-              <a:rPr lang="en-US" dirty="0" smtClean="0">
-                <a:solidFill>
-                  <a:srgbClr val="92D050"/>
-                </a:solidFill>
-              </a:rPr>
-              <a:t>Data Definition Language (DDL)</a:t>
+              <a:rPr lang="en-US" dirty="0" smtClean="0"/>
+              <a:t>Atomicity</a:t>
             </a:r>
           </a:p>
           <a:p>
             <a:pPr lvl="2"/>
             <a:r>
-              <a:rPr lang="en-US" dirty="0" smtClean="0">
-                <a:solidFill>
-                  <a:srgbClr val="92D050"/>
-                </a:solidFill>
-              </a:rPr>
-              <a:t>CREATE, DROP, ALTER</a:t>
+              <a:rPr lang="en-US" dirty="0" smtClean="0"/>
+              <a:t>“All or nothing” – either all parts of a transaction are completed or none are.</a:t>
             </a:r>
           </a:p>
           <a:p>
             <a:pPr lvl="1"/>
             <a:r>
-              <a:rPr lang="en-US" dirty="0" smtClean="0">
-                <a:solidFill>
-                  <a:srgbClr val="92D050"/>
-                </a:solidFill>
-              </a:rPr>
-              <a:t>Data Manipulation Language (DML)</a:t>
+              <a:rPr lang="en-US" dirty="0" smtClean="0"/>
+              <a:t>Consistency</a:t>
             </a:r>
           </a:p>
           <a:p>
             <a:pPr lvl="2"/>
             <a:r>
-              <a:rPr lang="en-US" dirty="0" smtClean="0">
-                <a:solidFill>
-                  <a:srgbClr val="92D050"/>
-                </a:solidFill>
-              </a:rPr>
-              <a:t>SELECT, INSERT, UPDATE, DELETE</a:t>
+              <a:rPr lang="en-US" dirty="0" smtClean="0"/>
+              <a:t>Changes to one part of the database must not lead to the inconsistency of another part (enforced through constraints)</a:t>
             </a:r>
           </a:p>
           <a:p>
             <a:pPr lvl="1"/>
             <a:r>
-              <a:rPr lang="en-US" dirty="0" smtClean="0">
-                <a:solidFill>
-                  <a:srgbClr val="FF0000"/>
-                </a:solidFill>
-              </a:rPr>
-              <a:t>Data Control Language (DCL)</a:t>
+              <a:rPr lang="en-US" dirty="0" smtClean="0"/>
+              <a:t>Isolation</a:t>
             </a:r>
           </a:p>
           <a:p>
             <a:pPr lvl="2"/>
             <a:r>
-              <a:rPr lang="en-US" dirty="0" smtClean="0">
-                <a:solidFill>
-                  <a:srgbClr val="FF0000"/>
-                </a:solidFill>
-              </a:rPr>
-              <a:t>GRANT, REVOKE, …</a:t>
-            </a:r>
-            <a:endParaRPr lang="en-US" dirty="0">
-              <a:solidFill>
-                <a:srgbClr val="FF0000"/>
-              </a:solidFill>
-            </a:endParaRPr>
+              <a:rPr lang="en-US" dirty="0" smtClean="0"/>
+              <a:t>Concurrent reads/writes are serialized so as to not intermix</a:t>
+            </a:r>
+          </a:p>
+          <a:p>
+            <a:pPr lvl="1"/>
+            <a:r>
+              <a:rPr lang="en-US" dirty="0" smtClean="0"/>
+              <a:t>Durability</a:t>
+            </a:r>
+          </a:p>
+          <a:p>
+            <a:pPr lvl="2"/>
+            <a:r>
+              <a:rPr lang="en-US" dirty="0" smtClean="0"/>
+              <a:t>Once a transaction is committed, its effects must persist</a:t>
+            </a:r>
+            <a:endParaRPr lang="en-US" dirty="0"/>
           </a:p>
         </p:txBody>
       </p:sp>
     </p:spTree>
     <p:extLst>
       <p:ext uri="{BB962C8B-B14F-4D97-AF65-F5344CB8AC3E}">
-        <p14:creationId xmlns:p14="http://schemas.microsoft.com/office/powerpoint/2010/main" val="2983817256"/>
+        <p14:creationId xmlns:p14="http://schemas.microsoft.com/office/powerpoint/2010/main" val="3614586088"/>
       </p:ext>
     </p:extLst>
   </p:cSld>
@@ -5740,6 +5711,158 @@
           <a:p>
             <a:r>
               <a:rPr lang="en-US" dirty="0" smtClean="0"/>
+              <a:t>SQL 101</a:t>
+            </a:r>
+            <a:endParaRPr lang="en-US" dirty="0"/>
+          </a:p>
+        </p:txBody>
+      </p:sp>
+      <p:sp>
+        <p:nvSpPr>
+          <p:cNvPr id="3" name="Content Placeholder 2"/>
+          <p:cNvSpPr>
+            <a:spLocks noGrp="1"/>
+          </p:cNvSpPr>
+          <p:nvPr>
+            <p:ph idx="1"/>
+          </p:nvPr>
+        </p:nvSpPr>
+        <p:spPr/>
+        <p:txBody>
+          <a:bodyPr/>
+          <a:lstStyle/>
+          <a:p>
+            <a:r>
+              <a:rPr lang="en-US" dirty="0" smtClean="0"/>
+              <a:t>Declarative vs Imperative (i.e. what vs how)</a:t>
+            </a:r>
+          </a:p>
+          <a:p>
+            <a:r>
+              <a:rPr lang="en-US" dirty="0" smtClean="0"/>
+              <a:t>Three different types of statements:</a:t>
+            </a:r>
+          </a:p>
+          <a:p>
+            <a:pPr lvl="1"/>
+            <a:r>
+              <a:rPr lang="en-US" dirty="0" smtClean="0">
+                <a:solidFill>
+                  <a:srgbClr val="92D050"/>
+                </a:solidFill>
+              </a:rPr>
+              <a:t>Data Definition Language (DDL)</a:t>
+            </a:r>
+          </a:p>
+          <a:p>
+            <a:pPr lvl="2"/>
+            <a:r>
+              <a:rPr lang="en-US" dirty="0" smtClean="0">
+                <a:solidFill>
+                  <a:srgbClr val="92D050"/>
+                </a:solidFill>
+              </a:rPr>
+              <a:t>CREATE, DROP, ALTER</a:t>
+            </a:r>
+          </a:p>
+          <a:p>
+            <a:pPr lvl="1"/>
+            <a:r>
+              <a:rPr lang="en-US" dirty="0" smtClean="0">
+                <a:solidFill>
+                  <a:srgbClr val="92D050"/>
+                </a:solidFill>
+              </a:rPr>
+              <a:t>Data Manipulation Language (DML)</a:t>
+            </a:r>
+          </a:p>
+          <a:p>
+            <a:pPr lvl="2"/>
+            <a:r>
+              <a:rPr lang="en-US" dirty="0" smtClean="0">
+                <a:solidFill>
+                  <a:srgbClr val="92D050"/>
+                </a:solidFill>
+              </a:rPr>
+              <a:t>SELECT, INSERT, UPDATE, DELETE</a:t>
+            </a:r>
+          </a:p>
+          <a:p>
+            <a:pPr lvl="1"/>
+            <a:r>
+              <a:rPr lang="en-US" dirty="0" smtClean="0">
+                <a:solidFill>
+                  <a:srgbClr val="FF0000"/>
+                </a:solidFill>
+              </a:rPr>
+              <a:t>Data Control Language (DCL)</a:t>
+            </a:r>
+          </a:p>
+          <a:p>
+            <a:pPr lvl="2"/>
+            <a:r>
+              <a:rPr lang="en-US" dirty="0" smtClean="0">
+                <a:solidFill>
+                  <a:srgbClr val="FF0000"/>
+                </a:solidFill>
+              </a:rPr>
+              <a:t>GRANT, REVOKE, …</a:t>
+            </a:r>
+            <a:endParaRPr lang="en-US" dirty="0">
+              <a:solidFill>
+                <a:srgbClr val="FF0000"/>
+              </a:solidFill>
+            </a:endParaRPr>
+          </a:p>
+        </p:txBody>
+      </p:sp>
+    </p:spTree>
+    <p:extLst>
+      <p:ext uri="{BB962C8B-B14F-4D97-AF65-F5344CB8AC3E}">
+        <p14:creationId xmlns:p14="http://schemas.microsoft.com/office/powerpoint/2010/main" val="2983817256"/>
+      </p:ext>
+    </p:extLst>
+  </p:cSld>
+  <p:clrMapOvr>
+    <a:masterClrMapping/>
+  </p:clrMapOvr>
+</p:sld>
+</file>
+
+<file path=ppt/slides/slide13.xml><?xml version="1.0" encoding="utf-8"?>
+<p:sld xmlns:a="http://schemas.openxmlformats.org/drawingml/2006/main" xmlns:r="http://schemas.openxmlformats.org/officeDocument/2006/relationships" xmlns:p="http://schemas.openxmlformats.org/presentationml/2006/main">
+  <p:cSld>
+    <p:spTree>
+      <p:nvGrpSpPr>
+        <p:cNvPr id="1" name=""/>
+        <p:cNvGrpSpPr/>
+        <p:nvPr/>
+      </p:nvGrpSpPr>
+      <p:grpSpPr>
+        <a:xfrm>
+          <a:off x="0" y="0"/>
+          <a:ext cx="0" cy="0"/>
+          <a:chOff x="0" y="0"/>
+          <a:chExt cx="0" cy="0"/>
+        </a:xfrm>
+      </p:grpSpPr>
+      <p:sp>
+        <p:nvSpPr>
+          <p:cNvPr id="2" name="Title 1"/>
+          <p:cNvSpPr>
+            <a:spLocks noGrp="1"/>
+          </p:cNvSpPr>
+          <p:nvPr>
+            <p:ph type="title"/>
+          </p:nvPr>
+        </p:nvSpPr>
+        <p:spPr/>
+        <p:txBody>
+          <a:bodyPr/>
+          <a:lstStyle/>
+          <a:p>
+            <a:r>
+              <a:rPr lang="en-US" dirty="0" smtClean="0"/>
               <a:t>Example: Customer DB</a:t>
             </a:r>
             <a:endParaRPr lang="en-US" dirty="0"/>
@@ -5788,105 +5911,6 @@
 </p:sld>
 </file>
 
-<file path=ppt/slides/slide13.xml><?xml version="1.0" encoding="utf-8"?>
-<p:sld xmlns:a="http://schemas.openxmlformats.org/drawingml/2006/main" xmlns:r="http://schemas.openxmlformats.org/officeDocument/2006/relationships" xmlns:p="http://schemas.openxmlformats.org/presentationml/2006/main">
-  <p:cSld>
-    <p:spTree>
-      <p:nvGrpSpPr>
-        <p:cNvPr id="1" name=""/>
-        <p:cNvGrpSpPr/>
-        <p:nvPr/>
-      </p:nvGrpSpPr>
-      <p:grpSpPr>
-        <a:xfrm>
-          <a:off x="0" y="0"/>
-          <a:ext cx="0" cy="0"/>
-          <a:chOff x="0" y="0"/>
-          <a:chExt cx="0" cy="0"/>
-        </a:xfrm>
-      </p:grpSpPr>
-      <p:sp>
-        <p:nvSpPr>
-          <p:cNvPr id="2" name="Title 1"/>
-          <p:cNvSpPr>
-            <a:spLocks noGrp="1"/>
-          </p:cNvSpPr>
-          <p:nvPr>
-            <p:ph type="title"/>
-          </p:nvPr>
-        </p:nvSpPr>
-        <p:spPr>
-          <a:xfrm>
-            <a:off x="684211" y="4487332"/>
-            <a:ext cx="10378529" cy="1507067"/>
-          </a:xfrm>
-        </p:spPr>
-        <p:txBody>
-          <a:bodyPr/>
-          <a:lstStyle/>
-          <a:p>
-            <a:r>
-              <a:rPr lang="en-US" dirty="0" smtClean="0"/>
-              <a:t>What Are RDBMS good for?</a:t>
-            </a:r>
-            <a:endParaRPr lang="en-US" dirty="0"/>
-          </a:p>
-        </p:txBody>
-      </p:sp>
-      <p:sp>
-        <p:nvSpPr>
-          <p:cNvPr id="3" name="Content Placeholder 2"/>
-          <p:cNvSpPr>
-            <a:spLocks noGrp="1"/>
-          </p:cNvSpPr>
-          <p:nvPr>
-            <p:ph idx="1"/>
-          </p:nvPr>
-        </p:nvSpPr>
-        <p:spPr/>
-        <p:txBody>
-          <a:bodyPr/>
-          <a:lstStyle/>
-          <a:p>
-            <a:r>
-              <a:rPr lang="en-US" dirty="0" smtClean="0"/>
-              <a:t>Homogenous data adheres to a rigid schema</a:t>
-            </a:r>
-          </a:p>
-          <a:p>
-            <a:r>
-              <a:rPr lang="en-US" dirty="0" smtClean="0"/>
-              <a:t>Allows for flexible queries</a:t>
-            </a:r>
-          </a:p>
-          <a:p>
-            <a:r>
-              <a:rPr lang="en-US" dirty="0" smtClean="0"/>
-              <a:t>Very consistent and durable</a:t>
-            </a:r>
-          </a:p>
-          <a:p>
-            <a:r>
-              <a:rPr lang="en-US" dirty="0" smtClean="0"/>
-              <a:t>ACID transactions</a:t>
-            </a:r>
-            <a:endParaRPr lang="en-US" dirty="0"/>
-          </a:p>
-        </p:txBody>
-      </p:sp>
-    </p:spTree>
-    <p:extLst>
-      <p:ext uri="{BB962C8B-B14F-4D97-AF65-F5344CB8AC3E}">
-        <p14:creationId xmlns:p14="http://schemas.microsoft.com/office/powerpoint/2010/main" val="3408664181"/>
-      </p:ext>
-    </p:extLst>
-  </p:cSld>
-  <p:clrMapOvr>
-    <a:masterClrMapping/>
-  </p:clrMapOvr>
-</p:sld>
-</file>
-
 <file path=ppt/slides/slide14.xml><?xml version="1.0" encoding="utf-8"?>
 <p:sld xmlns:a="http://schemas.openxmlformats.org/drawingml/2006/main" xmlns:r="http://schemas.openxmlformats.org/officeDocument/2006/relationships" xmlns:p="http://schemas.openxmlformats.org/presentationml/2006/main">
   <p:cSld>
@@ -5914,14 +5938,19 @@
             <p:ph type="title"/>
           </p:nvPr>
         </p:nvSpPr>
-        <p:spPr/>
-        <p:txBody>
-          <a:bodyPr/>
-          <a:lstStyle/>
-          <a:p>
-            <a:r>
-              <a:rPr lang="en-US" dirty="0" smtClean="0"/>
-              <a:t>What Are RDBMS not good at?</a:t>
+        <p:spPr>
+          <a:xfrm>
+            <a:off x="684211" y="4487332"/>
+            <a:ext cx="10378529" cy="1507067"/>
+          </a:xfrm>
+        </p:spPr>
+        <p:txBody>
+          <a:bodyPr/>
+          <a:lstStyle/>
+          <a:p>
+            <a:r>
+              <a:rPr lang="en-US" dirty="0" smtClean="0"/>
+              <a:t>What Are RDBMS good for?</a:t>
             </a:r>
             <a:endParaRPr lang="en-US" dirty="0"/>
           </a:p>
@@ -5944,19 +5973,25 @@
           <a:p>
             <a:r>
               <a:rPr lang="en-US" dirty="0" smtClean="0"/>
-              <a:t>Scaling! (usually only up, not out)</a:t>
-            </a:r>
-          </a:p>
-          <a:p>
-            <a:r>
-              <a:rPr lang="en-US" dirty="0" smtClean="0"/>
-              <a:t>Flexible/unstructured data</a:t>
-            </a:r>
-          </a:p>
-          <a:p>
-            <a:r>
-              <a:rPr lang="en-US" dirty="0" smtClean="0"/>
-              <a:t>Impedance mismatch (i.e. the complexities of translating object-oriented application data structures into the relational model through ORM)</a:t>
+              <a:t>Homogenous data adheres to a rigid schema</a:t>
+            </a:r>
+          </a:p>
+          <a:p>
+            <a:r>
+              <a:rPr lang="en-US" dirty="0" smtClean="0"/>
+              <a:t>Allows for flexible queries</a:t>
+            </a:r>
+          </a:p>
+          <a:p>
+            <a:r>
+              <a:rPr lang="en-US" dirty="0" smtClean="0"/>
+              <a:t>Very consistent and durable</a:t>
+            </a:r>
+          </a:p>
+          <a:p>
+            <a:r>
+              <a:rPr lang="en-US" dirty="0" smtClean="0"/>
+              <a:t>ACID transactions</a:t>
             </a:r>
             <a:endParaRPr lang="en-US" dirty="0"/>
           </a:p>
@@ -5965,7 +6000,7 @@
     </p:spTree>
     <p:extLst>
       <p:ext uri="{BB962C8B-B14F-4D97-AF65-F5344CB8AC3E}">
-        <p14:creationId xmlns:p14="http://schemas.microsoft.com/office/powerpoint/2010/main" val="2335218448"/>
+        <p14:creationId xmlns:p14="http://schemas.microsoft.com/office/powerpoint/2010/main" val="3408664181"/>
       </p:ext>
     </p:extLst>
   </p:cSld>
@@ -6009,7 +6044,7 @@
           <a:p>
             <a:r>
               <a:rPr lang="en-US" dirty="0" smtClean="0"/>
-              <a:t>Common Examples</a:t>
+              <a:t>What Are RDBMS not good at?</a:t>
             </a:r>
             <a:endParaRPr lang="en-US" dirty="0"/>
           </a:p>
@@ -6032,25 +6067,19 @@
           <a:p>
             <a:r>
               <a:rPr lang="en-US" dirty="0" smtClean="0"/>
-              <a:t>Microsoft SQL Server</a:t>
-            </a:r>
-          </a:p>
-          <a:p>
-            <a:r>
-              <a:rPr lang="en-US" dirty="0" smtClean="0"/>
-              <a:t>Oracle RDBMS</a:t>
-            </a:r>
-          </a:p>
-          <a:p>
-            <a:r>
-              <a:rPr lang="en-US" dirty="0" smtClean="0"/>
-              <a:t>Postgres</a:t>
-            </a:r>
-          </a:p>
-          <a:p>
-            <a:r>
-              <a:rPr lang="en-US" dirty="0" smtClean="0"/>
-              <a:t>MySQL</a:t>
+              <a:t>Scaling! (usually only up, not out)</a:t>
+            </a:r>
+          </a:p>
+          <a:p>
+            <a:r>
+              <a:rPr lang="en-US" dirty="0" smtClean="0"/>
+              <a:t>Flexible/unstructured data</a:t>
+            </a:r>
+          </a:p>
+          <a:p>
+            <a:r>
+              <a:rPr lang="en-US" dirty="0" smtClean="0"/>
+              <a:t>Impedance mismatch (i.e. the complexities of translating object-oriented application data structures into the relational model through ORM)</a:t>
             </a:r>
             <a:endParaRPr lang="en-US" dirty="0"/>
           </a:p>
@@ -6059,7 +6088,7 @@
     </p:spTree>
     <p:extLst>
       <p:ext uri="{BB962C8B-B14F-4D97-AF65-F5344CB8AC3E}">
-        <p14:creationId xmlns:p14="http://schemas.microsoft.com/office/powerpoint/2010/main" val="3971809877"/>
+        <p14:creationId xmlns:p14="http://schemas.microsoft.com/office/powerpoint/2010/main" val="2335218448"/>
       </p:ext>
     </p:extLst>
   </p:cSld>
@@ -6103,6 +6132,100 @@
           <a:p>
             <a:r>
               <a:rPr lang="en-US" dirty="0" smtClean="0"/>
+              <a:t>Common Examples</a:t>
+            </a:r>
+            <a:endParaRPr lang="en-US" dirty="0"/>
+          </a:p>
+        </p:txBody>
+      </p:sp>
+      <p:sp>
+        <p:nvSpPr>
+          <p:cNvPr id="3" name="Content Placeholder 2"/>
+          <p:cNvSpPr>
+            <a:spLocks noGrp="1"/>
+          </p:cNvSpPr>
+          <p:nvPr>
+            <p:ph idx="1"/>
+          </p:nvPr>
+        </p:nvSpPr>
+        <p:spPr/>
+        <p:txBody>
+          <a:bodyPr/>
+          <a:lstStyle/>
+          <a:p>
+            <a:r>
+              <a:rPr lang="en-US" dirty="0" smtClean="0"/>
+              <a:t>Microsoft SQL Server</a:t>
+            </a:r>
+          </a:p>
+          <a:p>
+            <a:r>
+              <a:rPr lang="en-US" dirty="0" smtClean="0"/>
+              <a:t>Oracle RDBMS</a:t>
+            </a:r>
+          </a:p>
+          <a:p>
+            <a:r>
+              <a:rPr lang="en-US" dirty="0" smtClean="0"/>
+              <a:t>Postgres</a:t>
+            </a:r>
+          </a:p>
+          <a:p>
+            <a:r>
+              <a:rPr lang="en-US" dirty="0" smtClean="0"/>
+              <a:t>MySQL</a:t>
+            </a:r>
+            <a:endParaRPr lang="en-US" dirty="0"/>
+          </a:p>
+        </p:txBody>
+      </p:sp>
+    </p:spTree>
+    <p:extLst>
+      <p:ext uri="{BB962C8B-B14F-4D97-AF65-F5344CB8AC3E}">
+        <p14:creationId xmlns:p14="http://schemas.microsoft.com/office/powerpoint/2010/main" val="3971809877"/>
+      </p:ext>
+    </p:extLst>
+  </p:cSld>
+  <p:clrMapOvr>
+    <a:masterClrMapping/>
+  </p:clrMapOvr>
+</p:sld>
+</file>
+
+<file path=ppt/slides/slide17.xml><?xml version="1.0" encoding="utf-8"?>
+<p:sld xmlns:a="http://schemas.openxmlformats.org/drawingml/2006/main" xmlns:r="http://schemas.openxmlformats.org/officeDocument/2006/relationships" xmlns:p="http://schemas.openxmlformats.org/presentationml/2006/main">
+  <p:cSld>
+    <p:spTree>
+      <p:nvGrpSpPr>
+        <p:cNvPr id="1" name=""/>
+        <p:cNvGrpSpPr/>
+        <p:nvPr/>
+      </p:nvGrpSpPr>
+      <p:grpSpPr>
+        <a:xfrm>
+          <a:off x="0" y="0"/>
+          <a:ext cx="0" cy="0"/>
+          <a:chOff x="0" y="0"/>
+          <a:chExt cx="0" cy="0"/>
+        </a:xfrm>
+      </p:grpSpPr>
+      <p:sp>
+        <p:nvSpPr>
+          <p:cNvPr id="2" name="Title 1"/>
+          <p:cNvSpPr>
+            <a:spLocks noGrp="1"/>
+          </p:cNvSpPr>
+          <p:nvPr>
+            <p:ph type="title"/>
+          </p:nvPr>
+        </p:nvSpPr>
+        <p:spPr/>
+        <p:txBody>
+          <a:bodyPr/>
+          <a:lstStyle/>
+          <a:p>
+            <a:r>
+              <a:rPr lang="en-US" dirty="0" smtClean="0"/>
               <a:t>Key-Value Stores</a:t>
             </a:r>
             <a:endParaRPr lang="en-US" dirty="0"/>
@@ -6145,7 +6268,7 @@
 </p:sld>
 </file>
 
-<file path=ppt/slides/slide17.xml><?xml version="1.0" encoding="utf-8"?>
+<file path=ppt/slides/slide18.xml><?xml version="1.0" encoding="utf-8"?>
 <p:sld xmlns:a="http://schemas.openxmlformats.org/drawingml/2006/main" xmlns:r="http://schemas.openxmlformats.org/officeDocument/2006/relationships" xmlns:p="http://schemas.openxmlformats.org/presentationml/2006/main">
   <p:cSld>
     <p:spTree>
@@ -6374,106 +6497,6 @@
 </p:sld>
 </file>
 
-<file path=ppt/slides/slide18.xml><?xml version="1.0" encoding="utf-8"?>
-<p:sld xmlns:a="http://schemas.openxmlformats.org/drawingml/2006/main" xmlns:r="http://schemas.openxmlformats.org/officeDocument/2006/relationships" xmlns:p="http://schemas.openxmlformats.org/presentationml/2006/main">
-  <p:cSld>
-    <p:spTree>
-      <p:nvGrpSpPr>
-        <p:cNvPr id="1" name=""/>
-        <p:cNvGrpSpPr/>
-        <p:nvPr/>
-      </p:nvGrpSpPr>
-      <p:grpSpPr>
-        <a:xfrm>
-          <a:off x="0" y="0"/>
-          <a:ext cx="0" cy="0"/>
-          <a:chOff x="0" y="0"/>
-          <a:chExt cx="0" cy="0"/>
-        </a:xfrm>
-      </p:grpSpPr>
-      <p:sp>
-        <p:nvSpPr>
-          <p:cNvPr id="2" name="Title 1"/>
-          <p:cNvSpPr>
-            <a:spLocks noGrp="1"/>
-          </p:cNvSpPr>
-          <p:nvPr>
-            <p:ph type="title"/>
-          </p:nvPr>
-        </p:nvSpPr>
-        <p:spPr/>
-        <p:txBody>
-          <a:bodyPr/>
-          <a:lstStyle/>
-          <a:p>
-            <a:r>
-              <a:rPr lang="en-US" dirty="0" smtClean="0"/>
-              <a:t>Example: RIAK</a:t>
-            </a:r>
-            <a:endParaRPr lang="en-US" dirty="0"/>
-          </a:p>
-        </p:txBody>
-      </p:sp>
-      <p:sp>
-        <p:nvSpPr>
-          <p:cNvPr id="3" name="Content Placeholder 2"/>
-          <p:cNvSpPr>
-            <a:spLocks noGrp="1"/>
-          </p:cNvSpPr>
-          <p:nvPr>
-            <p:ph idx="1"/>
-          </p:nvPr>
-        </p:nvSpPr>
-        <p:spPr/>
-        <p:txBody>
-          <a:bodyPr/>
-          <a:lstStyle/>
-          <a:p>
-            <a:r>
-              <a:rPr lang="en-US" dirty="0" smtClean="0"/>
-              <a:t>RIAK doesn’t even implement a query language – just http endpoints</a:t>
-            </a:r>
-          </a:p>
-          <a:p>
-            <a:r>
-              <a:rPr lang="en-US" dirty="0" smtClean="0"/>
-              <a:t>Creates buckets automatically</a:t>
-            </a:r>
-          </a:p>
-          <a:p>
-            <a:r>
-              <a:rPr lang="en-US" dirty="0" smtClean="0"/>
-              <a:t>Add keys with PUT</a:t>
-            </a:r>
-          </a:p>
-          <a:p>
-            <a:r>
-              <a:rPr lang="en-US" dirty="0" smtClean="0"/>
-              <a:t>Delete keys with DELETE</a:t>
-            </a:r>
-          </a:p>
-          <a:p>
-            <a:r>
-              <a:rPr lang="en-US" dirty="0" smtClean="0"/>
-              <a:t>Resolve queries with GET</a:t>
-            </a:r>
-            <a:endParaRPr lang="en-US" dirty="0"/>
-          </a:p>
-        </p:txBody>
-      </p:sp>
-    </p:spTree>
-    <p:extLst>
-      <p:ext uri="{BB962C8B-B14F-4D97-AF65-F5344CB8AC3E}">
-        <p14:creationId xmlns:p14="http://schemas.microsoft.com/office/powerpoint/2010/main" val="1018256862"/>
-      </p:ext>
-    </p:extLst>
-  </p:cSld>
-  <p:clrMapOvr>
-    <a:masterClrMapping/>
-  </p:clrMapOvr>
-</p:sld>
-</file>
-
 <file path=ppt/slides/slide19.xml><?xml version="1.0" encoding="utf-8"?>
 <p:sld xmlns:a="http://schemas.openxmlformats.org/drawingml/2006/main" xmlns:r="http://schemas.openxmlformats.org/officeDocument/2006/relationships" xmlns:p="http://schemas.openxmlformats.org/presentationml/2006/main">
   <p:cSld>
@@ -6508,7 +6531,7 @@
           <a:p>
             <a:r>
               <a:rPr lang="en-US" dirty="0" smtClean="0"/>
-              <a:t>Demo - RIAK</a:t>
+              <a:t>Example: RIAK</a:t>
             </a:r>
             <a:endParaRPr lang="en-US" dirty="0"/>
           </a:p>
@@ -6529,14 +6552,42 @@
           <a:bodyPr/>
           <a:lstStyle/>
           <a:p>
-            <a:endParaRPr lang="en-US"/>
+            <a:r>
+              <a:rPr lang="en-US" dirty="0" smtClean="0"/>
+              <a:t>RIAK doesn’t even implement a query language – just http endpoints</a:t>
+            </a:r>
+          </a:p>
+          <a:p>
+            <a:r>
+              <a:rPr lang="en-US" dirty="0" smtClean="0"/>
+              <a:t>Creates buckets automatically</a:t>
+            </a:r>
+          </a:p>
+          <a:p>
+            <a:r>
+              <a:rPr lang="en-US" dirty="0" smtClean="0"/>
+              <a:t>Add keys with PUT</a:t>
+            </a:r>
+          </a:p>
+          <a:p>
+            <a:r>
+              <a:rPr lang="en-US" dirty="0" smtClean="0"/>
+              <a:t>Delete keys with DELETE</a:t>
+            </a:r>
+          </a:p>
+          <a:p>
+            <a:r>
+              <a:rPr lang="en-US" dirty="0" smtClean="0"/>
+              <a:t>Resolve queries with GET</a:t>
+            </a:r>
+            <a:endParaRPr lang="en-US" dirty="0"/>
           </a:p>
         </p:txBody>
       </p:sp>
     </p:spTree>
     <p:extLst>
       <p:ext uri="{BB962C8B-B14F-4D97-AF65-F5344CB8AC3E}">
-        <p14:creationId xmlns:p14="http://schemas.microsoft.com/office/powerpoint/2010/main" val="2062835843"/>
+        <p14:creationId xmlns:p14="http://schemas.microsoft.com/office/powerpoint/2010/main" val="1018256862"/>
       </p:ext>
     </p:extLst>
   </p:cSld>
@@ -6627,7 +6678,7 @@
         <p:spPr/>
         <p:txBody>
           <a:bodyPr>
-            <a:normAutofit fontScale="70000" lnSpcReduction="20000"/>
+            <a:normAutofit fontScale="62500" lnSpcReduction="20000"/>
           </a:bodyPr>
           <a:lstStyle/>
           <a:p>
@@ -6645,17 +6696,18 @@
           <a:p>
             <a:r>
               <a:rPr lang="en-US" dirty="0" smtClean="0"/>
-              <a:t>1. Why Polyglot Persistence?</a:t>
-            </a:r>
-          </a:p>
-          <a:p>
-            <a:r>
-              <a:rPr lang="en-US" dirty="0" smtClean="0"/>
-              <a:t>2. Relational Database: </a:t>
-            </a:r>
-            <a:r>
-              <a:rPr lang="en-US" dirty="0" smtClean="0"/>
-              <a:t>PostgreSQL</a:t>
+              <a:t>1. </a:t>
+            </a:r>
+            <a:r>
+              <a:rPr lang="en-US" dirty="0" smtClean="0"/>
+              <a:t>How did we get here?</a:t>
+            </a:r>
+            <a:endParaRPr lang="en-US" dirty="0" smtClean="0"/>
+          </a:p>
+          <a:p>
+            <a:r>
+              <a:rPr lang="en-US" dirty="0" smtClean="0"/>
+              <a:t>2. Relational Database: PostgreSQL</a:t>
             </a:r>
           </a:p>
           <a:p>
@@ -6715,7 +6767,19 @@
           <a:p>
             <a:r>
               <a:rPr lang="en-US" dirty="0" smtClean="0"/>
-              <a:t>5. Column Store: </a:t>
+              <a:t>5. </a:t>
+            </a:r>
+            <a:r>
+              <a:rPr lang="en-US" dirty="0" smtClean="0"/>
+              <a:t>Row</a:t>
+            </a:r>
+            <a:r>
+              <a:rPr lang="en-US" dirty="0" smtClean="0"/>
+              <a:t> </a:t>
+            </a:r>
+            <a:r>
+              <a:rPr lang="en-US" dirty="0" smtClean="0"/>
+              <a:t>Store: </a:t>
             </a:r>
             <a:r>
               <a:rPr lang="en-US" dirty="0"/>
@@ -6725,12 +6789,22 @@
               <a:rPr lang="en-US" dirty="0" smtClean="0"/>
               <a:t>Cassandra</a:t>
             </a:r>
+          </a:p>
+          <a:p>
+            <a:r>
+              <a:rPr lang="en-US" dirty="0" smtClean="0"/>
+              <a:t>6. Column Store: Apache </a:t>
+            </a:r>
+            <a:r>
+              <a:rPr lang="en-US" dirty="0" err="1" smtClean="0"/>
+              <a:t>hbase</a:t>
+            </a:r>
             <a:endParaRPr lang="en-US" dirty="0" smtClean="0"/>
           </a:p>
           <a:p>
             <a:r>
               <a:rPr lang="en-US" dirty="0"/>
-              <a:t>6</a:t>
+              <a:t>7</a:t>
             </a:r>
             <a:r>
               <a:rPr lang="en-US" dirty="0" smtClean="0"/>
@@ -6743,12 +6817,16 @@
           </a:p>
           <a:p>
             <a:r>
-              <a:rPr lang="en-US" dirty="0" smtClean="0"/>
-              <a:t>7</a:t>
-            </a:r>
-            <a:r>
-              <a:rPr lang="en-US" dirty="0" smtClean="0"/>
-              <a:t>. Putting It All Together</a:t>
+              <a:rPr lang="en-US" dirty="0"/>
+              <a:t>8</a:t>
+            </a:r>
+            <a:r>
+              <a:rPr lang="en-US" dirty="0" smtClean="0"/>
+              <a:t>. </a:t>
+            </a:r>
+            <a:r>
+              <a:rPr lang="en-US" dirty="0" smtClean="0"/>
+              <a:t>Putting It All Together</a:t>
             </a:r>
             <a:endParaRPr lang="en-US" dirty="0"/>
           </a:p>
@@ -6808,7 +6886,7 @@
           <a:p>
             <a:r>
               <a:rPr lang="en-US" dirty="0" smtClean="0"/>
-              <a:t>When KV Stores are great</a:t>
+              <a:t>Demo - RIAK</a:t>
             </a:r>
             <a:endParaRPr lang="en-US" dirty="0"/>
           </a:p>
@@ -6829,23 +6907,14 @@
           <a:bodyPr/>
           <a:lstStyle/>
           <a:p>
-            <a:r>
-              <a:rPr lang="en-US" dirty="0" smtClean="0"/>
-              <a:t>If you always know and query by the key</a:t>
-            </a:r>
-          </a:p>
-          <a:p>
-            <a:r>
-              <a:rPr lang="en-US" dirty="0" smtClean="0"/>
-              <a:t>For quick, discrete lookups</a:t>
-            </a:r>
+            <a:endParaRPr lang="en-US"/>
           </a:p>
         </p:txBody>
       </p:sp>
     </p:spTree>
     <p:extLst>
       <p:ext uri="{BB962C8B-B14F-4D97-AF65-F5344CB8AC3E}">
-        <p14:creationId xmlns:p14="http://schemas.microsoft.com/office/powerpoint/2010/main" val="1999170085"/>
+        <p14:creationId xmlns:p14="http://schemas.microsoft.com/office/powerpoint/2010/main" val="2062835843"/>
       </p:ext>
     </p:extLst>
   </p:cSld>
@@ -6889,7 +6958,7 @@
           <a:p>
             <a:r>
               <a:rPr lang="en-US" dirty="0" smtClean="0"/>
-              <a:t>Examples</a:t>
+              <a:t>When KV Stores are great</a:t>
             </a:r>
             <a:endParaRPr lang="en-US" dirty="0"/>
           </a:p>
@@ -6912,34 +6981,21 @@
           <a:p>
             <a:r>
               <a:rPr lang="en-US" dirty="0" smtClean="0"/>
-              <a:t>RIAK</a:t>
-            </a:r>
-          </a:p>
-          <a:p>
-            <a:r>
-              <a:rPr lang="en-US" dirty="0" smtClean="0"/>
-              <a:t>REDIS</a:t>
-            </a:r>
-          </a:p>
-          <a:p>
-            <a:r>
-              <a:rPr lang="en-US" dirty="0" smtClean="0"/>
-              <a:t>(MEMCACHED)</a:t>
-            </a:r>
-          </a:p>
-          <a:p>
-            <a:r>
-              <a:rPr lang="en-US" dirty="0" smtClean="0"/>
-              <a:t>Azure Table Storage</a:t>
-            </a:r>
-            <a:endParaRPr lang="en-US" dirty="0"/>
+              <a:t>If you always know and query by the key</a:t>
+            </a:r>
+          </a:p>
+          <a:p>
+            <a:r>
+              <a:rPr lang="en-US" dirty="0" smtClean="0"/>
+              <a:t>For quick, discrete lookups</a:t>
+            </a:r>
           </a:p>
         </p:txBody>
       </p:sp>
     </p:spTree>
     <p:extLst>
       <p:ext uri="{BB962C8B-B14F-4D97-AF65-F5344CB8AC3E}">
-        <p14:creationId xmlns:p14="http://schemas.microsoft.com/office/powerpoint/2010/main" val="2943953402"/>
+        <p14:creationId xmlns:p14="http://schemas.microsoft.com/office/powerpoint/2010/main" val="1999170085"/>
       </p:ext>
     </p:extLst>
   </p:cSld>
@@ -6983,27 +7039,49 @@
           <a:p>
             <a:r>
               <a:rPr lang="en-US" dirty="0" smtClean="0"/>
-              <a:t>A better inventory and order system: Document stores</a:t>
-            </a:r>
-            <a:endParaRPr lang="en-US" dirty="0"/>
-          </a:p>
-        </p:txBody>
-      </p:sp>
-      <p:sp>
-        <p:nvSpPr>
-          <p:cNvPr id="4" name="Text Placeholder 3"/>
-          <p:cNvSpPr>
-            <a:spLocks noGrp="1"/>
-          </p:cNvSpPr>
-          <p:nvPr>
-            <p:ph type="body" idx="1"/>
-          </p:nvPr>
-        </p:nvSpPr>
-        <p:spPr/>
-        <p:txBody>
-          <a:bodyPr/>
-          <a:lstStyle/>
-          <a:p>
+              <a:t>Examples</a:t>
+            </a:r>
+            <a:endParaRPr lang="en-US" dirty="0"/>
+          </a:p>
+        </p:txBody>
+      </p:sp>
+      <p:sp>
+        <p:nvSpPr>
+          <p:cNvPr id="3" name="Content Placeholder 2"/>
+          <p:cNvSpPr>
+            <a:spLocks noGrp="1"/>
+          </p:cNvSpPr>
+          <p:nvPr>
+            <p:ph idx="1"/>
+          </p:nvPr>
+        </p:nvSpPr>
+        <p:spPr/>
+        <p:txBody>
+          <a:bodyPr/>
+          <a:lstStyle/>
+          <a:p>
+            <a:r>
+              <a:rPr lang="en-US" dirty="0" smtClean="0"/>
+              <a:t>RIAK</a:t>
+            </a:r>
+          </a:p>
+          <a:p>
+            <a:r>
+              <a:rPr lang="en-US" dirty="0" smtClean="0"/>
+              <a:t>REDIS</a:t>
+            </a:r>
+          </a:p>
+          <a:p>
+            <a:r>
+              <a:rPr lang="en-US" dirty="0" smtClean="0"/>
+              <a:t>(MEMCACHED)</a:t>
+            </a:r>
+          </a:p>
+          <a:p>
+            <a:r>
+              <a:rPr lang="en-US" dirty="0" smtClean="0"/>
+              <a:t>Azure Table Storage</a:t>
+            </a:r>
             <a:endParaRPr lang="en-US" dirty="0"/>
           </a:p>
         </p:txBody>
@@ -7011,7 +7089,7 @@
     </p:spTree>
     <p:extLst>
       <p:ext uri="{BB962C8B-B14F-4D97-AF65-F5344CB8AC3E}">
-        <p14:creationId xmlns:p14="http://schemas.microsoft.com/office/powerpoint/2010/main" val="1430660646"/>
+        <p14:creationId xmlns:p14="http://schemas.microsoft.com/office/powerpoint/2010/main" val="2943953402"/>
       </p:ext>
     </p:extLst>
   </p:cSld>
@@ -7040,7 +7118,7 @@
       </p:grpSpPr>
       <p:sp>
         <p:nvSpPr>
-          <p:cNvPr id="4" name="Title 3"/>
+          <p:cNvPr id="2" name="Title 1"/>
           <p:cNvSpPr>
             <a:spLocks noGrp="1"/>
           </p:cNvSpPr>
@@ -7055,78 +7133,27 @@
           <a:p>
             <a:r>
               <a:rPr lang="en-US" dirty="0" smtClean="0"/>
-              <a:t>Properties of Document Stores</a:t>
-            </a:r>
-            <a:endParaRPr lang="en-US" dirty="0"/>
-          </a:p>
-        </p:txBody>
-      </p:sp>
-      <p:sp>
-        <p:nvSpPr>
-          <p:cNvPr id="5" name="Content Placeholder 4"/>
-          <p:cNvSpPr>
-            <a:spLocks noGrp="1"/>
-          </p:cNvSpPr>
-          <p:nvPr>
-            <p:ph idx="1"/>
-          </p:nvPr>
-        </p:nvSpPr>
-        <p:spPr/>
-        <p:txBody>
-          <a:bodyPr>
-            <a:normAutofit fontScale="92500"/>
-          </a:bodyPr>
-          <a:lstStyle/>
-          <a:p>
-            <a:r>
-              <a:rPr lang="en-US" dirty="0" smtClean="0"/>
-              <a:t>Typically schema free</a:t>
-            </a:r>
-          </a:p>
-          <a:p>
-            <a:pPr lvl="1"/>
-            <a:r>
-              <a:rPr lang="en-US" dirty="0" smtClean="0"/>
-              <a:t>Records in the same collection do not have to have the same structure</a:t>
-            </a:r>
-          </a:p>
-          <a:p>
-            <a:pPr lvl="1"/>
-            <a:r>
-              <a:rPr lang="en-US" dirty="0" smtClean="0"/>
-              <a:t>Columns can have multiple values (arrays) or have nested structures</a:t>
-            </a:r>
-          </a:p>
-          <a:p>
-            <a:pPr lvl="1"/>
-            <a:r>
-              <a:rPr lang="en-US" dirty="0" smtClean="0"/>
-              <a:t>Special case of the KV-store we’ll look at later</a:t>
-            </a:r>
-          </a:p>
-          <a:p>
-            <a:r>
-              <a:rPr lang="en-US" dirty="0" smtClean="0"/>
-              <a:t>Part of the NoSQL family</a:t>
-            </a:r>
-          </a:p>
-          <a:p>
-            <a:r>
-              <a:rPr lang="en-US" dirty="0" smtClean="0"/>
-              <a:t>Built for simplicity</a:t>
-            </a:r>
-          </a:p>
-          <a:p>
-            <a:r>
-              <a:rPr lang="en-US" dirty="0" smtClean="0"/>
-              <a:t>Flexible query options</a:t>
-            </a:r>
-          </a:p>
-          <a:p>
-            <a:r>
-              <a:rPr lang="en-US" dirty="0" smtClean="0"/>
-              <a:t>Documents are typically JSON but can be plain text value in a KV store (would require external de-serialization)</a:t>
-            </a:r>
+              <a:t>A better inventory and order system: Document stores</a:t>
+            </a:r>
+            <a:endParaRPr lang="en-US" dirty="0"/>
+          </a:p>
+        </p:txBody>
+      </p:sp>
+      <p:sp>
+        <p:nvSpPr>
+          <p:cNvPr id="4" name="Text Placeholder 3"/>
+          <p:cNvSpPr>
+            <a:spLocks noGrp="1"/>
+          </p:cNvSpPr>
+          <p:nvPr>
+            <p:ph type="body" idx="1"/>
+          </p:nvPr>
+        </p:nvSpPr>
+        <p:spPr/>
+        <p:txBody>
+          <a:bodyPr/>
+          <a:lstStyle/>
+          <a:p>
             <a:endParaRPr lang="en-US" dirty="0"/>
           </a:p>
         </p:txBody>
@@ -7134,7 +7161,7 @@
     </p:spTree>
     <p:extLst>
       <p:ext uri="{BB962C8B-B14F-4D97-AF65-F5344CB8AC3E}">
-        <p14:creationId xmlns:p14="http://schemas.microsoft.com/office/powerpoint/2010/main" val="929217427"/>
+        <p14:creationId xmlns:p14="http://schemas.microsoft.com/office/powerpoint/2010/main" val="1430660646"/>
       </p:ext>
     </p:extLst>
   </p:cSld>
@@ -7163,7 +7190,7 @@
       </p:grpSpPr>
       <p:sp>
         <p:nvSpPr>
-          <p:cNvPr id="2" name="Title 1"/>
+          <p:cNvPr id="4" name="Title 3"/>
           <p:cNvSpPr>
             <a:spLocks noGrp="1"/>
           </p:cNvSpPr>
@@ -7178,15 +7205,15 @@
           <a:p>
             <a:r>
               <a:rPr lang="en-US" dirty="0" smtClean="0"/>
-              <a:t>Example: MongoDB</a:t>
-            </a:r>
-            <a:endParaRPr lang="en-US" dirty="0"/>
-          </a:p>
-        </p:txBody>
-      </p:sp>
-      <p:sp>
-        <p:nvSpPr>
-          <p:cNvPr id="3" name="Content Placeholder 2"/>
+              <a:t>Properties of Document Stores</a:t>
+            </a:r>
+            <a:endParaRPr lang="en-US" dirty="0"/>
+          </a:p>
+        </p:txBody>
+      </p:sp>
+      <p:sp>
+        <p:nvSpPr>
+          <p:cNvPr id="5" name="Content Placeholder 4"/>
           <p:cNvSpPr>
             <a:spLocks noGrp="1"/>
           </p:cNvSpPr>
@@ -7196,103 +7223,60 @@
         </p:nvSpPr>
         <p:spPr/>
         <p:txBody>
-          <a:bodyPr/>
-          <a:lstStyle/>
-          <a:p>
-            <a:r>
-              <a:rPr lang="en-US" dirty="0" smtClean="0"/>
-              <a:t>SELECT = db.[collection].find()</a:t>
-            </a:r>
-          </a:p>
-          <a:p>
-            <a:r>
-              <a:rPr lang="en-US" dirty="0" smtClean="0"/>
-              <a:t>INSERT = db.[collection].</a:t>
-            </a:r>
-            <a:r>
-              <a:rPr lang="en-US" dirty="0" err="1" smtClean="0"/>
-              <a:t>insertOne</a:t>
-            </a:r>
-            <a:r>
-              <a:rPr lang="en-US" dirty="0" smtClean="0"/>
-              <a:t>() / db.[collection].</a:t>
-            </a:r>
-            <a:r>
-              <a:rPr lang="en-US" dirty="0" err="1" smtClean="0"/>
-              <a:t>insertMany</a:t>
-            </a:r>
-            <a:r>
-              <a:rPr lang="en-US" dirty="0" smtClean="0"/>
-              <a:t>()</a:t>
-            </a:r>
-          </a:p>
-          <a:p>
-            <a:r>
-              <a:rPr lang="en-US" dirty="0" smtClean="0"/>
-              <a:t>UPDATE = db.[collection].</a:t>
-            </a:r>
-            <a:r>
-              <a:rPr lang="en-US" dirty="0" err="1" smtClean="0"/>
-              <a:t>updateOne</a:t>
-            </a:r>
-            <a:r>
-              <a:rPr lang="en-US" dirty="0" smtClean="0"/>
-              <a:t>(</a:t>
-            </a:r>
-            <a:r>
-              <a:rPr lang="en-US" dirty="0"/>
-              <a:t>&lt;filter&gt;, &lt;update&gt;, &lt;options&gt;</a:t>
-            </a:r>
-            <a:r>
-              <a:rPr lang="en-US" dirty="0" smtClean="0"/>
-              <a:t>) / db.[collection].</a:t>
-            </a:r>
-            <a:r>
-              <a:rPr lang="en-US" dirty="0" err="1" smtClean="0"/>
-              <a:t>updateMany</a:t>
-            </a:r>
-            <a:r>
-              <a:rPr lang="en-US" dirty="0" smtClean="0"/>
-              <a:t>() / db.[collection].</a:t>
-            </a:r>
-            <a:r>
-              <a:rPr lang="en-US" dirty="0" err="1" smtClean="0"/>
-              <a:t>replaceOne</a:t>
-            </a:r>
-            <a:r>
-              <a:rPr lang="en-US" dirty="0" smtClean="0"/>
-              <a:t>()</a:t>
-            </a:r>
-          </a:p>
-          <a:p>
-            <a:r>
-              <a:rPr lang="en-US" dirty="0" smtClean="0"/>
-              <a:t>DELETE = db.[collection].</a:t>
-            </a:r>
-            <a:r>
-              <a:rPr lang="en-US" dirty="0" err="1" smtClean="0"/>
-              <a:t>deleteOne</a:t>
-            </a:r>
-            <a:r>
-              <a:rPr lang="en-US" dirty="0" smtClean="0"/>
-              <a:t>() / db.[collection].</a:t>
-            </a:r>
-            <a:r>
-              <a:rPr lang="en-US" dirty="0" err="1" smtClean="0"/>
-              <a:t>deleteMany</a:t>
-            </a:r>
-            <a:r>
-              <a:rPr lang="en-US" dirty="0" smtClean="0"/>
-              <a:t>()</a:t>
-            </a:r>
-          </a:p>
-          <a:p>
-            <a:r>
-              <a:rPr lang="en-US" dirty="0" smtClean="0"/>
-              <a:t>OMG – the mongo shell is also a full JS interpreter!</a:t>
-            </a:r>
-          </a:p>
-          <a:p>
+          <a:bodyPr>
+            <a:normAutofit fontScale="92500"/>
+          </a:bodyPr>
+          <a:lstStyle/>
+          <a:p>
+            <a:r>
+              <a:rPr lang="en-US" dirty="0" smtClean="0"/>
+              <a:t>Typically schema free</a:t>
+            </a:r>
+          </a:p>
+          <a:p>
+            <a:pPr lvl="1"/>
+            <a:r>
+              <a:rPr lang="en-US" dirty="0" smtClean="0"/>
+              <a:t>Records in the same collection do not have to have the same structure</a:t>
+            </a:r>
+          </a:p>
+          <a:p>
+            <a:pPr lvl="1"/>
+            <a:r>
+              <a:rPr lang="en-US" dirty="0" smtClean="0"/>
+              <a:t>Columns can have multiple values (arrays) or have nested structures</a:t>
+            </a:r>
+          </a:p>
+          <a:p>
+            <a:pPr lvl="1"/>
+            <a:r>
+              <a:rPr lang="en-US" dirty="0" smtClean="0"/>
+              <a:t>Special case of the KV-store we’ll look at later</a:t>
+            </a:r>
+          </a:p>
+          <a:p>
+            <a:r>
+              <a:rPr lang="en-US" dirty="0" smtClean="0"/>
+              <a:t>Part of the NoSQL family</a:t>
+            </a:r>
+          </a:p>
+          <a:p>
+            <a:r>
+              <a:rPr lang="en-US" dirty="0" smtClean="0"/>
+              <a:t>Built for simplicity</a:t>
+            </a:r>
+          </a:p>
+          <a:p>
+            <a:r>
+              <a:rPr lang="en-US" dirty="0" smtClean="0"/>
+              <a:t>Flexible query options</a:t>
+            </a:r>
+          </a:p>
+          <a:p>
+            <a:r>
+              <a:rPr lang="en-US" dirty="0" smtClean="0"/>
+              <a:t>Documents are typically JSON but can be plain text value in a KV store (would require external de-serialization)</a:t>
+            </a:r>
             <a:endParaRPr lang="en-US" dirty="0"/>
           </a:p>
         </p:txBody>
@@ -7300,7 +7284,7 @@
     </p:spTree>
     <p:extLst>
       <p:ext uri="{BB962C8B-B14F-4D97-AF65-F5344CB8AC3E}">
-        <p14:creationId xmlns:p14="http://schemas.microsoft.com/office/powerpoint/2010/main" val="627341218"/>
+        <p14:creationId xmlns:p14="http://schemas.microsoft.com/office/powerpoint/2010/main" val="929217427"/>
       </p:ext>
     </p:extLst>
   </p:cSld>
@@ -7344,7 +7328,7 @@
           <a:p>
             <a:r>
               <a:rPr lang="en-US" dirty="0" smtClean="0"/>
-              <a:t>Demo TIME</a:t>
+              <a:t>Example: MongoDB</a:t>
             </a:r>
             <a:endParaRPr lang="en-US" dirty="0"/>
           </a:p>
@@ -7365,14 +7349,108 @@
           <a:bodyPr/>
           <a:lstStyle/>
           <a:p>
-            <a:endParaRPr lang="en-US"/>
+            <a:r>
+              <a:rPr lang="en-US" dirty="0" smtClean="0"/>
+              <a:t>SELECT = db.[collection].find()</a:t>
+            </a:r>
+          </a:p>
+          <a:p>
+            <a:r>
+              <a:rPr lang="en-US" dirty="0" smtClean="0"/>
+              <a:t>INSERT = db.[collection].</a:t>
+            </a:r>
+            <a:r>
+              <a:rPr lang="en-US" dirty="0" err="1" smtClean="0"/>
+              <a:t>insertOne</a:t>
+            </a:r>
+            <a:r>
+              <a:rPr lang="en-US" dirty="0" smtClean="0"/>
+              <a:t>() / db.[collection].</a:t>
+            </a:r>
+            <a:r>
+              <a:rPr lang="en-US" dirty="0" err="1" smtClean="0"/>
+              <a:t>insertMany</a:t>
+            </a:r>
+            <a:r>
+              <a:rPr lang="en-US" dirty="0" smtClean="0"/>
+              <a:t>()</a:t>
+            </a:r>
+          </a:p>
+          <a:p>
+            <a:r>
+              <a:rPr lang="en-US" dirty="0" smtClean="0"/>
+              <a:t>UPDATE = db.[collection].</a:t>
+            </a:r>
+            <a:r>
+              <a:rPr lang="en-US" dirty="0" err="1" smtClean="0"/>
+              <a:t>updateOne</a:t>
+            </a:r>
+            <a:r>
+              <a:rPr lang="en-US" dirty="0" smtClean="0"/>
+              <a:t>(</a:t>
+            </a:r>
+            <a:r>
+              <a:rPr lang="en-US" dirty="0"/>
+              <a:t>&lt;filter&gt;, &lt;update&gt;, &lt;options&gt;</a:t>
+            </a:r>
+            <a:r>
+              <a:rPr lang="en-US" dirty="0" smtClean="0"/>
+              <a:t>) / db.[collection].</a:t>
+            </a:r>
+            <a:r>
+              <a:rPr lang="en-US" dirty="0" err="1" smtClean="0"/>
+              <a:t>updateMany</a:t>
+            </a:r>
+            <a:r>
+              <a:rPr lang="en-US" dirty="0" smtClean="0"/>
+              <a:t>() / db.[collection].</a:t>
+            </a:r>
+            <a:r>
+              <a:rPr lang="en-US" dirty="0" err="1" smtClean="0"/>
+              <a:t>replaceOne</a:t>
+            </a:r>
+            <a:r>
+              <a:rPr lang="en-US" dirty="0" smtClean="0"/>
+              <a:t>()</a:t>
+            </a:r>
+          </a:p>
+          <a:p>
+            <a:r>
+              <a:rPr lang="en-US" dirty="0" smtClean="0"/>
+              <a:t>DELETE = db.[collection].</a:t>
+            </a:r>
+            <a:r>
+              <a:rPr lang="en-US" dirty="0" err="1" smtClean="0"/>
+              <a:t>deleteOne</a:t>
+            </a:r>
+            <a:r>
+              <a:rPr lang="en-US" dirty="0" smtClean="0"/>
+              <a:t>() / db.[collection].</a:t>
+            </a:r>
+            <a:r>
+              <a:rPr lang="en-US" dirty="0" err="1" smtClean="0"/>
+              <a:t>deleteMany</a:t>
+            </a:r>
+            <a:r>
+              <a:rPr lang="en-US" dirty="0" smtClean="0"/>
+              <a:t>()</a:t>
+            </a:r>
+          </a:p>
+          <a:p>
+            <a:r>
+              <a:rPr lang="en-US" dirty="0" smtClean="0"/>
+              <a:t>OMG – the mongo shell is also a full JS interpreter!</a:t>
+            </a:r>
+          </a:p>
+          <a:p>
+            <a:endParaRPr lang="en-US" dirty="0"/>
           </a:p>
         </p:txBody>
       </p:sp>
     </p:spTree>
     <p:extLst>
       <p:ext uri="{BB962C8B-B14F-4D97-AF65-F5344CB8AC3E}">
-        <p14:creationId xmlns:p14="http://schemas.microsoft.com/office/powerpoint/2010/main" val="4014319763"/>
+        <p14:creationId xmlns:p14="http://schemas.microsoft.com/office/powerpoint/2010/main" val="627341218"/>
       </p:ext>
     </p:extLst>
   </p:cSld>
@@ -7416,7 +7494,7 @@
           <a:p>
             <a:r>
               <a:rPr lang="en-US" dirty="0" smtClean="0"/>
-              <a:t>WHY IS THIS A THING?</a:t>
+              <a:t>Demo TIME</a:t>
             </a:r>
             <a:endParaRPr lang="en-US" dirty="0"/>
           </a:p>
@@ -7437,42 +7515,14 @@
           <a:bodyPr/>
           <a:lstStyle/>
           <a:p>
-            <a:r>
-              <a:rPr lang="en-US" dirty="0" smtClean="0"/>
-              <a:t>Easy to learn / get started</a:t>
-            </a:r>
-          </a:p>
-          <a:p>
-            <a:r>
-              <a:rPr lang="en-US" dirty="0" smtClean="0"/>
-              <a:t>Development first approach</a:t>
-            </a:r>
-          </a:p>
-          <a:p>
-            <a:r>
-              <a:rPr lang="en-US" dirty="0" smtClean="0"/>
-              <a:t>Since there’s no schema, document structure can change any time</a:t>
-            </a:r>
-          </a:p>
-          <a:p>
-            <a:r>
-              <a:rPr lang="en-US" dirty="0" smtClean="0"/>
-              <a:t>Richer queries than in a KV store</a:t>
-            </a:r>
-          </a:p>
-          <a:p>
-            <a:r>
-              <a:rPr lang="en-US" dirty="0" smtClean="0"/>
-              <a:t>Documents are represented as objects so low impedance (no ORM necessary)</a:t>
-            </a:r>
-            <a:endParaRPr lang="en-US" dirty="0"/>
+            <a:endParaRPr lang="en-US"/>
           </a:p>
         </p:txBody>
       </p:sp>
     </p:spTree>
     <p:extLst>
       <p:ext uri="{BB962C8B-B14F-4D97-AF65-F5344CB8AC3E}">
-        <p14:creationId xmlns:p14="http://schemas.microsoft.com/office/powerpoint/2010/main" val="1664719995"/>
+        <p14:creationId xmlns:p14="http://schemas.microsoft.com/office/powerpoint/2010/main" val="4014319763"/>
       </p:ext>
     </p:extLst>
   </p:cSld>
@@ -7516,15 +7566,7 @@
           <a:p>
             <a:r>
               <a:rPr lang="en-US" dirty="0" smtClean="0"/>
-              <a:t>What are </a:t>
-            </a:r>
-            <a:r>
-              <a:rPr lang="en-US" dirty="0" err="1" smtClean="0"/>
-              <a:t>DocumentD</a:t>
-            </a:r>
-            <a:r>
-              <a:rPr lang="en-US" dirty="0" smtClean="0"/>
-              <a:t> Stores good at?</a:t>
+              <a:t>WHY IS THIS A THING?</a:t>
             </a:r>
             <a:endParaRPr lang="en-US" dirty="0"/>
           </a:p>
@@ -7547,19 +7589,31 @@
           <a:p>
             <a:r>
               <a:rPr lang="en-US" dirty="0" smtClean="0"/>
-              <a:t>User profile and behavior data</a:t>
-            </a:r>
-          </a:p>
-          <a:p>
-            <a:r>
-              <a:rPr lang="en-US" dirty="0" smtClean="0"/>
-              <a:t>Storage of application metadata / object persistence</a:t>
-            </a:r>
-          </a:p>
-          <a:p>
-            <a:r>
-              <a:rPr lang="en-US" dirty="0" smtClean="0"/>
-              <a:t>Ingestion and presentation of data of variable structure (e.g. logs, product catalogs…)</a:t>
+              <a:t>Easy to learn / get started</a:t>
+            </a:r>
+          </a:p>
+          <a:p>
+            <a:r>
+              <a:rPr lang="en-US" dirty="0" smtClean="0"/>
+              <a:t>Development first approach</a:t>
+            </a:r>
+          </a:p>
+          <a:p>
+            <a:r>
+              <a:rPr lang="en-US" dirty="0" smtClean="0"/>
+              <a:t>Since there’s no schema, document structure can change any time</a:t>
+            </a:r>
+          </a:p>
+          <a:p>
+            <a:r>
+              <a:rPr lang="en-US" dirty="0" smtClean="0"/>
+              <a:t>Richer queries than in a KV store</a:t>
+            </a:r>
+          </a:p>
+          <a:p>
+            <a:r>
+              <a:rPr lang="en-US" dirty="0" smtClean="0"/>
+              <a:t>Documents are represented as objects so low impedance (no ORM necessary)</a:t>
             </a:r>
             <a:endParaRPr lang="en-US" dirty="0"/>
           </a:p>
@@ -7568,7 +7622,7 @@
     </p:spTree>
     <p:extLst>
       <p:ext uri="{BB962C8B-B14F-4D97-AF65-F5344CB8AC3E}">
-        <p14:creationId xmlns:p14="http://schemas.microsoft.com/office/powerpoint/2010/main" val="2905524816"/>
+        <p14:creationId xmlns:p14="http://schemas.microsoft.com/office/powerpoint/2010/main" val="1664719995"/>
       </p:ext>
     </p:extLst>
   </p:cSld>
@@ -7612,7 +7666,15 @@
           <a:p>
             <a:r>
               <a:rPr lang="en-US" dirty="0" smtClean="0"/>
-              <a:t>What are DOCUMENTD Stores not good at?</a:t>
+              <a:t>What are </a:t>
+            </a:r>
+            <a:r>
+              <a:rPr lang="en-US" dirty="0" smtClean="0"/>
+              <a:t>Document </a:t>
+            </a:r>
+            <a:r>
+              <a:rPr lang="en-US" dirty="0" smtClean="0"/>
+              <a:t>Stores good at?</a:t>
             </a:r>
             <a:endParaRPr lang="en-US" dirty="0"/>
           </a:p>
@@ -7635,25 +7697,19 @@
           <a:p>
             <a:r>
               <a:rPr lang="en-US" dirty="0" smtClean="0"/>
-              <a:t>OLAP</a:t>
-            </a:r>
-          </a:p>
-          <a:p>
-            <a:r>
-              <a:rPr lang="en-US" dirty="0" smtClean="0"/>
-              <a:t>Complex Map/Reduce jobs</a:t>
-            </a:r>
-          </a:p>
-          <a:p>
-            <a:r>
-              <a:rPr lang="en-US" dirty="0" smtClean="0"/>
-              <a:t>Distributed transactions</a:t>
-            </a:r>
-          </a:p>
-          <a:p>
-            <a:r>
-              <a:rPr lang="en-US" dirty="0" smtClean="0"/>
-              <a:t>Highly relational data</a:t>
+              <a:t>User profile and behavior data</a:t>
+            </a:r>
+          </a:p>
+          <a:p>
+            <a:r>
+              <a:rPr lang="en-US" dirty="0" smtClean="0"/>
+              <a:t>Storage of application metadata / object persistence</a:t>
+            </a:r>
+          </a:p>
+          <a:p>
+            <a:r>
+              <a:rPr lang="en-US" dirty="0" smtClean="0"/>
+              <a:t>Ingestion and presentation of data of variable structure (e.g. logs, product catalogs…)</a:t>
             </a:r>
             <a:endParaRPr lang="en-US" dirty="0"/>
           </a:p>
@@ -7662,7 +7718,7 @@
     </p:spTree>
     <p:extLst>
       <p:ext uri="{BB962C8B-B14F-4D97-AF65-F5344CB8AC3E}">
-        <p14:creationId xmlns:p14="http://schemas.microsoft.com/office/powerpoint/2010/main" val="4062729683"/>
+        <p14:creationId xmlns:p14="http://schemas.microsoft.com/office/powerpoint/2010/main" val="2905524816"/>
       </p:ext>
     </p:extLst>
   </p:cSld>
@@ -7706,7 +7762,15 @@
           <a:p>
             <a:r>
               <a:rPr lang="en-US" dirty="0" smtClean="0"/>
-              <a:t>Typical Examples</a:t>
+              <a:t>What are </a:t>
+            </a:r>
+            <a:r>
+              <a:rPr lang="en-US" dirty="0" smtClean="0"/>
+              <a:t>DOCUMENT </a:t>
+            </a:r>
+            <a:r>
+              <a:rPr lang="en-US" dirty="0" smtClean="0"/>
+              <a:t>Stores not good at?</a:t>
             </a:r>
             <a:endParaRPr lang="en-US" dirty="0"/>
           </a:p>
@@ -7729,31 +7793,25 @@
           <a:p>
             <a:r>
               <a:rPr lang="en-US" dirty="0" smtClean="0"/>
-              <a:t>MongoDB</a:t>
-            </a:r>
-          </a:p>
-          <a:p>
-            <a:r>
-              <a:rPr lang="en-US" dirty="0" smtClean="0"/>
-              <a:t>Amazon </a:t>
-            </a:r>
-            <a:r>
-              <a:rPr lang="en-US" dirty="0" err="1" smtClean="0"/>
-              <a:t>DynamoDB</a:t>
-            </a:r>
-            <a:endParaRPr lang="en-US" dirty="0" smtClean="0"/>
-          </a:p>
-          <a:p>
-            <a:r>
-              <a:rPr lang="en-US" dirty="0" err="1" smtClean="0"/>
-              <a:t>Couchbase</a:t>
-            </a:r>
-            <a:endParaRPr lang="en-US" dirty="0" smtClean="0"/>
-          </a:p>
-          <a:p>
-            <a:r>
-              <a:rPr lang="en-US" dirty="0" err="1" smtClean="0"/>
-              <a:t>CouchDB</a:t>
+              <a:t>OLAP</a:t>
+            </a:r>
+          </a:p>
+          <a:p>
+            <a:r>
+              <a:rPr lang="en-US" dirty="0" smtClean="0"/>
+              <a:t>Complex Map/Reduce jobs</a:t>
+            </a:r>
+          </a:p>
+          <a:p>
+            <a:r>
+              <a:rPr lang="en-US" dirty="0" smtClean="0"/>
+              <a:t>Distributed transactions</a:t>
+            </a:r>
+          </a:p>
+          <a:p>
+            <a:r>
+              <a:rPr lang="en-US" dirty="0" smtClean="0"/>
+              <a:t>Highly relational data</a:t>
             </a:r>
             <a:endParaRPr lang="en-US" dirty="0"/>
           </a:p>
@@ -7762,7 +7820,7 @@
     </p:spTree>
     <p:extLst>
       <p:ext uri="{BB962C8B-B14F-4D97-AF65-F5344CB8AC3E}">
-        <p14:creationId xmlns:p14="http://schemas.microsoft.com/office/powerpoint/2010/main" val="337679775"/>
+        <p14:creationId xmlns:p14="http://schemas.microsoft.com/office/powerpoint/2010/main" val="4062729683"/>
       </p:ext>
     </p:extLst>
   </p:cSld>
@@ -7834,9 +7892,22 @@
           </a:p>
           <a:p>
             <a:r>
-              <a:rPr lang="en-US" dirty="0" smtClean="0"/>
-              <a:t>Mostly demos with a little theory so not for the faint of heart</a:t>
-            </a:r>
+              <a:rPr lang="en-US" dirty="0"/>
+              <a:t>D</a:t>
+            </a:r>
+            <a:r>
+              <a:rPr lang="en-US" dirty="0" smtClean="0"/>
+              <a:t>emos </a:t>
+            </a:r>
+            <a:r>
+              <a:rPr lang="en-US" dirty="0" smtClean="0"/>
+              <a:t>with a little </a:t>
+            </a:r>
+            <a:r>
+              <a:rPr lang="en-US" dirty="0" smtClean="0"/>
+              <a:t>theory and history</a:t>
+            </a:r>
+            <a:endParaRPr lang="en-US" dirty="0" smtClean="0"/>
           </a:p>
           <a:p>
             <a:r>
@@ -7913,35 +7984,63 @@
           <a:p>
             <a:r>
               <a:rPr lang="en-US" dirty="0" smtClean="0"/>
-              <a:t>Intermission: Brewer’s CAP Theorem</a:t>
-            </a:r>
-            <a:endParaRPr lang="en-US" dirty="0"/>
-          </a:p>
-        </p:txBody>
-      </p:sp>
-      <p:sp>
-        <p:nvSpPr>
-          <p:cNvPr id="3" name="Text Placeholder 2"/>
-          <p:cNvSpPr>
-            <a:spLocks noGrp="1"/>
-          </p:cNvSpPr>
-          <p:nvPr>
-            <p:ph type="body" idx="1"/>
-          </p:nvPr>
-        </p:nvSpPr>
-        <p:spPr/>
-        <p:txBody>
-          <a:bodyPr/>
-          <a:lstStyle/>
-          <a:p>
-            <a:endParaRPr lang="en-US"/>
+              <a:t>Typical Examples</a:t>
+            </a:r>
+            <a:endParaRPr lang="en-US" dirty="0"/>
+          </a:p>
+        </p:txBody>
+      </p:sp>
+      <p:sp>
+        <p:nvSpPr>
+          <p:cNvPr id="3" name="Content Placeholder 2"/>
+          <p:cNvSpPr>
+            <a:spLocks noGrp="1"/>
+          </p:cNvSpPr>
+          <p:nvPr>
+            <p:ph idx="1"/>
+          </p:nvPr>
+        </p:nvSpPr>
+        <p:spPr/>
+        <p:txBody>
+          <a:bodyPr/>
+          <a:lstStyle/>
+          <a:p>
+            <a:r>
+              <a:rPr lang="en-US" dirty="0" smtClean="0"/>
+              <a:t>MongoDB</a:t>
+            </a:r>
+          </a:p>
+          <a:p>
+            <a:r>
+              <a:rPr lang="en-US" dirty="0" smtClean="0"/>
+              <a:t>Amazon </a:t>
+            </a:r>
+            <a:r>
+              <a:rPr lang="en-US" dirty="0" err="1" smtClean="0"/>
+              <a:t>DynamoDB</a:t>
+            </a:r>
+            <a:endParaRPr lang="en-US" dirty="0" smtClean="0"/>
+          </a:p>
+          <a:p>
+            <a:r>
+              <a:rPr lang="en-US" dirty="0" err="1" smtClean="0"/>
+              <a:t>Couchbase</a:t>
+            </a:r>
+            <a:endParaRPr lang="en-US" dirty="0" smtClean="0"/>
+          </a:p>
+          <a:p>
+            <a:r>
+              <a:rPr lang="en-US" dirty="0" err="1" smtClean="0"/>
+              <a:t>CouchDB</a:t>
+            </a:r>
+            <a:endParaRPr lang="en-US" dirty="0"/>
           </a:p>
         </p:txBody>
       </p:sp>
     </p:spTree>
     <p:extLst>
       <p:ext uri="{BB962C8B-B14F-4D97-AF65-F5344CB8AC3E}">
-        <p14:creationId xmlns:p14="http://schemas.microsoft.com/office/powerpoint/2010/main" val="126876011"/>
+        <p14:creationId xmlns:p14="http://schemas.microsoft.com/office/powerpoint/2010/main" val="337679775"/>
       </p:ext>
     </p:extLst>
   </p:cSld>
@@ -7985,6 +8084,78 @@
           <a:p>
             <a:r>
               <a:rPr lang="en-US" dirty="0" smtClean="0"/>
+              <a:t>Intermission: Brewer’s CAP Theorem</a:t>
+            </a:r>
+            <a:endParaRPr lang="en-US" dirty="0"/>
+          </a:p>
+        </p:txBody>
+      </p:sp>
+      <p:sp>
+        <p:nvSpPr>
+          <p:cNvPr id="3" name="Text Placeholder 2"/>
+          <p:cNvSpPr>
+            <a:spLocks noGrp="1"/>
+          </p:cNvSpPr>
+          <p:nvPr>
+            <p:ph type="body" idx="1"/>
+          </p:nvPr>
+        </p:nvSpPr>
+        <p:spPr/>
+        <p:txBody>
+          <a:bodyPr/>
+          <a:lstStyle/>
+          <a:p>
+            <a:endParaRPr lang="en-US"/>
+          </a:p>
+        </p:txBody>
+      </p:sp>
+    </p:spTree>
+    <p:extLst>
+      <p:ext uri="{BB962C8B-B14F-4D97-AF65-F5344CB8AC3E}">
+        <p14:creationId xmlns:p14="http://schemas.microsoft.com/office/powerpoint/2010/main" val="126876011"/>
+      </p:ext>
+    </p:extLst>
+  </p:cSld>
+  <p:clrMapOvr>
+    <a:masterClrMapping/>
+  </p:clrMapOvr>
+</p:sld>
+</file>
+
+<file path=ppt/slides/slide32.xml><?xml version="1.0" encoding="utf-8"?>
+<p:sld xmlns:a="http://schemas.openxmlformats.org/drawingml/2006/main" xmlns:r="http://schemas.openxmlformats.org/officeDocument/2006/relationships" xmlns:p="http://schemas.openxmlformats.org/presentationml/2006/main">
+  <p:cSld>
+    <p:spTree>
+      <p:nvGrpSpPr>
+        <p:cNvPr id="1" name=""/>
+        <p:cNvGrpSpPr/>
+        <p:nvPr/>
+      </p:nvGrpSpPr>
+      <p:grpSpPr>
+        <a:xfrm>
+          <a:off x="0" y="0"/>
+          <a:ext cx="0" cy="0"/>
+          <a:chOff x="0" y="0"/>
+          <a:chExt cx="0" cy="0"/>
+        </a:xfrm>
+      </p:grpSpPr>
+      <p:sp>
+        <p:nvSpPr>
+          <p:cNvPr id="2" name="Title 1"/>
+          <p:cNvSpPr>
+            <a:spLocks noGrp="1"/>
+          </p:cNvSpPr>
+          <p:nvPr>
+            <p:ph type="title"/>
+          </p:nvPr>
+        </p:nvSpPr>
+        <p:spPr/>
+        <p:txBody>
+          <a:bodyPr/>
+          <a:lstStyle/>
+          <a:p>
+            <a:r>
+              <a:rPr lang="en-US" dirty="0" smtClean="0"/>
               <a:t>Brewer’s CAP Theorem</a:t>
             </a:r>
             <a:endParaRPr lang="en-US" dirty="0"/>
@@ -8048,7 +8219,7 @@
 </p:sld>
 </file>
 
-<file path=ppt/slides/slide32.xml><?xml version="1.0" encoding="utf-8"?>
+<file path=ppt/slides/slide33.xml><?xml version="1.0" encoding="utf-8"?>
 <p:sld xmlns:a="http://schemas.openxmlformats.org/drawingml/2006/main" xmlns:r="http://schemas.openxmlformats.org/officeDocument/2006/relationships" xmlns:p="http://schemas.openxmlformats.org/presentationml/2006/main">
   <p:cSld>
     <p:spTree>
@@ -8121,103 +8292,6 @@
 </p:sld>
 </file>
 
-<file path=ppt/slides/slide33.xml><?xml version="1.0" encoding="utf-8"?>
-<p:sld xmlns:a="http://schemas.openxmlformats.org/drawingml/2006/main" xmlns:r="http://schemas.openxmlformats.org/officeDocument/2006/relationships" xmlns:p="http://schemas.openxmlformats.org/presentationml/2006/main">
-  <p:cSld>
-    <p:spTree>
-      <p:nvGrpSpPr>
-        <p:cNvPr id="1" name=""/>
-        <p:cNvGrpSpPr/>
-        <p:nvPr/>
-      </p:nvGrpSpPr>
-      <p:grpSpPr>
-        <a:xfrm>
-          <a:off x="0" y="0"/>
-          <a:ext cx="0" cy="0"/>
-          <a:chOff x="0" y="0"/>
-          <a:chExt cx="0" cy="0"/>
-        </a:xfrm>
-      </p:grpSpPr>
-      <p:sp>
-        <p:nvSpPr>
-          <p:cNvPr id="4" name="Title 3"/>
-          <p:cNvSpPr>
-            <a:spLocks noGrp="1"/>
-          </p:cNvSpPr>
-          <p:nvPr>
-            <p:ph type="title"/>
-          </p:nvPr>
-        </p:nvSpPr>
-        <p:spPr/>
-        <p:txBody>
-          <a:bodyPr/>
-          <a:lstStyle/>
-          <a:p>
-            <a:r>
-              <a:rPr lang="en-US" dirty="0" smtClean="0"/>
-              <a:t>Brewer’s CAP Theorem</a:t>
-            </a:r>
-            <a:endParaRPr lang="en-US" dirty="0"/>
-          </a:p>
-        </p:txBody>
-      </p:sp>
-      <p:sp>
-        <p:nvSpPr>
-          <p:cNvPr id="5" name="Content Placeholder 4"/>
-          <p:cNvSpPr>
-            <a:spLocks noGrp="1"/>
-          </p:cNvSpPr>
-          <p:nvPr>
-            <p:ph idx="1"/>
-          </p:nvPr>
-        </p:nvSpPr>
-        <p:spPr/>
-        <p:txBody>
-          <a:bodyPr/>
-          <a:lstStyle/>
-          <a:p>
-            <a:r>
-              <a:rPr lang="en-US" dirty="0" smtClean="0"/>
-              <a:t>Most NoSQL data stores can’t guarantee ACID properties so BASE was developed as a basic set of guarantees:</a:t>
-            </a:r>
-          </a:p>
-          <a:p>
-            <a:pPr lvl="1"/>
-            <a:r>
-              <a:rPr lang="en-US" dirty="0" smtClean="0"/>
-              <a:t>Basically Available</a:t>
-            </a:r>
-          </a:p>
-          <a:p>
-            <a:pPr lvl="1"/>
-            <a:r>
-              <a:rPr lang="en-US" dirty="0" smtClean="0"/>
-              <a:t>Soft state</a:t>
-            </a:r>
-          </a:p>
-          <a:p>
-            <a:pPr lvl="1"/>
-            <a:r>
-              <a:rPr lang="en-US" dirty="0" smtClean="0"/>
-              <a:t>Eventually consistent (if an object has not changed, all instances will eventually yield the same answer to a query)</a:t>
-            </a:r>
-            <a:endParaRPr lang="en-US" dirty="0"/>
-          </a:p>
-        </p:txBody>
-      </p:sp>
-    </p:spTree>
-    <p:extLst>
-      <p:ext uri="{BB962C8B-B14F-4D97-AF65-F5344CB8AC3E}">
-        <p14:creationId xmlns:p14="http://schemas.microsoft.com/office/powerpoint/2010/main" val="780904843"/>
-      </p:ext>
-    </p:extLst>
-  </p:cSld>
-  <p:clrMapOvr>
-    <a:masterClrMapping/>
-  </p:clrMapOvr>
-</p:sld>
-</file>
-
 <file path=ppt/slides/slide34.xml><?xml version="1.0" encoding="utf-8"?>
 <p:sld xmlns:a="http://schemas.openxmlformats.org/drawingml/2006/main" xmlns:r="http://schemas.openxmlformats.org/officeDocument/2006/relationships" xmlns:p="http://schemas.openxmlformats.org/presentationml/2006/main">
   <p:cSld>
@@ -8252,30 +8326,51 @@
           <a:p>
             <a:r>
               <a:rPr lang="en-US" dirty="0" smtClean="0"/>
-              <a:t>A DISTRIBUTED, partitioned row-store: Apache Cassandra</a:t>
-            </a:r>
-            <a:endParaRPr lang="en-US" dirty="0"/>
-          </a:p>
-        </p:txBody>
-      </p:sp>
-      <p:sp>
-        <p:nvSpPr>
-          <p:cNvPr id="5" name="Text Placeholder 4"/>
-          <p:cNvSpPr>
-            <a:spLocks noGrp="1"/>
-          </p:cNvSpPr>
-          <p:nvPr>
-            <p:ph type="body" idx="1"/>
-          </p:nvPr>
-        </p:nvSpPr>
-        <p:spPr/>
-        <p:txBody>
-          <a:bodyPr/>
-          <a:lstStyle/>
-          <a:p>
-            <a:r>
-              <a:rPr lang="en-US" dirty="0" smtClean="0"/>
-              <a:t>A distributed RDBMS without JOINs? Whoa!</a:t>
+              <a:t>Brewer’s CAP Theorem</a:t>
+            </a:r>
+            <a:endParaRPr lang="en-US" dirty="0"/>
+          </a:p>
+        </p:txBody>
+      </p:sp>
+      <p:sp>
+        <p:nvSpPr>
+          <p:cNvPr id="5" name="Content Placeholder 4"/>
+          <p:cNvSpPr>
+            <a:spLocks noGrp="1"/>
+          </p:cNvSpPr>
+          <p:nvPr>
+            <p:ph idx="1"/>
+          </p:nvPr>
+        </p:nvSpPr>
+        <p:spPr/>
+        <p:txBody>
+          <a:bodyPr/>
+          <a:lstStyle/>
+          <a:p>
+            <a:r>
+              <a:rPr lang="en-US" dirty="0" smtClean="0"/>
+              <a:t>Most NoSQL data stores can’t guarantee ACID properties so BASE was developed as a basic set of guarantees:</a:t>
+            </a:r>
+          </a:p>
+          <a:p>
+            <a:pPr lvl="1"/>
+            <a:r>
+              <a:rPr lang="en-US" dirty="0" smtClean="0"/>
+              <a:t>Basically Available</a:t>
+            </a:r>
+          </a:p>
+          <a:p>
+            <a:pPr lvl="1"/>
+            <a:r>
+              <a:rPr lang="en-US" dirty="0" smtClean="0"/>
+              <a:t>Soft state</a:t>
+            </a:r>
+          </a:p>
+          <a:p>
+            <a:pPr lvl="1"/>
+            <a:r>
+              <a:rPr lang="en-US" dirty="0" smtClean="0"/>
+              <a:t>Eventually consistent (if an object has not changed, all instances will eventually yield the same answer to a query)</a:t>
             </a:r>
             <a:endParaRPr lang="en-US" dirty="0"/>
           </a:p>
@@ -8284,7 +8379,7 @@
     </p:spTree>
     <p:extLst>
       <p:ext uri="{BB962C8B-B14F-4D97-AF65-F5344CB8AC3E}">
-        <p14:creationId xmlns:p14="http://schemas.microsoft.com/office/powerpoint/2010/main" val="1413937698"/>
+        <p14:creationId xmlns:p14="http://schemas.microsoft.com/office/powerpoint/2010/main" val="780904843"/>
       </p:ext>
     </p:extLst>
   </p:cSld>
@@ -8313,6 +8408,200 @@
       </p:grpSpPr>
       <p:sp>
         <p:nvSpPr>
+          <p:cNvPr id="4" name="Title 3"/>
+          <p:cNvSpPr>
+            <a:spLocks noGrp="1"/>
+          </p:cNvSpPr>
+          <p:nvPr>
+            <p:ph type="title"/>
+          </p:nvPr>
+        </p:nvSpPr>
+        <p:spPr/>
+        <p:txBody>
+          <a:bodyPr/>
+          <a:lstStyle/>
+          <a:p>
+            <a:r>
+              <a:rPr lang="en-US" dirty="0" smtClean="0"/>
+              <a:t>A DISTRIBUTED, partitioned row-store: Apache Cassandra</a:t>
+            </a:r>
+            <a:endParaRPr lang="en-US" dirty="0"/>
+          </a:p>
+        </p:txBody>
+      </p:sp>
+      <p:sp>
+        <p:nvSpPr>
+          <p:cNvPr id="5" name="Text Placeholder 4"/>
+          <p:cNvSpPr>
+            <a:spLocks noGrp="1"/>
+          </p:cNvSpPr>
+          <p:nvPr>
+            <p:ph type="body" idx="1"/>
+          </p:nvPr>
+        </p:nvSpPr>
+        <p:spPr/>
+        <p:txBody>
+          <a:bodyPr/>
+          <a:lstStyle/>
+          <a:p>
+            <a:r>
+              <a:rPr lang="en-US" dirty="0" smtClean="0"/>
+              <a:t>A distributed RDBMS without JOINs? Whoa!</a:t>
+            </a:r>
+            <a:endParaRPr lang="en-US" dirty="0"/>
+          </a:p>
+        </p:txBody>
+      </p:sp>
+    </p:spTree>
+    <p:extLst>
+      <p:ext uri="{BB962C8B-B14F-4D97-AF65-F5344CB8AC3E}">
+        <p14:creationId xmlns:p14="http://schemas.microsoft.com/office/powerpoint/2010/main" val="1413937698"/>
+      </p:ext>
+    </p:extLst>
+  </p:cSld>
+  <p:clrMapOvr>
+    <a:masterClrMapping/>
+  </p:clrMapOvr>
+</p:sld>
+</file>
+
+<file path=ppt/slides/slide36.xml><?xml version="1.0" encoding="utf-8"?>
+<p:sld xmlns:a="http://schemas.openxmlformats.org/drawingml/2006/main" xmlns:r="http://schemas.openxmlformats.org/officeDocument/2006/relationships" xmlns:p="http://schemas.openxmlformats.org/presentationml/2006/main">
+  <p:cSld>
+    <p:spTree>
+      <p:nvGrpSpPr>
+        <p:cNvPr id="1" name=""/>
+        <p:cNvGrpSpPr/>
+        <p:nvPr/>
+      </p:nvGrpSpPr>
+      <p:grpSpPr>
+        <a:xfrm>
+          <a:off x="0" y="0"/>
+          <a:ext cx="0" cy="0"/>
+          <a:chOff x="0" y="0"/>
+          <a:chExt cx="0" cy="0"/>
+        </a:xfrm>
+      </p:grpSpPr>
+      <p:sp>
+        <p:nvSpPr>
+          <p:cNvPr id="4" name="Title 3"/>
+          <p:cNvSpPr>
+            <a:spLocks noGrp="1"/>
+          </p:cNvSpPr>
+          <p:nvPr>
+            <p:ph type="title"/>
+          </p:nvPr>
+        </p:nvSpPr>
+        <p:spPr/>
+        <p:txBody>
+          <a:bodyPr/>
+          <a:lstStyle/>
+          <a:p>
+            <a:r>
+              <a:rPr lang="en-US" dirty="0" smtClean="0"/>
+              <a:t>Apache Cassandra</a:t>
+            </a:r>
+            <a:endParaRPr lang="en-US" dirty="0"/>
+          </a:p>
+        </p:txBody>
+      </p:sp>
+      <p:sp>
+        <p:nvSpPr>
+          <p:cNvPr id="5" name="Content Placeholder 4"/>
+          <p:cNvSpPr>
+            <a:spLocks noGrp="1"/>
+          </p:cNvSpPr>
+          <p:nvPr>
+            <p:ph idx="1"/>
+          </p:nvPr>
+        </p:nvSpPr>
+        <p:spPr/>
+        <p:txBody>
+          <a:bodyPr>
+            <a:normAutofit fontScale="92500"/>
+          </a:bodyPr>
+          <a:lstStyle/>
+          <a:p>
+            <a:r>
+              <a:rPr lang="en-US" dirty="0" smtClean="0"/>
+              <a:t>Originally based on Google’s Big Table paper (like </a:t>
+            </a:r>
+            <a:r>
+              <a:rPr lang="en-US" dirty="0" err="1" smtClean="0"/>
+              <a:t>hbase</a:t>
+            </a:r>
+            <a:r>
+              <a:rPr lang="en-US" dirty="0" smtClean="0"/>
+              <a:t> and </a:t>
+            </a:r>
+            <a:r>
+              <a:rPr lang="en-US" dirty="0" err="1" smtClean="0"/>
+              <a:t>Accumulo</a:t>
+            </a:r>
+            <a:r>
+              <a:rPr lang="en-US" dirty="0" smtClean="0"/>
+              <a:t>).</a:t>
+            </a:r>
+          </a:p>
+          <a:p>
+            <a:r>
+              <a:rPr lang="en-US" dirty="0" smtClean="0"/>
+              <a:t>Originally used Apache Thrift for flexible schema (now deprecated).</a:t>
+            </a:r>
+          </a:p>
+          <a:p>
+            <a:r>
+              <a:rPr lang="en-US" dirty="0" smtClean="0"/>
+              <a:t>Now uses SQL-like Cassandra Query Language (CQL) and mandatory schema enforcement.</a:t>
+            </a:r>
+          </a:p>
+          <a:p>
+            <a:r>
+              <a:rPr lang="en-US" dirty="0" smtClean="0"/>
+              <a:t>Behaves a lot like an RDBMS but adds clustering keys to make resolution of data to a node more efficient.</a:t>
+            </a:r>
+            <a:endParaRPr lang="en-US" dirty="0"/>
+          </a:p>
+          <a:p>
+            <a:r>
+              <a:rPr lang="en-US" dirty="0" smtClean="0"/>
+              <a:t>Unlike other Big Table based databases, stores rows together (like and RDBMS) rather than columns or column families (like a column store).</a:t>
+            </a:r>
+          </a:p>
+        </p:txBody>
+      </p:sp>
+    </p:spTree>
+    <p:extLst>
+      <p:ext uri="{BB962C8B-B14F-4D97-AF65-F5344CB8AC3E}">
+        <p14:creationId xmlns:p14="http://schemas.microsoft.com/office/powerpoint/2010/main" val="2328498395"/>
+      </p:ext>
+    </p:extLst>
+  </p:cSld>
+  <p:clrMapOvr>
+    <a:masterClrMapping/>
+  </p:clrMapOvr>
+</p:sld>
+</file>
+
+<file path=ppt/slides/slide37.xml><?xml version="1.0" encoding="utf-8"?>
+<p:sld xmlns:a="http://schemas.openxmlformats.org/drawingml/2006/main" xmlns:r="http://schemas.openxmlformats.org/officeDocument/2006/relationships" xmlns:p="http://schemas.openxmlformats.org/presentationml/2006/main">
+  <p:cSld>
+    <p:spTree>
+      <p:nvGrpSpPr>
+        <p:cNvPr id="1" name=""/>
+        <p:cNvGrpSpPr/>
+        <p:nvPr/>
+      </p:nvGrpSpPr>
+      <p:grpSpPr>
+        <a:xfrm>
+          <a:off x="0" y="0"/>
+          <a:ext cx="0" cy="0"/>
+          <a:chOff x="0" y="0"/>
+          <a:chExt cx="0" cy="0"/>
+        </a:xfrm>
+      </p:grpSpPr>
+      <p:sp>
+        <p:nvSpPr>
           <p:cNvPr id="2" name="Title 1"/>
           <p:cNvSpPr>
             <a:spLocks noGrp="1"/>
@@ -8326,10 +8615,178 @@
           <a:bodyPr/>
           <a:lstStyle/>
           <a:p>
+            <a:r>
+              <a:rPr lang="en-US" dirty="0" smtClean="0"/>
+              <a:t>Cassandra Demo</a:t>
+            </a:r>
+            <a:endParaRPr lang="en-US" dirty="0"/>
+          </a:p>
+        </p:txBody>
+      </p:sp>
+      <p:sp>
+        <p:nvSpPr>
+          <p:cNvPr id="3" name="Content Placeholder 2"/>
+          <p:cNvSpPr>
+            <a:spLocks noGrp="1"/>
+          </p:cNvSpPr>
+          <p:nvPr>
+            <p:ph idx="1"/>
+          </p:nvPr>
+        </p:nvSpPr>
+        <p:spPr/>
+        <p:txBody>
+          <a:bodyPr/>
+          <a:lstStyle/>
+          <a:p>
             <a:endParaRPr lang="en-US"/>
           </a:p>
         </p:txBody>
       </p:sp>
+    </p:spTree>
+    <p:extLst>
+      <p:ext uri="{BB962C8B-B14F-4D97-AF65-F5344CB8AC3E}">
+        <p14:creationId xmlns:p14="http://schemas.microsoft.com/office/powerpoint/2010/main" val="3582018750"/>
+      </p:ext>
+    </p:extLst>
+  </p:cSld>
+  <p:clrMapOvr>
+    <a:masterClrMapping/>
+  </p:clrMapOvr>
+</p:sld>
+</file>
+
+<file path=ppt/slides/slide38.xml><?xml version="1.0" encoding="utf-8"?>
+<p:sld xmlns:a="http://schemas.openxmlformats.org/drawingml/2006/main" xmlns:r="http://schemas.openxmlformats.org/officeDocument/2006/relationships" xmlns:p="http://schemas.openxmlformats.org/presentationml/2006/main">
+  <p:cSld>
+    <p:spTree>
+      <p:nvGrpSpPr>
+        <p:cNvPr id="1" name=""/>
+        <p:cNvGrpSpPr/>
+        <p:nvPr/>
+      </p:nvGrpSpPr>
+      <p:grpSpPr>
+        <a:xfrm>
+          <a:off x="0" y="0"/>
+          <a:ext cx="0" cy="0"/>
+          <a:chOff x="0" y="0"/>
+          <a:chExt cx="0" cy="0"/>
+        </a:xfrm>
+      </p:grpSpPr>
+      <p:sp>
+        <p:nvSpPr>
+          <p:cNvPr id="2" name="Title 1"/>
+          <p:cNvSpPr>
+            <a:spLocks noGrp="1"/>
+          </p:cNvSpPr>
+          <p:nvPr>
+            <p:ph type="title"/>
+          </p:nvPr>
+        </p:nvSpPr>
+        <p:spPr/>
+        <p:txBody>
+          <a:bodyPr/>
+          <a:lstStyle/>
+          <a:p>
+            <a:r>
+              <a:rPr lang="en-US" dirty="0" smtClean="0"/>
+              <a:t>What would you use Cassandra for?</a:t>
+            </a:r>
+            <a:endParaRPr lang="en-US" dirty="0"/>
+          </a:p>
+        </p:txBody>
+      </p:sp>
+      <p:sp>
+        <p:nvSpPr>
+          <p:cNvPr id="3" name="Content Placeholder 2"/>
+          <p:cNvSpPr>
+            <a:spLocks noGrp="1"/>
+          </p:cNvSpPr>
+          <p:nvPr>
+            <p:ph idx="1"/>
+          </p:nvPr>
+        </p:nvSpPr>
+        <p:spPr/>
+        <p:txBody>
+          <a:bodyPr/>
+          <a:lstStyle/>
+          <a:p>
+            <a:r>
+              <a:rPr lang="en-US" dirty="0" smtClean="0"/>
+              <a:t>Large number of writes</a:t>
+            </a:r>
+          </a:p>
+          <a:p>
+            <a:r>
+              <a:rPr lang="en-US" dirty="0" smtClean="0"/>
+              <a:t>Pre-determined analytics queries</a:t>
+            </a:r>
+          </a:p>
+          <a:p>
+            <a:r>
+              <a:rPr lang="en-US" dirty="0" smtClean="0"/>
+              <a:t>Large scale geographic distribution</a:t>
+            </a:r>
+            <a:endParaRPr lang="en-US" dirty="0"/>
+          </a:p>
+        </p:txBody>
+      </p:sp>
+    </p:spTree>
+    <p:extLst>
+      <p:ext uri="{BB962C8B-B14F-4D97-AF65-F5344CB8AC3E}">
+        <p14:creationId xmlns:p14="http://schemas.microsoft.com/office/powerpoint/2010/main" val="2080161650"/>
+      </p:ext>
+    </p:extLst>
+  </p:cSld>
+  <p:clrMapOvr>
+    <a:masterClrMapping/>
+  </p:clrMapOvr>
+</p:sld>
+</file>
+
+<file path=ppt/slides/slide39.xml><?xml version="1.0" encoding="utf-8"?>
+<p:sld xmlns:a="http://schemas.openxmlformats.org/drawingml/2006/main" xmlns:r="http://schemas.openxmlformats.org/officeDocument/2006/relationships" xmlns:p="http://schemas.openxmlformats.org/presentationml/2006/main">
+  <p:cSld>
+    <p:spTree>
+      <p:nvGrpSpPr>
+        <p:cNvPr id="1" name=""/>
+        <p:cNvGrpSpPr/>
+        <p:nvPr/>
+      </p:nvGrpSpPr>
+      <p:grpSpPr>
+        <a:xfrm>
+          <a:off x="0" y="0"/>
+          <a:ext cx="0" cy="0"/>
+          <a:chOff x="0" y="0"/>
+          <a:chExt cx="0" cy="0"/>
+        </a:xfrm>
+      </p:grpSpPr>
+      <p:sp>
+        <p:nvSpPr>
+          <p:cNvPr id="2" name="Title 1"/>
+          <p:cNvSpPr>
+            <a:spLocks noGrp="1"/>
+          </p:cNvSpPr>
+          <p:nvPr>
+            <p:ph type="title"/>
+          </p:nvPr>
+        </p:nvSpPr>
+        <p:spPr/>
+        <p:txBody>
+          <a:bodyPr/>
+          <a:lstStyle/>
+          <a:p>
+            <a:r>
+              <a:rPr lang="en-US" dirty="0" smtClean="0"/>
+              <a:t>Column Store: Apache </a:t>
+            </a:r>
+            <a:r>
+              <a:rPr lang="en-US" dirty="0" err="1" smtClean="0"/>
+              <a:t>Hbase</a:t>
+            </a:r>
+            <a:endParaRPr lang="en-US" dirty="0"/>
+          </a:p>
+        </p:txBody>
+      </p:sp>
       <p:sp>
         <p:nvSpPr>
           <p:cNvPr id="3" name="Text Placeholder 2"/>
@@ -8345,7 +8802,7 @@
           <a:bodyPr/>
           <a:lstStyle/>
           <a:p>
-            <a:endParaRPr lang="en-US"/>
+            <a:endParaRPr lang="en-US" dirty="0"/>
           </a:p>
         </p:txBody>
       </p:sp>
@@ -8381,6 +8838,2248 @@
       </p:grpSpPr>
       <p:sp>
         <p:nvSpPr>
+          <p:cNvPr id="2" name="Title 1"/>
+          <p:cNvSpPr>
+            <a:spLocks noGrp="1"/>
+          </p:cNvSpPr>
+          <p:nvPr>
+            <p:ph type="title"/>
+          </p:nvPr>
+        </p:nvSpPr>
+        <p:spPr/>
+        <p:txBody>
+          <a:bodyPr/>
+          <a:lstStyle/>
+          <a:p>
+            <a:r>
+              <a:rPr lang="en-US" dirty="0" smtClean="0"/>
+              <a:t>how did we get here?</a:t>
+            </a:r>
+            <a:endParaRPr lang="en-US" dirty="0"/>
+          </a:p>
+        </p:txBody>
+      </p:sp>
+      <p:pic>
+        <p:nvPicPr>
+          <p:cNvPr id="1028" name="Picture 4" descr="Image result for database evolution"/>
+          <p:cNvPicPr>
+            <a:picLocks noGrp="1" noChangeAspect="1" noChangeArrowheads="1"/>
+          </p:cNvPicPr>
+          <p:nvPr>
+            <p:ph idx="1"/>
+          </p:nvPr>
+        </p:nvPicPr>
+        <p:blipFill>
+          <a:blip r:embed="rId2">
+            <a:extLst>
+              <a:ext uri="{28A0092B-C50C-407E-A947-70E740481C1C}">
+                <a14:useLocalDpi xmlns:a14="http://schemas.microsoft.com/office/drawing/2010/main" val="0"/>
+              </a:ext>
+            </a:extLst>
+          </a:blip>
+          <a:srcRect/>
+          <a:stretch>
+            <a:fillRect/>
+          </a:stretch>
+        </p:blipFill>
+        <p:spPr bwMode="auto">
+          <a:xfrm>
+            <a:off x="2208213" y="726281"/>
+            <a:ext cx="5486400" cy="3533775"/>
+          </a:xfrm>
+          <a:prstGeom prst="rect">
+            <a:avLst/>
+          </a:prstGeom>
+          <a:noFill/>
+          <a:extLst>
+            <a:ext uri="{909E8E84-426E-40DD-AFC4-6F175D3DCCD1}">
+              <a14:hiddenFill xmlns:a14="http://schemas.microsoft.com/office/drawing/2010/main">
+                <a:solidFill>
+                  <a:srgbClr val="FFFFFF"/>
+                </a:solidFill>
+              </a14:hiddenFill>
+            </a:ext>
+          </a:extLst>
+        </p:spPr>
+      </p:pic>
+    </p:spTree>
+    <p:extLst>
+      <p:ext uri="{BB962C8B-B14F-4D97-AF65-F5344CB8AC3E}">
+        <p14:creationId xmlns:p14="http://schemas.microsoft.com/office/powerpoint/2010/main" val="4014648480"/>
+      </p:ext>
+    </p:extLst>
+  </p:cSld>
+  <p:clrMapOvr>
+    <a:masterClrMapping/>
+  </p:clrMapOvr>
+</p:sld>
+</file>
+
+<file path=ppt/slides/slide40.xml><?xml version="1.0" encoding="utf-8"?>
+<p:sld xmlns:a="http://schemas.openxmlformats.org/drawingml/2006/main" xmlns:r="http://schemas.openxmlformats.org/officeDocument/2006/relationships" xmlns:p="http://schemas.openxmlformats.org/presentationml/2006/main">
+  <p:cSld>
+    <p:spTree>
+      <p:nvGrpSpPr>
+        <p:cNvPr id="1" name=""/>
+        <p:cNvGrpSpPr/>
+        <p:nvPr/>
+      </p:nvGrpSpPr>
+      <p:grpSpPr>
+        <a:xfrm>
+          <a:off x="0" y="0"/>
+          <a:ext cx="0" cy="0"/>
+          <a:chOff x="0" y="0"/>
+          <a:chExt cx="0" cy="0"/>
+        </a:xfrm>
+      </p:grpSpPr>
+      <p:sp>
+        <p:nvSpPr>
+          <p:cNvPr id="4" name="Title 3"/>
+          <p:cNvSpPr>
+            <a:spLocks noGrp="1"/>
+          </p:cNvSpPr>
+          <p:nvPr>
+            <p:ph type="title"/>
+          </p:nvPr>
+        </p:nvSpPr>
+        <p:spPr/>
+        <p:txBody>
+          <a:bodyPr/>
+          <a:lstStyle/>
+          <a:p>
+            <a:r>
+              <a:rPr lang="en-US" dirty="0" err="1" smtClean="0"/>
+              <a:t>Hbase’s</a:t>
+            </a:r>
+            <a:r>
+              <a:rPr lang="en-US" dirty="0" smtClean="0"/>
+              <a:t> Table structure</a:t>
+            </a:r>
+            <a:endParaRPr lang="en-US" dirty="0"/>
+          </a:p>
+        </p:txBody>
+      </p:sp>
+      <p:graphicFrame>
+        <p:nvGraphicFramePr>
+          <p:cNvPr id="6" name="Content Placeholder 5"/>
+          <p:cNvGraphicFramePr>
+            <a:graphicFrameLocks noGrp="1"/>
+          </p:cNvGraphicFramePr>
+          <p:nvPr>
+            <p:ph idx="1"/>
+            <p:extLst>
+              <p:ext uri="{D42A27DB-BD31-4B8C-83A1-F6EECF244321}">
+                <p14:modId xmlns:p14="http://schemas.microsoft.com/office/powerpoint/2010/main" val="2350325718"/>
+              </p:ext>
+            </p:extLst>
+          </p:nvPr>
+        </p:nvGraphicFramePr>
+        <p:xfrm>
+          <a:off x="909066" y="1405328"/>
+          <a:ext cx="8534400" cy="1752600"/>
+        </p:xfrm>
+        <a:graphic>
+          <a:graphicData uri="http://schemas.openxmlformats.org/drawingml/2006/table">
+            <a:tbl>
+              <a:tblPr firstRow="1" bandRow="1">
+                <a:tableStyleId>{5C22544A-7EE6-4342-B048-85BDC9FD1C3A}</a:tableStyleId>
+              </a:tblPr>
+              <a:tblGrid>
+                <a:gridCol w="1706880"/>
+                <a:gridCol w="1706880"/>
+                <a:gridCol w="1706880"/>
+                <a:gridCol w="1706880"/>
+                <a:gridCol w="1706880"/>
+              </a:tblGrid>
+              <a:tr h="370840">
+                <a:tc>
+                  <a:txBody>
+                    <a:bodyPr/>
+                    <a:lstStyle/>
+                    <a:p>
+                      <a:r>
+                        <a:rPr lang="en-US" dirty="0" smtClean="0"/>
+                        <a:t>Row Key</a:t>
+                      </a:r>
+                      <a:endParaRPr lang="en-US" dirty="0"/>
+                    </a:p>
+                  </a:txBody>
+                  <a:tcPr/>
+                </a:tc>
+                <a:tc gridSpan="2">
+                  <a:txBody>
+                    <a:bodyPr/>
+                    <a:lstStyle/>
+                    <a:p>
+                      <a:r>
+                        <a:rPr lang="en-US" dirty="0" smtClean="0"/>
+                        <a:t>Column Family 1</a:t>
+                      </a:r>
+                      <a:endParaRPr lang="en-US" dirty="0"/>
+                    </a:p>
+                  </a:txBody>
+                  <a:tcPr/>
+                </a:tc>
+                <a:tc hMerge="1">
+                  <a:txBody>
+                    <a:bodyPr/>
+                    <a:lstStyle/>
+                    <a:p>
+                      <a:endParaRPr lang="en-US" dirty="0"/>
+                    </a:p>
+                  </a:txBody>
+                  <a:tcPr/>
+                </a:tc>
+                <a:tc gridSpan="2">
+                  <a:txBody>
+                    <a:bodyPr/>
+                    <a:lstStyle/>
+                    <a:p>
+                      <a:r>
+                        <a:rPr lang="en-US" dirty="0" smtClean="0"/>
+                        <a:t>Column Family</a:t>
+                      </a:r>
+                      <a:endParaRPr lang="en-US" dirty="0"/>
+                    </a:p>
+                  </a:txBody>
+                  <a:tcPr/>
+                </a:tc>
+                <a:tc hMerge="1">
+                  <a:txBody>
+                    <a:bodyPr/>
+                    <a:lstStyle/>
+                    <a:p>
+                      <a:endParaRPr lang="en-US" dirty="0"/>
+                    </a:p>
+                  </a:txBody>
+                  <a:tcPr/>
+                </a:tc>
+              </a:tr>
+              <a:tr h="370840">
+                <a:tc>
+                  <a:txBody>
+                    <a:bodyPr/>
+                    <a:lstStyle/>
+                    <a:p>
+                      <a:endParaRPr lang="en-US"/>
+                    </a:p>
+                  </a:txBody>
+                  <a:tcPr/>
+                </a:tc>
+                <a:tc>
+                  <a:txBody>
+                    <a:bodyPr/>
+                    <a:lstStyle/>
+                    <a:p>
+                      <a:r>
+                        <a:rPr lang="en-US" dirty="0" smtClean="0"/>
+                        <a:t>Column</a:t>
+                      </a:r>
+                      <a:r>
+                        <a:rPr lang="en-US" baseline="0" dirty="0" smtClean="0"/>
+                        <a:t> Qualifier 1</a:t>
+                      </a:r>
+                      <a:endParaRPr lang="en-US" dirty="0"/>
+                    </a:p>
+                  </a:txBody>
+                  <a:tcPr/>
+                </a:tc>
+                <a:tc>
+                  <a:txBody>
+                    <a:bodyPr/>
+                    <a:lstStyle/>
+                    <a:p>
+                      <a:r>
+                        <a:rPr lang="en-US" dirty="0" smtClean="0"/>
+                        <a:t>Column Qualifier 2</a:t>
+                      </a:r>
+                      <a:endParaRPr lang="en-US" dirty="0"/>
+                    </a:p>
+                  </a:txBody>
+                  <a:tcPr/>
+                </a:tc>
+                <a:tc>
+                  <a:txBody>
+                    <a:bodyPr/>
+                    <a:lstStyle/>
+                    <a:p>
+                      <a:r>
+                        <a:rPr lang="en-US" dirty="0" smtClean="0"/>
+                        <a:t>Column Qualifier</a:t>
+                      </a:r>
+                      <a:r>
+                        <a:rPr lang="en-US" baseline="0" dirty="0" smtClean="0"/>
+                        <a:t> 1</a:t>
+                      </a:r>
+                      <a:endParaRPr lang="en-US" dirty="0"/>
+                    </a:p>
+                  </a:txBody>
+                  <a:tcPr/>
+                </a:tc>
+                <a:tc>
+                  <a:txBody>
+                    <a:bodyPr/>
+                    <a:lstStyle/>
+                    <a:p>
+                      <a:r>
+                        <a:rPr lang="en-US" dirty="0" smtClean="0"/>
+                        <a:t>Column Qualifier 2</a:t>
+                      </a:r>
+                      <a:endParaRPr lang="en-US" dirty="0"/>
+                    </a:p>
+                  </a:txBody>
+                  <a:tcPr/>
+                </a:tc>
+              </a:tr>
+              <a:tr h="370840">
+                <a:tc>
+                  <a:txBody>
+                    <a:bodyPr/>
+                    <a:lstStyle/>
+                    <a:p>
+                      <a:r>
+                        <a:rPr lang="en-US" dirty="0" smtClean="0"/>
+                        <a:t>…</a:t>
+                      </a:r>
+                      <a:endParaRPr lang="en-US" dirty="0"/>
+                    </a:p>
+                  </a:txBody>
+                  <a:tcPr/>
+                </a:tc>
+                <a:tc>
+                  <a:txBody>
+                    <a:bodyPr/>
+                    <a:lstStyle/>
+                    <a:p>
+                      <a:r>
+                        <a:rPr lang="en-US" dirty="0" smtClean="0"/>
+                        <a:t>...</a:t>
+                      </a:r>
+                      <a:endParaRPr lang="en-US" dirty="0"/>
+                    </a:p>
+                  </a:txBody>
+                  <a:tcPr/>
+                </a:tc>
+                <a:tc>
+                  <a:txBody>
+                    <a:bodyPr/>
+                    <a:lstStyle/>
+                    <a:p>
+                      <a:r>
+                        <a:rPr lang="en-US" dirty="0" smtClean="0"/>
+                        <a:t>…</a:t>
+                      </a:r>
+                      <a:endParaRPr lang="en-US" dirty="0"/>
+                    </a:p>
+                  </a:txBody>
+                  <a:tcPr/>
+                </a:tc>
+                <a:tc>
+                  <a:txBody>
+                    <a:bodyPr/>
+                    <a:lstStyle/>
+                    <a:p>
+                      <a:r>
+                        <a:rPr lang="en-US" dirty="0" smtClean="0"/>
+                        <a:t>…</a:t>
+                      </a:r>
+                      <a:endParaRPr lang="en-US" dirty="0"/>
+                    </a:p>
+                  </a:txBody>
+                  <a:tcPr/>
+                </a:tc>
+                <a:tc>
+                  <a:txBody>
+                    <a:bodyPr/>
+                    <a:lstStyle/>
+                    <a:p>
+                      <a:r>
+                        <a:rPr lang="en-US" dirty="0" smtClean="0"/>
+                        <a:t>…</a:t>
+                      </a:r>
+                      <a:endParaRPr lang="en-US" dirty="0"/>
+                    </a:p>
+                  </a:txBody>
+                  <a:tcPr/>
+                </a:tc>
+              </a:tr>
+              <a:tr h="370840">
+                <a:tc>
+                  <a:txBody>
+                    <a:bodyPr/>
+                    <a:lstStyle/>
+                    <a:p>
+                      <a:r>
+                        <a:rPr lang="en-US" dirty="0" smtClean="0"/>
+                        <a:t>…</a:t>
+                      </a:r>
+                      <a:endParaRPr lang="en-US" dirty="0"/>
+                    </a:p>
+                  </a:txBody>
+                  <a:tcPr/>
+                </a:tc>
+                <a:tc>
+                  <a:txBody>
+                    <a:bodyPr/>
+                    <a:lstStyle/>
+                    <a:p>
+                      <a:r>
+                        <a:rPr lang="en-US" dirty="0" smtClean="0"/>
+                        <a:t>…</a:t>
+                      </a:r>
+                      <a:endParaRPr lang="en-US" dirty="0"/>
+                    </a:p>
+                  </a:txBody>
+                  <a:tcPr/>
+                </a:tc>
+                <a:tc>
+                  <a:txBody>
+                    <a:bodyPr/>
+                    <a:lstStyle/>
+                    <a:p>
+                      <a:r>
+                        <a:rPr lang="en-US" dirty="0" smtClean="0"/>
+                        <a:t>…</a:t>
+                      </a:r>
+                      <a:endParaRPr lang="en-US" dirty="0"/>
+                    </a:p>
+                  </a:txBody>
+                  <a:tcPr/>
+                </a:tc>
+                <a:tc>
+                  <a:txBody>
+                    <a:bodyPr/>
+                    <a:lstStyle/>
+                    <a:p>
+                      <a:r>
+                        <a:rPr lang="en-US" dirty="0" smtClean="0"/>
+                        <a:t>…</a:t>
+                      </a:r>
+                      <a:endParaRPr lang="en-US" dirty="0"/>
+                    </a:p>
+                  </a:txBody>
+                  <a:tcPr/>
+                </a:tc>
+                <a:tc>
+                  <a:txBody>
+                    <a:bodyPr/>
+                    <a:lstStyle/>
+                    <a:p>
+                      <a:r>
+                        <a:rPr lang="en-US" dirty="0" smtClean="0"/>
+                        <a:t>…</a:t>
+                      </a:r>
+                      <a:endParaRPr lang="en-US" dirty="0"/>
+                    </a:p>
+                  </a:txBody>
+                  <a:tcPr/>
+                </a:tc>
+              </a:tr>
+            </a:tbl>
+          </a:graphicData>
+        </a:graphic>
+      </p:graphicFrame>
+    </p:spTree>
+    <p:extLst>
+      <p:ext uri="{BB962C8B-B14F-4D97-AF65-F5344CB8AC3E}">
+        <p14:creationId xmlns:p14="http://schemas.microsoft.com/office/powerpoint/2010/main" val="3903490870"/>
+      </p:ext>
+    </p:extLst>
+  </p:cSld>
+  <p:clrMapOvr>
+    <a:masterClrMapping/>
+  </p:clrMapOvr>
+</p:sld>
+</file>
+
+<file path=ppt/slides/slide41.xml><?xml version="1.0" encoding="utf-8"?>
+<p:sld xmlns:a="http://schemas.openxmlformats.org/drawingml/2006/main" xmlns:r="http://schemas.openxmlformats.org/officeDocument/2006/relationships" xmlns:p="http://schemas.openxmlformats.org/presentationml/2006/main">
+  <p:cSld>
+    <p:spTree>
+      <p:nvGrpSpPr>
+        <p:cNvPr id="1" name=""/>
+        <p:cNvGrpSpPr/>
+        <p:nvPr/>
+      </p:nvGrpSpPr>
+      <p:grpSpPr>
+        <a:xfrm>
+          <a:off x="0" y="0"/>
+          <a:ext cx="0" cy="0"/>
+          <a:chOff x="0" y="0"/>
+          <a:chExt cx="0" cy="0"/>
+        </a:xfrm>
+      </p:grpSpPr>
+      <p:sp>
+        <p:nvSpPr>
+          <p:cNvPr id="2" name="Title 1"/>
+          <p:cNvSpPr>
+            <a:spLocks noGrp="1"/>
+          </p:cNvSpPr>
+          <p:nvPr>
+            <p:ph type="title"/>
+          </p:nvPr>
+        </p:nvSpPr>
+        <p:spPr/>
+        <p:txBody>
+          <a:bodyPr/>
+          <a:lstStyle/>
+          <a:p>
+            <a:r>
+              <a:rPr lang="en-US" dirty="0" smtClean="0"/>
+              <a:t>What makes Column stores special?</a:t>
+            </a:r>
+            <a:endParaRPr lang="en-US" dirty="0"/>
+          </a:p>
+        </p:txBody>
+      </p:sp>
+      <p:sp>
+        <p:nvSpPr>
+          <p:cNvPr id="3" name="Content Placeholder 2"/>
+          <p:cNvSpPr>
+            <a:spLocks noGrp="1"/>
+          </p:cNvSpPr>
+          <p:nvPr>
+            <p:ph idx="1"/>
+          </p:nvPr>
+        </p:nvSpPr>
+        <p:spPr/>
+        <p:txBody>
+          <a:bodyPr>
+            <a:normAutofit fontScale="92500" lnSpcReduction="20000"/>
+          </a:bodyPr>
+          <a:lstStyle/>
+          <a:p>
+            <a:r>
+              <a:rPr lang="en-US" dirty="0" smtClean="0"/>
+              <a:t>Storage by column makes analytical processing of particular attributes faster.</a:t>
+            </a:r>
+          </a:p>
+          <a:p>
+            <a:r>
+              <a:rPr lang="en-US" dirty="0" smtClean="0"/>
+              <a:t>Requires de-normalized data storage</a:t>
+            </a:r>
+          </a:p>
+          <a:p>
+            <a:pPr lvl="1"/>
+            <a:r>
+              <a:rPr lang="en-US" dirty="0" smtClean="0"/>
+              <a:t>Lends itself to wide tables with lots of columns</a:t>
+            </a:r>
+          </a:p>
+          <a:p>
+            <a:r>
+              <a:rPr lang="en-US" dirty="0" smtClean="0"/>
+              <a:t>No concept of transactions</a:t>
+            </a:r>
+          </a:p>
+          <a:p>
+            <a:pPr lvl="1"/>
+            <a:r>
+              <a:rPr lang="en-US" dirty="0" smtClean="0"/>
+              <a:t>Great for OLAP, not so much for OLTP</a:t>
+            </a:r>
+          </a:p>
+          <a:p>
+            <a:r>
+              <a:rPr lang="en-US" dirty="0" err="1" smtClean="0"/>
+              <a:t>Schemaless</a:t>
+            </a:r>
+            <a:endParaRPr lang="en-US" dirty="0" smtClean="0"/>
+          </a:p>
+          <a:p>
+            <a:pPr lvl="1"/>
+            <a:r>
+              <a:rPr lang="en-US" dirty="0" smtClean="0"/>
+              <a:t>Within a column family, columns can be defined on-the-fly and only columns that are present for a row are stored (leading to sparse tables).</a:t>
+            </a:r>
+          </a:p>
+          <a:p>
+            <a:r>
+              <a:rPr lang="en-US" dirty="0" smtClean="0"/>
+              <a:t>Emphasis on API access rather than a high-level query language.</a:t>
+            </a:r>
+          </a:p>
+          <a:p>
+            <a:r>
+              <a:rPr lang="en-US" dirty="0" smtClean="0"/>
+              <a:t>Linear scalability: just add more nodes</a:t>
+            </a:r>
+            <a:endParaRPr lang="en-US" dirty="0"/>
+          </a:p>
+        </p:txBody>
+      </p:sp>
+    </p:spTree>
+    <p:extLst>
+      <p:ext uri="{BB962C8B-B14F-4D97-AF65-F5344CB8AC3E}">
+        <p14:creationId xmlns:p14="http://schemas.microsoft.com/office/powerpoint/2010/main" val="225043234"/>
+      </p:ext>
+    </p:extLst>
+  </p:cSld>
+  <p:clrMapOvr>
+    <a:masterClrMapping/>
+  </p:clrMapOvr>
+</p:sld>
+</file>
+
+<file path=ppt/slides/slide42.xml><?xml version="1.0" encoding="utf-8"?>
+<p:sld xmlns:a="http://schemas.openxmlformats.org/drawingml/2006/main" xmlns:r="http://schemas.openxmlformats.org/officeDocument/2006/relationships" xmlns:p="http://schemas.openxmlformats.org/presentationml/2006/main">
+  <p:cSld>
+    <p:spTree>
+      <p:nvGrpSpPr>
+        <p:cNvPr id="1" name=""/>
+        <p:cNvGrpSpPr/>
+        <p:nvPr/>
+      </p:nvGrpSpPr>
+      <p:grpSpPr>
+        <a:xfrm>
+          <a:off x="0" y="0"/>
+          <a:ext cx="0" cy="0"/>
+          <a:chOff x="0" y="0"/>
+          <a:chExt cx="0" cy="0"/>
+        </a:xfrm>
+      </p:grpSpPr>
+      <p:sp>
+        <p:nvSpPr>
+          <p:cNvPr id="6" name="Title 5"/>
+          <p:cNvSpPr>
+            <a:spLocks noGrp="1"/>
+          </p:cNvSpPr>
+          <p:nvPr>
+            <p:ph type="title"/>
+          </p:nvPr>
+        </p:nvSpPr>
+        <p:spPr/>
+        <p:txBody>
+          <a:bodyPr/>
+          <a:lstStyle/>
+          <a:p>
+            <a:r>
+              <a:rPr lang="en-US" dirty="0" smtClean="0"/>
+              <a:t>Graph DB: Neo4J</a:t>
+            </a:r>
+            <a:endParaRPr lang="en-US" dirty="0"/>
+          </a:p>
+        </p:txBody>
+      </p:sp>
+      <p:sp>
+        <p:nvSpPr>
+          <p:cNvPr id="7" name="Text Placeholder 6"/>
+          <p:cNvSpPr>
+            <a:spLocks noGrp="1"/>
+          </p:cNvSpPr>
+          <p:nvPr>
+            <p:ph type="body" idx="1"/>
+          </p:nvPr>
+        </p:nvSpPr>
+        <p:spPr/>
+        <p:txBody>
+          <a:bodyPr/>
+          <a:lstStyle/>
+          <a:p>
+            <a:endParaRPr lang="en-US"/>
+          </a:p>
+        </p:txBody>
+      </p:sp>
+    </p:spTree>
+    <p:extLst>
+      <p:ext uri="{BB962C8B-B14F-4D97-AF65-F5344CB8AC3E}">
+        <p14:creationId xmlns:p14="http://schemas.microsoft.com/office/powerpoint/2010/main" val="42092180"/>
+      </p:ext>
+    </p:extLst>
+  </p:cSld>
+  <p:clrMapOvr>
+    <a:masterClrMapping/>
+  </p:clrMapOvr>
+</p:sld>
+</file>
+
+<file path=ppt/slides/slide43.xml><?xml version="1.0" encoding="utf-8"?>
+<p:sld xmlns:a="http://schemas.openxmlformats.org/drawingml/2006/main" xmlns:r="http://schemas.openxmlformats.org/officeDocument/2006/relationships" xmlns:p="http://schemas.openxmlformats.org/presentationml/2006/main">
+  <p:cSld>
+    <p:spTree>
+      <p:nvGrpSpPr>
+        <p:cNvPr id="1" name=""/>
+        <p:cNvGrpSpPr/>
+        <p:nvPr/>
+      </p:nvGrpSpPr>
+      <p:grpSpPr>
+        <a:xfrm>
+          <a:off x="0" y="0"/>
+          <a:ext cx="0" cy="0"/>
+          <a:chOff x="0" y="0"/>
+          <a:chExt cx="0" cy="0"/>
+        </a:xfrm>
+      </p:grpSpPr>
+      <p:sp>
+        <p:nvSpPr>
+          <p:cNvPr id="4" name="Title 3"/>
+          <p:cNvSpPr>
+            <a:spLocks noGrp="1"/>
+          </p:cNvSpPr>
+          <p:nvPr>
+            <p:ph type="title"/>
+          </p:nvPr>
+        </p:nvSpPr>
+        <p:spPr/>
+        <p:txBody>
+          <a:bodyPr/>
+          <a:lstStyle/>
+          <a:p>
+            <a:r>
+              <a:rPr lang="en-US" dirty="0" smtClean="0"/>
+              <a:t>Graph DBs are all about relationships</a:t>
+            </a:r>
+            <a:endParaRPr lang="en-US" dirty="0"/>
+          </a:p>
+        </p:txBody>
+      </p:sp>
+      <p:sp>
+        <p:nvSpPr>
+          <p:cNvPr id="5" name="Content Placeholder 4"/>
+          <p:cNvSpPr>
+            <a:spLocks noGrp="1"/>
+          </p:cNvSpPr>
+          <p:nvPr>
+            <p:ph idx="1"/>
+          </p:nvPr>
+        </p:nvSpPr>
+        <p:spPr>
+          <a:xfrm>
+            <a:off x="684212" y="685800"/>
+            <a:ext cx="8534400" cy="1169605"/>
+          </a:xfrm>
+        </p:spPr>
+        <p:txBody>
+          <a:bodyPr/>
+          <a:lstStyle/>
+          <a:p>
+            <a:r>
+              <a:rPr lang="en-US" dirty="0" smtClean="0"/>
+              <a:t>Basic ingredients: Nodes, relationships and properties.</a:t>
+            </a:r>
+          </a:p>
+          <a:p>
+            <a:endParaRPr lang="en-US" dirty="0"/>
+          </a:p>
+        </p:txBody>
+      </p:sp>
+      <p:sp>
+        <p:nvSpPr>
+          <p:cNvPr id="6" name="Oval 5"/>
+          <p:cNvSpPr/>
+          <p:nvPr/>
+        </p:nvSpPr>
+        <p:spPr>
+          <a:xfrm>
+            <a:off x="4601978" y="2833137"/>
+            <a:ext cx="1319135" cy="1184223"/>
+          </a:xfrm>
+          <a:prstGeom prst="ellipse">
+            <a:avLst/>
+          </a:prstGeom>
+        </p:spPr>
+        <p:style>
+          <a:lnRef idx="2">
+            <a:schemeClr val="accent1">
+              <a:shade val="50000"/>
+            </a:schemeClr>
+          </a:lnRef>
+          <a:fillRef idx="1">
+            <a:schemeClr val="accent1"/>
+          </a:fillRef>
+          <a:effectRef idx="0">
+            <a:schemeClr val="accent1"/>
+          </a:effectRef>
+          <a:fontRef idx="minor">
+            <a:schemeClr val="lt1"/>
+          </a:fontRef>
+        </p:style>
+        <p:txBody>
+          <a:bodyPr rtlCol="0" anchor="ctr"/>
+          <a:lstStyle/>
+          <a:p>
+            <a:pPr algn="ctr"/>
+            <a:r>
+              <a:rPr lang="en-US" dirty="0" smtClean="0"/>
+              <a:t>Movie: Matrix</a:t>
+            </a:r>
+            <a:endParaRPr lang="en-US" dirty="0"/>
+          </a:p>
+        </p:txBody>
+      </p:sp>
+      <p:sp>
+        <p:nvSpPr>
+          <p:cNvPr id="7" name="Oval 6"/>
+          <p:cNvSpPr/>
+          <p:nvPr/>
+        </p:nvSpPr>
+        <p:spPr>
+          <a:xfrm>
+            <a:off x="7379817" y="2833136"/>
+            <a:ext cx="1319135" cy="1184223"/>
+          </a:xfrm>
+          <a:prstGeom prst="ellipse">
+            <a:avLst/>
+          </a:prstGeom>
+        </p:spPr>
+        <p:style>
+          <a:lnRef idx="2">
+            <a:schemeClr val="accent1">
+              <a:shade val="50000"/>
+            </a:schemeClr>
+          </a:lnRef>
+          <a:fillRef idx="1">
+            <a:schemeClr val="accent1"/>
+          </a:fillRef>
+          <a:effectRef idx="0">
+            <a:schemeClr val="accent1"/>
+          </a:effectRef>
+          <a:fontRef idx="minor">
+            <a:schemeClr val="lt1"/>
+          </a:fontRef>
+        </p:style>
+        <p:txBody>
+          <a:bodyPr rtlCol="0" anchor="ctr"/>
+          <a:lstStyle/>
+          <a:p>
+            <a:pPr algn="ctr"/>
+            <a:r>
+              <a:rPr lang="en-US" dirty="0" smtClean="0"/>
+              <a:t>Actor: Keanu</a:t>
+            </a:r>
+            <a:endParaRPr lang="en-US" dirty="0"/>
+          </a:p>
+        </p:txBody>
+      </p:sp>
+      <p:cxnSp>
+        <p:nvCxnSpPr>
+          <p:cNvPr id="9" name="Straight Arrow Connector 8"/>
+          <p:cNvCxnSpPr>
+            <a:endCxn id="6" idx="6"/>
+          </p:cNvCxnSpPr>
+          <p:nvPr/>
+        </p:nvCxnSpPr>
+        <p:spPr>
+          <a:xfrm flipH="1">
+            <a:off x="5921113" y="3425247"/>
+            <a:ext cx="1573968" cy="2"/>
+          </a:xfrm>
+          <a:prstGeom prst="straightConnector1">
+            <a:avLst/>
+          </a:prstGeom>
+          <a:ln>
+            <a:solidFill>
+              <a:schemeClr val="bg1">
+                <a:alpha val="60000"/>
+              </a:schemeClr>
+            </a:solidFill>
+            <a:tailEnd type="triangle"/>
+          </a:ln>
+        </p:spPr>
+        <p:style>
+          <a:lnRef idx="1">
+            <a:schemeClr val="accent1"/>
+          </a:lnRef>
+          <a:fillRef idx="0">
+            <a:schemeClr val="accent1"/>
+          </a:fillRef>
+          <a:effectRef idx="0">
+            <a:schemeClr val="accent1"/>
+          </a:effectRef>
+          <a:fontRef idx="minor">
+            <a:schemeClr val="tx1"/>
+          </a:fontRef>
+        </p:style>
+      </p:cxnSp>
+      <p:sp>
+        <p:nvSpPr>
+          <p:cNvPr id="10" name="TextBox 9"/>
+          <p:cNvSpPr txBox="1"/>
+          <p:nvPr/>
+        </p:nvSpPr>
+        <p:spPr>
+          <a:xfrm>
+            <a:off x="6175947" y="3162921"/>
+            <a:ext cx="1234633" cy="369332"/>
+          </a:xfrm>
+          <a:prstGeom prst="rect">
+            <a:avLst/>
+          </a:prstGeom>
+          <a:noFill/>
+        </p:spPr>
+        <p:txBody>
+          <a:bodyPr wrap="none" rtlCol="0">
+            <a:spAutoFit/>
+          </a:bodyPr>
+          <a:lstStyle/>
+          <a:p>
+            <a:r>
+              <a:rPr lang="en-US" dirty="0" smtClean="0"/>
+              <a:t>Starred in</a:t>
+            </a:r>
+            <a:endParaRPr lang="en-US" dirty="0"/>
+          </a:p>
+        </p:txBody>
+      </p:sp>
+      <p:sp>
+        <p:nvSpPr>
+          <p:cNvPr id="11" name="Oval 10"/>
+          <p:cNvSpPr/>
+          <p:nvPr/>
+        </p:nvSpPr>
+        <p:spPr>
+          <a:xfrm>
+            <a:off x="1769172" y="2833136"/>
+            <a:ext cx="1319135" cy="1184223"/>
+          </a:xfrm>
+          <a:prstGeom prst="ellipse">
+            <a:avLst/>
+          </a:prstGeom>
+        </p:spPr>
+        <p:style>
+          <a:lnRef idx="2">
+            <a:schemeClr val="accent1">
+              <a:shade val="50000"/>
+            </a:schemeClr>
+          </a:lnRef>
+          <a:fillRef idx="1">
+            <a:schemeClr val="accent1"/>
+          </a:fillRef>
+          <a:effectRef idx="0">
+            <a:schemeClr val="accent1"/>
+          </a:effectRef>
+          <a:fontRef idx="minor">
+            <a:schemeClr val="lt1"/>
+          </a:fontRef>
+        </p:style>
+        <p:txBody>
+          <a:bodyPr rtlCol="0" anchor="ctr"/>
+          <a:lstStyle/>
+          <a:p>
+            <a:pPr algn="ctr"/>
+            <a:r>
+              <a:rPr lang="en-US" dirty="0" smtClean="0"/>
+              <a:t>Person: Jim</a:t>
+            </a:r>
+            <a:endParaRPr lang="en-US" dirty="0"/>
+          </a:p>
+        </p:txBody>
+      </p:sp>
+      <p:sp>
+        <p:nvSpPr>
+          <p:cNvPr id="12" name="Oval 11"/>
+          <p:cNvSpPr/>
+          <p:nvPr/>
+        </p:nvSpPr>
+        <p:spPr>
+          <a:xfrm>
+            <a:off x="4601978" y="1638243"/>
+            <a:ext cx="1319135" cy="1184223"/>
+          </a:xfrm>
+          <a:prstGeom prst="ellipse">
+            <a:avLst/>
+          </a:prstGeom>
+        </p:spPr>
+        <p:style>
+          <a:lnRef idx="2">
+            <a:schemeClr val="accent1">
+              <a:shade val="50000"/>
+            </a:schemeClr>
+          </a:lnRef>
+          <a:fillRef idx="1">
+            <a:schemeClr val="accent1"/>
+          </a:fillRef>
+          <a:effectRef idx="0">
+            <a:schemeClr val="accent1"/>
+          </a:effectRef>
+          <a:fontRef idx="minor">
+            <a:schemeClr val="lt1"/>
+          </a:fontRef>
+        </p:style>
+        <p:txBody>
+          <a:bodyPr rtlCol="0" anchor="ctr"/>
+          <a:lstStyle/>
+          <a:p>
+            <a:pPr algn="ctr"/>
+            <a:r>
+              <a:rPr lang="en-US" sz="1100" dirty="0" smtClean="0"/>
+              <a:t>Movie: Johnny Mnemonic</a:t>
+            </a:r>
+            <a:endParaRPr lang="en-US" sz="1100" dirty="0"/>
+          </a:p>
+        </p:txBody>
+      </p:sp>
+      <p:cxnSp>
+        <p:nvCxnSpPr>
+          <p:cNvPr id="14" name="Straight Arrow Connector 13"/>
+          <p:cNvCxnSpPr>
+            <a:stCxn id="10" idx="3"/>
+          </p:cNvCxnSpPr>
+          <p:nvPr/>
+        </p:nvCxnSpPr>
+        <p:spPr>
+          <a:xfrm flipH="1" flipV="1">
+            <a:off x="5921113" y="2413420"/>
+            <a:ext cx="1489467" cy="934167"/>
+          </a:xfrm>
+          <a:prstGeom prst="straightConnector1">
+            <a:avLst/>
+          </a:prstGeom>
+          <a:ln>
+            <a:solidFill>
+              <a:schemeClr val="bg1">
+                <a:alpha val="60000"/>
+              </a:schemeClr>
+            </a:solidFill>
+            <a:tailEnd type="triangle"/>
+          </a:ln>
+        </p:spPr>
+        <p:style>
+          <a:lnRef idx="1">
+            <a:schemeClr val="accent1"/>
+          </a:lnRef>
+          <a:fillRef idx="0">
+            <a:schemeClr val="accent1"/>
+          </a:fillRef>
+          <a:effectRef idx="0">
+            <a:schemeClr val="accent1"/>
+          </a:effectRef>
+          <a:fontRef idx="minor">
+            <a:schemeClr val="tx1"/>
+          </a:fontRef>
+        </p:style>
+      </p:cxnSp>
+      <p:sp>
+        <p:nvSpPr>
+          <p:cNvPr id="22" name="TextBox 21"/>
+          <p:cNvSpPr txBox="1"/>
+          <p:nvPr/>
+        </p:nvSpPr>
+        <p:spPr>
+          <a:xfrm rot="1881119">
+            <a:off x="6110379" y="2567698"/>
+            <a:ext cx="1234633" cy="369332"/>
+          </a:xfrm>
+          <a:prstGeom prst="rect">
+            <a:avLst/>
+          </a:prstGeom>
+          <a:noFill/>
+        </p:spPr>
+        <p:txBody>
+          <a:bodyPr wrap="none" rtlCol="0">
+            <a:spAutoFit/>
+          </a:bodyPr>
+          <a:lstStyle/>
+          <a:p>
+            <a:r>
+              <a:rPr lang="en-US" dirty="0" smtClean="0"/>
+              <a:t>Starred in</a:t>
+            </a:r>
+            <a:endParaRPr lang="en-US" dirty="0"/>
+          </a:p>
+        </p:txBody>
+      </p:sp>
+      <p:cxnSp>
+        <p:nvCxnSpPr>
+          <p:cNvPr id="24" name="Straight Arrow Connector 23"/>
+          <p:cNvCxnSpPr>
+            <a:stCxn id="11" idx="6"/>
+          </p:cNvCxnSpPr>
+          <p:nvPr/>
+        </p:nvCxnSpPr>
+        <p:spPr>
+          <a:xfrm flipV="1">
+            <a:off x="3088307" y="3425247"/>
+            <a:ext cx="1513671" cy="1"/>
+          </a:xfrm>
+          <a:prstGeom prst="straightConnector1">
+            <a:avLst/>
+          </a:prstGeom>
+          <a:ln>
+            <a:solidFill>
+              <a:schemeClr val="bg1">
+                <a:alpha val="60000"/>
+              </a:schemeClr>
+            </a:solidFill>
+            <a:tailEnd type="triangle"/>
+          </a:ln>
+        </p:spPr>
+        <p:style>
+          <a:lnRef idx="1">
+            <a:schemeClr val="accent1"/>
+          </a:lnRef>
+          <a:fillRef idx="0">
+            <a:schemeClr val="accent1"/>
+          </a:fillRef>
+          <a:effectRef idx="0">
+            <a:schemeClr val="accent1"/>
+          </a:effectRef>
+          <a:fontRef idx="minor">
+            <a:schemeClr val="tx1"/>
+          </a:fontRef>
+        </p:style>
+      </p:cxnSp>
+      <p:sp>
+        <p:nvSpPr>
+          <p:cNvPr id="25" name="TextBox 24"/>
+          <p:cNvSpPr txBox="1"/>
+          <p:nvPr/>
+        </p:nvSpPr>
+        <p:spPr>
+          <a:xfrm>
+            <a:off x="3252037" y="3085820"/>
+            <a:ext cx="1231427" cy="369332"/>
+          </a:xfrm>
+          <a:prstGeom prst="rect">
+            <a:avLst/>
+          </a:prstGeom>
+          <a:noFill/>
+        </p:spPr>
+        <p:txBody>
+          <a:bodyPr wrap="none" rtlCol="0">
+            <a:spAutoFit/>
+          </a:bodyPr>
+          <a:lstStyle/>
+          <a:p>
+            <a:r>
+              <a:rPr lang="en-US" dirty="0" smtClean="0"/>
+              <a:t>reviewed</a:t>
+            </a:r>
+            <a:endParaRPr lang="en-US" dirty="0"/>
+          </a:p>
+        </p:txBody>
+      </p:sp>
+    </p:spTree>
+    <p:extLst>
+      <p:ext uri="{BB962C8B-B14F-4D97-AF65-F5344CB8AC3E}">
+        <p14:creationId xmlns:p14="http://schemas.microsoft.com/office/powerpoint/2010/main" val="752447286"/>
+      </p:ext>
+    </p:extLst>
+  </p:cSld>
+  <p:clrMapOvr>
+    <a:masterClrMapping/>
+  </p:clrMapOvr>
+</p:sld>
+</file>
+
+<file path=ppt/slides/slide44.xml><?xml version="1.0" encoding="utf-8"?>
+<p:sld xmlns:a="http://schemas.openxmlformats.org/drawingml/2006/main" xmlns:r="http://schemas.openxmlformats.org/officeDocument/2006/relationships" xmlns:p="http://schemas.openxmlformats.org/presentationml/2006/main">
+  <p:cSld>
+    <p:spTree>
+      <p:nvGrpSpPr>
+        <p:cNvPr id="1" name=""/>
+        <p:cNvGrpSpPr/>
+        <p:nvPr/>
+      </p:nvGrpSpPr>
+      <p:grpSpPr>
+        <a:xfrm>
+          <a:off x="0" y="0"/>
+          <a:ext cx="0" cy="0"/>
+          <a:chOff x="0" y="0"/>
+          <a:chExt cx="0" cy="0"/>
+        </a:xfrm>
+      </p:grpSpPr>
+      <p:sp>
+        <p:nvSpPr>
+          <p:cNvPr id="2" name="Title 1"/>
+          <p:cNvSpPr>
+            <a:spLocks noGrp="1"/>
+          </p:cNvSpPr>
+          <p:nvPr>
+            <p:ph type="title"/>
+          </p:nvPr>
+        </p:nvSpPr>
+        <p:spPr/>
+        <p:txBody>
+          <a:bodyPr/>
+          <a:lstStyle/>
+          <a:p>
+            <a:r>
+              <a:rPr lang="en-US" dirty="0" smtClean="0"/>
+              <a:t>What are Graph DBs great for?</a:t>
+            </a:r>
+            <a:endParaRPr lang="en-US" dirty="0"/>
+          </a:p>
+        </p:txBody>
+      </p:sp>
+      <p:sp>
+        <p:nvSpPr>
+          <p:cNvPr id="3" name="Content Placeholder 2"/>
+          <p:cNvSpPr>
+            <a:spLocks noGrp="1"/>
+          </p:cNvSpPr>
+          <p:nvPr>
+            <p:ph idx="1"/>
+          </p:nvPr>
+        </p:nvSpPr>
+        <p:spPr/>
+        <p:txBody>
+          <a:bodyPr/>
+          <a:lstStyle/>
+          <a:p>
+            <a:r>
+              <a:rPr lang="en-US" dirty="0" smtClean="0"/>
+              <a:t>Complex connections between different entities</a:t>
+            </a:r>
+          </a:p>
+          <a:p>
+            <a:pPr lvl="1"/>
+            <a:r>
+              <a:rPr lang="en-US" dirty="0"/>
+              <a:t>No joins </a:t>
+            </a:r>
+            <a:r>
+              <a:rPr lang="en-US" dirty="0" smtClean="0"/>
+              <a:t>necessary!</a:t>
+            </a:r>
+          </a:p>
+          <a:p>
+            <a:r>
+              <a:rPr lang="en-US" dirty="0" smtClean="0"/>
+              <a:t>Graph/model can be evolved over time w/o having to change historical data.</a:t>
+            </a:r>
+          </a:p>
+          <a:p>
+            <a:r>
+              <a:rPr lang="en-US" dirty="0" smtClean="0"/>
+              <a:t>Allows for context-richness</a:t>
+            </a:r>
+          </a:p>
+          <a:p>
+            <a:r>
+              <a:rPr lang="en-US" dirty="0" smtClean="0"/>
+              <a:t>Example applications: recommender engines, n-degrees of separation queries</a:t>
+            </a:r>
+            <a:endParaRPr lang="en-US" dirty="0"/>
+          </a:p>
+        </p:txBody>
+      </p:sp>
+    </p:spTree>
+    <p:extLst>
+      <p:ext uri="{BB962C8B-B14F-4D97-AF65-F5344CB8AC3E}">
+        <p14:creationId xmlns:p14="http://schemas.microsoft.com/office/powerpoint/2010/main" val="379935730"/>
+      </p:ext>
+    </p:extLst>
+  </p:cSld>
+  <p:clrMapOvr>
+    <a:masterClrMapping/>
+  </p:clrMapOvr>
+</p:sld>
+</file>
+
+<file path=ppt/slides/slide45.xml><?xml version="1.0" encoding="utf-8"?>
+<p:sld xmlns:a="http://schemas.openxmlformats.org/drawingml/2006/main" xmlns:r="http://schemas.openxmlformats.org/officeDocument/2006/relationships" xmlns:p="http://schemas.openxmlformats.org/presentationml/2006/main">
+  <p:cSld>
+    <p:spTree>
+      <p:nvGrpSpPr>
+        <p:cNvPr id="1" name=""/>
+        <p:cNvGrpSpPr/>
+        <p:nvPr/>
+      </p:nvGrpSpPr>
+      <p:grpSpPr>
+        <a:xfrm>
+          <a:off x="0" y="0"/>
+          <a:ext cx="0" cy="0"/>
+          <a:chOff x="0" y="0"/>
+          <a:chExt cx="0" cy="0"/>
+        </a:xfrm>
+      </p:grpSpPr>
+      <p:sp>
+        <p:nvSpPr>
+          <p:cNvPr id="2" name="Title 1"/>
+          <p:cNvSpPr>
+            <a:spLocks noGrp="1"/>
+          </p:cNvSpPr>
+          <p:nvPr>
+            <p:ph type="title"/>
+          </p:nvPr>
+        </p:nvSpPr>
+        <p:spPr/>
+        <p:txBody>
+          <a:bodyPr/>
+          <a:lstStyle/>
+          <a:p>
+            <a:r>
+              <a:rPr lang="en-US" dirty="0" smtClean="0"/>
+              <a:t>What not to use them for?</a:t>
+            </a:r>
+            <a:endParaRPr lang="en-US" dirty="0"/>
+          </a:p>
+        </p:txBody>
+      </p:sp>
+      <p:sp>
+        <p:nvSpPr>
+          <p:cNvPr id="3" name="Content Placeholder 2"/>
+          <p:cNvSpPr>
+            <a:spLocks noGrp="1"/>
+          </p:cNvSpPr>
+          <p:nvPr>
+            <p:ph idx="1"/>
+          </p:nvPr>
+        </p:nvSpPr>
+        <p:spPr/>
+        <p:txBody>
+          <a:bodyPr/>
+          <a:lstStyle/>
+          <a:p>
+            <a:r>
+              <a:rPr lang="en-US" dirty="0" smtClean="0"/>
+              <a:t>OLAP</a:t>
+            </a:r>
+          </a:p>
+          <a:p>
+            <a:r>
+              <a:rPr lang="en-US" dirty="0" smtClean="0"/>
+              <a:t>Highly relational data.</a:t>
+            </a:r>
+          </a:p>
+          <a:p>
+            <a:r>
+              <a:rPr lang="en-US" dirty="0" smtClean="0"/>
+              <a:t>[in </a:t>
+            </a:r>
+            <a:r>
+              <a:rPr lang="en-US" dirty="0" err="1" smtClean="0"/>
+              <a:t>Neo’s</a:t>
+            </a:r>
+            <a:r>
+              <a:rPr lang="en-US" dirty="0" smtClean="0"/>
+              <a:t> case] massive data sets</a:t>
+            </a:r>
+            <a:endParaRPr lang="en-US" dirty="0"/>
+          </a:p>
+        </p:txBody>
+      </p:sp>
+    </p:spTree>
+    <p:extLst>
+      <p:ext uri="{BB962C8B-B14F-4D97-AF65-F5344CB8AC3E}">
+        <p14:creationId xmlns:p14="http://schemas.microsoft.com/office/powerpoint/2010/main" val="1469580846"/>
+      </p:ext>
+    </p:extLst>
+  </p:cSld>
+  <p:clrMapOvr>
+    <a:masterClrMapping/>
+  </p:clrMapOvr>
+</p:sld>
+</file>
+
+<file path=ppt/slides/slide46.xml><?xml version="1.0" encoding="utf-8"?>
+<p:sld xmlns:a="http://schemas.openxmlformats.org/drawingml/2006/main" xmlns:r="http://schemas.openxmlformats.org/officeDocument/2006/relationships" xmlns:p="http://schemas.openxmlformats.org/presentationml/2006/main">
+  <p:cSld>
+    <p:spTree>
+      <p:nvGrpSpPr>
+        <p:cNvPr id="1" name=""/>
+        <p:cNvGrpSpPr/>
+        <p:nvPr/>
+      </p:nvGrpSpPr>
+      <p:grpSpPr>
+        <a:xfrm>
+          <a:off x="0" y="0"/>
+          <a:ext cx="0" cy="0"/>
+          <a:chOff x="0" y="0"/>
+          <a:chExt cx="0" cy="0"/>
+        </a:xfrm>
+      </p:grpSpPr>
+      <p:sp>
+        <p:nvSpPr>
+          <p:cNvPr id="4" name="Title 3"/>
+          <p:cNvSpPr>
+            <a:spLocks noGrp="1"/>
+          </p:cNvSpPr>
+          <p:nvPr>
+            <p:ph type="title"/>
+          </p:nvPr>
+        </p:nvSpPr>
+        <p:spPr/>
+        <p:txBody>
+          <a:bodyPr/>
+          <a:lstStyle/>
+          <a:p>
+            <a:r>
+              <a:rPr lang="en-US" dirty="0" smtClean="0"/>
+              <a:t>Polyglot persistence</a:t>
+            </a:r>
+            <a:endParaRPr lang="en-US" dirty="0"/>
+          </a:p>
+        </p:txBody>
+      </p:sp>
+      <p:sp>
+        <p:nvSpPr>
+          <p:cNvPr id="5" name="Text Placeholder 4"/>
+          <p:cNvSpPr>
+            <a:spLocks noGrp="1"/>
+          </p:cNvSpPr>
+          <p:nvPr>
+            <p:ph type="body" idx="1"/>
+          </p:nvPr>
+        </p:nvSpPr>
+        <p:spPr/>
+        <p:txBody>
+          <a:bodyPr/>
+          <a:lstStyle/>
+          <a:p>
+            <a:r>
+              <a:rPr lang="en-US" dirty="0" smtClean="0"/>
+              <a:t>Putting it all together</a:t>
+            </a:r>
+            <a:endParaRPr lang="en-US" dirty="0"/>
+          </a:p>
+        </p:txBody>
+      </p:sp>
+    </p:spTree>
+    <p:extLst>
+      <p:ext uri="{BB962C8B-B14F-4D97-AF65-F5344CB8AC3E}">
+        <p14:creationId xmlns:p14="http://schemas.microsoft.com/office/powerpoint/2010/main" val="2100949694"/>
+      </p:ext>
+    </p:extLst>
+  </p:cSld>
+  <p:clrMapOvr>
+    <a:masterClrMapping/>
+  </p:clrMapOvr>
+</p:sld>
+</file>
+
+<file path=ppt/slides/slide47.xml><?xml version="1.0" encoding="utf-8"?>
+<p:sld xmlns:a="http://schemas.openxmlformats.org/drawingml/2006/main" xmlns:r="http://schemas.openxmlformats.org/officeDocument/2006/relationships" xmlns:p="http://schemas.openxmlformats.org/presentationml/2006/main">
+  <p:cSld>
+    <p:spTree>
+      <p:nvGrpSpPr>
+        <p:cNvPr id="1" name=""/>
+        <p:cNvGrpSpPr/>
+        <p:nvPr/>
+      </p:nvGrpSpPr>
+      <p:grpSpPr>
+        <a:xfrm>
+          <a:off x="0" y="0"/>
+          <a:ext cx="0" cy="0"/>
+          <a:chOff x="0" y="0"/>
+          <a:chExt cx="0" cy="0"/>
+        </a:xfrm>
+      </p:grpSpPr>
+      <p:sp>
+        <p:nvSpPr>
+          <p:cNvPr id="4" name="Title 3"/>
+          <p:cNvSpPr>
+            <a:spLocks noGrp="1"/>
+          </p:cNvSpPr>
+          <p:nvPr>
+            <p:ph type="title"/>
+          </p:nvPr>
+        </p:nvSpPr>
+        <p:spPr/>
+        <p:txBody>
+          <a:bodyPr/>
+          <a:lstStyle/>
+          <a:p>
+            <a:r>
+              <a:rPr lang="en-US" dirty="0" smtClean="0"/>
+              <a:t>So… which of these should I pick?</a:t>
+            </a:r>
+            <a:endParaRPr lang="en-US" dirty="0"/>
+          </a:p>
+        </p:txBody>
+      </p:sp>
+      <p:sp>
+        <p:nvSpPr>
+          <p:cNvPr id="5" name="Content Placeholder 4"/>
+          <p:cNvSpPr>
+            <a:spLocks noGrp="1"/>
+          </p:cNvSpPr>
+          <p:nvPr>
+            <p:ph idx="1"/>
+          </p:nvPr>
+        </p:nvSpPr>
+        <p:spPr/>
+        <p:txBody>
+          <a:bodyPr/>
+          <a:lstStyle/>
+          <a:p>
+            <a:r>
+              <a:rPr lang="en-US" dirty="0" smtClean="0"/>
+              <a:t>Many considerations:</a:t>
+            </a:r>
+          </a:p>
+          <a:p>
+            <a:pPr lvl="1"/>
+            <a:r>
+              <a:rPr lang="en-US" dirty="0" smtClean="0"/>
+              <a:t>Volume</a:t>
+            </a:r>
+          </a:p>
+          <a:p>
+            <a:pPr lvl="1"/>
+            <a:r>
+              <a:rPr lang="en-US" dirty="0" smtClean="0"/>
+              <a:t>Structure (or lack thereof)</a:t>
+            </a:r>
+          </a:p>
+          <a:p>
+            <a:pPr lvl="1"/>
+            <a:r>
+              <a:rPr lang="en-US" dirty="0" smtClean="0"/>
+              <a:t>Durability</a:t>
+            </a:r>
+          </a:p>
+          <a:p>
+            <a:pPr lvl="1"/>
+            <a:r>
+              <a:rPr lang="en-US" dirty="0" smtClean="0"/>
+              <a:t>Geographic distribution</a:t>
+            </a:r>
+          </a:p>
+          <a:p>
+            <a:pPr lvl="1"/>
+            <a:r>
+              <a:rPr lang="en-US" dirty="0" smtClean="0"/>
+              <a:t>Reporting needs</a:t>
+            </a:r>
+          </a:p>
+          <a:p>
+            <a:pPr lvl="1"/>
+            <a:r>
+              <a:rPr lang="en-US" dirty="0" smtClean="0"/>
+              <a:t>Scaling needs (up/out)</a:t>
+            </a:r>
+          </a:p>
+          <a:p>
+            <a:pPr lvl="1"/>
+            <a:r>
+              <a:rPr lang="en-US" dirty="0" smtClean="0"/>
+              <a:t>…</a:t>
+            </a:r>
+            <a:endParaRPr lang="en-US" dirty="0"/>
+          </a:p>
+        </p:txBody>
+      </p:sp>
+    </p:spTree>
+    <p:extLst>
+      <p:ext uri="{BB962C8B-B14F-4D97-AF65-F5344CB8AC3E}">
+        <p14:creationId xmlns:p14="http://schemas.microsoft.com/office/powerpoint/2010/main" val="2582325537"/>
+      </p:ext>
+    </p:extLst>
+  </p:cSld>
+  <p:clrMapOvr>
+    <a:masterClrMapping/>
+  </p:clrMapOvr>
+</p:sld>
+</file>
+
+<file path=ppt/slides/slide48.xml><?xml version="1.0" encoding="utf-8"?>
+<p:sld xmlns:a="http://schemas.openxmlformats.org/drawingml/2006/main" xmlns:r="http://schemas.openxmlformats.org/officeDocument/2006/relationships" xmlns:p="http://schemas.openxmlformats.org/presentationml/2006/main">
+  <p:cSld>
+    <p:spTree>
+      <p:nvGrpSpPr>
+        <p:cNvPr id="1" name=""/>
+        <p:cNvGrpSpPr/>
+        <p:nvPr/>
+      </p:nvGrpSpPr>
+      <p:grpSpPr>
+        <a:xfrm>
+          <a:off x="0" y="0"/>
+          <a:ext cx="0" cy="0"/>
+          <a:chOff x="0" y="0"/>
+          <a:chExt cx="0" cy="0"/>
+        </a:xfrm>
+      </p:grpSpPr>
+      <p:sp>
+        <p:nvSpPr>
+          <p:cNvPr id="2" name="Title 1"/>
+          <p:cNvSpPr>
+            <a:spLocks noGrp="1"/>
+          </p:cNvSpPr>
+          <p:nvPr>
+            <p:ph type="title"/>
+          </p:nvPr>
+        </p:nvSpPr>
+        <p:spPr/>
+        <p:txBody>
+          <a:bodyPr/>
+          <a:lstStyle/>
+          <a:p>
+            <a:r>
+              <a:rPr lang="en-US" dirty="0" smtClean="0"/>
+              <a:t>Challenges</a:t>
+            </a:r>
+            <a:endParaRPr lang="en-US" dirty="0"/>
+          </a:p>
+        </p:txBody>
+      </p:sp>
+      <p:sp>
+        <p:nvSpPr>
+          <p:cNvPr id="3" name="Content Placeholder 2"/>
+          <p:cNvSpPr>
+            <a:spLocks noGrp="1"/>
+          </p:cNvSpPr>
+          <p:nvPr>
+            <p:ph idx="1"/>
+          </p:nvPr>
+        </p:nvSpPr>
+        <p:spPr/>
+        <p:txBody>
+          <a:bodyPr/>
+          <a:lstStyle/>
+          <a:p>
+            <a:r>
+              <a:rPr lang="en-US" dirty="0" smtClean="0"/>
+              <a:t>Skillset</a:t>
+            </a:r>
+          </a:p>
+          <a:p>
+            <a:r>
+              <a:rPr lang="en-US" dirty="0" smtClean="0"/>
+              <a:t>3</a:t>
+            </a:r>
+            <a:r>
+              <a:rPr lang="en-US" baseline="30000" dirty="0" smtClean="0"/>
+              <a:t>rd</a:t>
+            </a:r>
+            <a:r>
+              <a:rPr lang="en-US" dirty="0" smtClean="0"/>
+              <a:t> party / community support</a:t>
+            </a:r>
+          </a:p>
+          <a:p>
+            <a:r>
+              <a:rPr lang="en-US" dirty="0" smtClean="0"/>
+              <a:t>HA/DR</a:t>
+            </a:r>
+          </a:p>
+          <a:p>
+            <a:r>
+              <a:rPr lang="en-US" dirty="0" smtClean="0"/>
+              <a:t>Integrity / schema enforcement</a:t>
+            </a:r>
+            <a:endParaRPr lang="en-US" dirty="0"/>
+          </a:p>
+        </p:txBody>
+      </p:sp>
+    </p:spTree>
+    <p:extLst>
+      <p:ext uri="{BB962C8B-B14F-4D97-AF65-F5344CB8AC3E}">
+        <p14:creationId xmlns:p14="http://schemas.microsoft.com/office/powerpoint/2010/main" val="206514021"/>
+      </p:ext>
+    </p:extLst>
+  </p:cSld>
+  <p:clrMapOvr>
+    <a:masterClrMapping/>
+  </p:clrMapOvr>
+</p:sld>
+</file>
+
+<file path=ppt/slides/slide49.xml><?xml version="1.0" encoding="utf-8"?>
+<p:sld xmlns:a="http://schemas.openxmlformats.org/drawingml/2006/main" xmlns:r="http://schemas.openxmlformats.org/officeDocument/2006/relationships" xmlns:p="http://schemas.openxmlformats.org/presentationml/2006/main">
+  <p:cSld>
+    <p:spTree>
+      <p:nvGrpSpPr>
+        <p:cNvPr id="1" name=""/>
+        <p:cNvGrpSpPr/>
+        <p:nvPr/>
+      </p:nvGrpSpPr>
+      <p:grpSpPr>
+        <a:xfrm>
+          <a:off x="0" y="0"/>
+          <a:ext cx="0" cy="0"/>
+          <a:chOff x="0" y="0"/>
+          <a:chExt cx="0" cy="0"/>
+        </a:xfrm>
+      </p:grpSpPr>
+      <p:sp>
+        <p:nvSpPr>
+          <p:cNvPr id="4" name="Title 3"/>
+          <p:cNvSpPr>
+            <a:spLocks noGrp="1"/>
+          </p:cNvSpPr>
+          <p:nvPr>
+            <p:ph type="title"/>
+          </p:nvPr>
+        </p:nvSpPr>
+        <p:spPr/>
+        <p:txBody>
+          <a:bodyPr/>
+          <a:lstStyle/>
+          <a:p>
+            <a:r>
+              <a:rPr lang="en-US" dirty="0" smtClean="0"/>
+              <a:t>What is polyglot persistence</a:t>
+            </a:r>
+            <a:endParaRPr lang="en-US" dirty="0"/>
+          </a:p>
+        </p:txBody>
+      </p:sp>
+      <p:pic>
+        <p:nvPicPr>
+          <p:cNvPr id="6" name="Content Placeholder 5"/>
+          <p:cNvPicPr>
+            <a:picLocks noGrp="1" noChangeAspect="1"/>
+          </p:cNvPicPr>
+          <p:nvPr>
+            <p:ph idx="1"/>
+          </p:nvPr>
+        </p:nvPicPr>
+        <p:blipFill>
+          <a:blip r:embed="rId2"/>
+          <a:stretch>
+            <a:fillRect/>
+          </a:stretch>
+        </p:blipFill>
+        <p:spPr>
+          <a:xfrm>
+            <a:off x="1293139" y="1545431"/>
+            <a:ext cx="5710912" cy="2636825"/>
+          </a:xfrm>
+          <a:prstGeom prst="rect">
+            <a:avLst/>
+          </a:prstGeom>
+        </p:spPr>
+      </p:pic>
+    </p:spTree>
+    <p:extLst>
+      <p:ext uri="{BB962C8B-B14F-4D97-AF65-F5344CB8AC3E}">
+        <p14:creationId xmlns:p14="http://schemas.microsoft.com/office/powerpoint/2010/main" val="1647381687"/>
+      </p:ext>
+    </p:extLst>
+  </p:cSld>
+  <p:clrMapOvr>
+    <a:masterClrMapping/>
+  </p:clrMapOvr>
+</p:sld>
+</file>
+
+<file path=ppt/slides/slide5.xml><?xml version="1.0" encoding="utf-8"?>
+<p:sld xmlns:a="http://schemas.openxmlformats.org/drawingml/2006/main" xmlns:r="http://schemas.openxmlformats.org/officeDocument/2006/relationships" xmlns:p="http://schemas.openxmlformats.org/presentationml/2006/main">
+  <p:cSld>
+    <p:spTree>
+      <p:nvGrpSpPr>
+        <p:cNvPr id="1" name=""/>
+        <p:cNvGrpSpPr/>
+        <p:nvPr/>
+      </p:nvGrpSpPr>
+      <p:grpSpPr>
+        <a:xfrm>
+          <a:off x="0" y="0"/>
+          <a:ext cx="0" cy="0"/>
+          <a:chOff x="0" y="0"/>
+          <a:chExt cx="0" cy="0"/>
+        </a:xfrm>
+      </p:grpSpPr>
+      <p:sp>
+        <p:nvSpPr>
+          <p:cNvPr id="2" name="Title 1"/>
+          <p:cNvSpPr>
+            <a:spLocks noGrp="1"/>
+          </p:cNvSpPr>
+          <p:nvPr>
+            <p:ph type="title"/>
+          </p:nvPr>
+        </p:nvSpPr>
+        <p:spPr/>
+        <p:txBody>
+          <a:bodyPr/>
+          <a:lstStyle/>
+          <a:p>
+            <a:r>
+              <a:rPr lang="en-US" dirty="0" smtClean="0"/>
+              <a:t>how did we get here?</a:t>
+            </a:r>
+            <a:endParaRPr lang="en-US" dirty="0"/>
+          </a:p>
+        </p:txBody>
+      </p:sp>
+      <p:pic>
+        <p:nvPicPr>
+          <p:cNvPr id="2050" name="Picture 2" descr="http://www.i-programmer.info/images/stories/Core/AI/Tubes/map.gif"/>
+          <p:cNvPicPr>
+            <a:picLocks noGrp="1" noChangeAspect="1" noChangeArrowheads="1"/>
+          </p:cNvPicPr>
+          <p:nvPr>
+            <p:ph idx="1"/>
+          </p:nvPr>
+        </p:nvPicPr>
+        <p:blipFill>
+          <a:blip r:embed="rId2">
+            <a:extLst>
+              <a:ext uri="{28A0092B-C50C-407E-A947-70E740481C1C}">
+                <a14:useLocalDpi xmlns:a14="http://schemas.microsoft.com/office/drawing/2010/main" val="0"/>
+              </a:ext>
+            </a:extLst>
+          </a:blip>
+          <a:srcRect/>
+          <a:stretch>
+            <a:fillRect/>
+          </a:stretch>
+        </p:blipFill>
+        <p:spPr bwMode="auto">
+          <a:xfrm>
+            <a:off x="2386230" y="685800"/>
+            <a:ext cx="5130366" cy="3614738"/>
+          </a:xfrm>
+          <a:prstGeom prst="rect">
+            <a:avLst/>
+          </a:prstGeom>
+          <a:noFill/>
+          <a:extLst>
+            <a:ext uri="{909E8E84-426E-40DD-AFC4-6F175D3DCCD1}">
+              <a14:hiddenFill xmlns:a14="http://schemas.microsoft.com/office/drawing/2010/main">
+                <a:solidFill>
+                  <a:srgbClr val="FFFFFF"/>
+                </a:solidFill>
+              </a14:hiddenFill>
+            </a:ext>
+          </a:extLst>
+        </p:spPr>
+      </p:pic>
+    </p:spTree>
+    <p:extLst>
+      <p:ext uri="{BB962C8B-B14F-4D97-AF65-F5344CB8AC3E}">
+        <p14:creationId xmlns:p14="http://schemas.microsoft.com/office/powerpoint/2010/main" val="1569318471"/>
+      </p:ext>
+    </p:extLst>
+  </p:cSld>
+  <p:clrMapOvr>
+    <a:masterClrMapping/>
+  </p:clrMapOvr>
+</p:sld>
+</file>
+
+<file path=ppt/slides/slide50.xml><?xml version="1.0" encoding="utf-8"?>
+<p:sld xmlns:a="http://schemas.openxmlformats.org/drawingml/2006/main" xmlns:r="http://schemas.openxmlformats.org/officeDocument/2006/relationships" xmlns:p="http://schemas.openxmlformats.org/presentationml/2006/main">
+  <p:cSld>
+    <p:spTree>
+      <p:nvGrpSpPr>
+        <p:cNvPr id="1" name=""/>
+        <p:cNvGrpSpPr/>
+        <p:nvPr/>
+      </p:nvGrpSpPr>
+      <p:grpSpPr>
+        <a:xfrm>
+          <a:off x="0" y="0"/>
+          <a:ext cx="0" cy="0"/>
+          <a:chOff x="0" y="0"/>
+          <a:chExt cx="0" cy="0"/>
+        </a:xfrm>
+      </p:grpSpPr>
+      <p:sp>
+        <p:nvSpPr>
+          <p:cNvPr id="2" name="Title 1"/>
+          <p:cNvSpPr>
+            <a:spLocks noGrp="1"/>
+          </p:cNvSpPr>
+          <p:nvPr>
+            <p:ph type="title"/>
+          </p:nvPr>
+        </p:nvSpPr>
+        <p:spPr/>
+        <p:txBody>
+          <a:bodyPr/>
+          <a:lstStyle/>
+          <a:p>
+            <a:r>
+              <a:rPr lang="en-US" dirty="0" smtClean="0"/>
+              <a:t>What is Polyglot Persistence?</a:t>
+            </a:r>
+            <a:endParaRPr lang="en-US" dirty="0"/>
+          </a:p>
+        </p:txBody>
+      </p:sp>
+      <p:sp>
+        <p:nvSpPr>
+          <p:cNvPr id="3" name="Content Placeholder 2"/>
+          <p:cNvSpPr>
+            <a:spLocks noGrp="1"/>
+          </p:cNvSpPr>
+          <p:nvPr>
+            <p:ph idx="1"/>
+          </p:nvPr>
+        </p:nvSpPr>
+        <p:spPr/>
+        <p:txBody>
+          <a:bodyPr/>
+          <a:lstStyle/>
+          <a:p>
+            <a:r>
+              <a:rPr lang="en-US" dirty="0" smtClean="0"/>
+              <a:t>Why limit yourself to one choice (kind of like using a hammer as the only construction tool)</a:t>
+            </a:r>
+          </a:p>
+          <a:p>
+            <a:r>
+              <a:rPr lang="en-US" dirty="0" smtClean="0"/>
+              <a:t>Storage is cheap, bad data models are not.</a:t>
+            </a:r>
+          </a:p>
+          <a:p>
+            <a:r>
+              <a:rPr lang="en-US" dirty="0" smtClean="0"/>
+              <a:t>Use whatever combination of data stores best meets your data needs even if that means you have to store data multiple times.</a:t>
+            </a:r>
+          </a:p>
+          <a:p>
+            <a:endParaRPr lang="en-US" dirty="0"/>
+          </a:p>
+        </p:txBody>
+      </p:sp>
+    </p:spTree>
+    <p:extLst>
+      <p:ext uri="{BB962C8B-B14F-4D97-AF65-F5344CB8AC3E}">
+        <p14:creationId xmlns:p14="http://schemas.microsoft.com/office/powerpoint/2010/main" val="1573927435"/>
+      </p:ext>
+    </p:extLst>
+  </p:cSld>
+  <p:clrMapOvr>
+    <a:masterClrMapping/>
+  </p:clrMapOvr>
+</p:sld>
+</file>
+
+<file path=ppt/slides/slide51.xml><?xml version="1.0" encoding="utf-8"?>
+<p:sld xmlns:a="http://schemas.openxmlformats.org/drawingml/2006/main" xmlns:r="http://schemas.openxmlformats.org/officeDocument/2006/relationships" xmlns:p="http://schemas.openxmlformats.org/presentationml/2006/main">
+  <p:cSld>
+    <p:spTree>
+      <p:nvGrpSpPr>
+        <p:cNvPr id="1" name=""/>
+        <p:cNvGrpSpPr/>
+        <p:nvPr/>
+      </p:nvGrpSpPr>
+      <p:grpSpPr>
+        <a:xfrm>
+          <a:off x="0" y="0"/>
+          <a:ext cx="0" cy="0"/>
+          <a:chOff x="0" y="0"/>
+          <a:chExt cx="0" cy="0"/>
+        </a:xfrm>
+      </p:grpSpPr>
+      <p:sp>
+        <p:nvSpPr>
+          <p:cNvPr id="2" name="Title 1"/>
+          <p:cNvSpPr>
+            <a:spLocks noGrp="1"/>
+          </p:cNvSpPr>
+          <p:nvPr>
+            <p:ph type="title"/>
+          </p:nvPr>
+        </p:nvSpPr>
+        <p:spPr/>
+        <p:txBody>
+          <a:bodyPr/>
+          <a:lstStyle/>
+          <a:p>
+            <a:r>
+              <a:rPr lang="en-US" dirty="0" smtClean="0"/>
+              <a:t>Example: A shopping website</a:t>
+            </a:r>
+            <a:endParaRPr lang="en-US" dirty="0"/>
+          </a:p>
+        </p:txBody>
+      </p:sp>
+      <p:pic>
+        <p:nvPicPr>
+          <p:cNvPr id="4" name="Content Placeholder 3"/>
+          <p:cNvPicPr>
+            <a:picLocks noGrp="1" noChangeAspect="1"/>
+          </p:cNvPicPr>
+          <p:nvPr>
+            <p:ph idx="1"/>
+          </p:nvPr>
+        </p:nvPicPr>
+        <p:blipFill>
+          <a:blip r:embed="rId2">
+            <a:extLst>
+              <a:ext uri="{28A0092B-C50C-407E-A947-70E740481C1C}">
+                <a14:useLocalDpi xmlns:a14="http://schemas.microsoft.com/office/drawing/2010/main" val="0"/>
+              </a:ext>
+            </a:extLst>
+          </a:blip>
+          <a:stretch>
+            <a:fillRect/>
+          </a:stretch>
+        </p:blipFill>
+        <p:spPr>
+          <a:xfrm>
+            <a:off x="2700612" y="685800"/>
+            <a:ext cx="4501602" cy="3614738"/>
+          </a:xfrm>
+        </p:spPr>
+      </p:pic>
+    </p:spTree>
+    <p:extLst>
+      <p:ext uri="{BB962C8B-B14F-4D97-AF65-F5344CB8AC3E}">
+        <p14:creationId xmlns:p14="http://schemas.microsoft.com/office/powerpoint/2010/main" val="3485045927"/>
+      </p:ext>
+    </p:extLst>
+  </p:cSld>
+  <p:clrMapOvr>
+    <a:masterClrMapping/>
+  </p:clrMapOvr>
+</p:sld>
+</file>
+
+<file path=ppt/slides/slide52.xml><?xml version="1.0" encoding="utf-8"?>
+<p:sld xmlns:a="http://schemas.openxmlformats.org/drawingml/2006/main" xmlns:r="http://schemas.openxmlformats.org/officeDocument/2006/relationships" xmlns:p="http://schemas.openxmlformats.org/presentationml/2006/main">
+  <p:cSld>
+    <p:spTree>
+      <p:nvGrpSpPr>
+        <p:cNvPr id="1" name=""/>
+        <p:cNvGrpSpPr/>
+        <p:nvPr/>
+      </p:nvGrpSpPr>
+      <p:grpSpPr>
+        <a:xfrm>
+          <a:off x="0" y="0"/>
+          <a:ext cx="0" cy="0"/>
+          <a:chOff x="0" y="0"/>
+          <a:chExt cx="0" cy="0"/>
+        </a:xfrm>
+      </p:grpSpPr>
+      <p:sp>
+        <p:nvSpPr>
+          <p:cNvPr id="2" name="Title 1"/>
+          <p:cNvSpPr>
+            <a:spLocks noGrp="1"/>
+          </p:cNvSpPr>
+          <p:nvPr>
+            <p:ph type="title"/>
+          </p:nvPr>
+        </p:nvSpPr>
+        <p:spPr/>
+        <p:txBody>
+          <a:bodyPr/>
+          <a:lstStyle/>
+          <a:p>
+            <a:r>
+              <a:rPr lang="en-US" dirty="0" smtClean="0"/>
+              <a:t>One more thing</a:t>
+            </a:r>
+            <a:endParaRPr lang="en-US" dirty="0"/>
+          </a:p>
+        </p:txBody>
+      </p:sp>
+      <p:sp>
+        <p:nvSpPr>
+          <p:cNvPr id="3" name="Content Placeholder 2"/>
+          <p:cNvSpPr>
+            <a:spLocks noGrp="1"/>
+          </p:cNvSpPr>
+          <p:nvPr>
+            <p:ph idx="1"/>
+          </p:nvPr>
+        </p:nvSpPr>
+        <p:spPr/>
+        <p:txBody>
+          <a:bodyPr/>
+          <a:lstStyle/>
+          <a:p>
+            <a:r>
+              <a:rPr lang="en-US" dirty="0" smtClean="0"/>
+              <a:t>SQL developers are readily available, developers for any of these data stores are much more scarce.</a:t>
+            </a:r>
+          </a:p>
+          <a:p>
+            <a:r>
+              <a:rPr lang="en-US" dirty="0" smtClean="0"/>
+              <a:t>SQL has been around for decades, these stores come and go.</a:t>
+            </a:r>
+          </a:p>
+          <a:p>
+            <a:r>
+              <a:rPr lang="en-US" dirty="0" smtClean="0"/>
+              <a:t>Databases like Postgres have been augmented with features that can often bridge the gap if an RDBMS is a decent but imperfect match.</a:t>
+            </a:r>
+            <a:endParaRPr lang="en-US" dirty="0"/>
+          </a:p>
+        </p:txBody>
+      </p:sp>
+    </p:spTree>
+    <p:extLst>
+      <p:ext uri="{BB962C8B-B14F-4D97-AF65-F5344CB8AC3E}">
+        <p14:creationId xmlns:p14="http://schemas.microsoft.com/office/powerpoint/2010/main" val="1326278855"/>
+      </p:ext>
+    </p:extLst>
+  </p:cSld>
+  <p:clrMapOvr>
+    <a:masterClrMapping/>
+  </p:clrMapOvr>
+</p:sld>
+</file>
+
+<file path=ppt/slides/slide53.xml><?xml version="1.0" encoding="utf-8"?>
+<p:sld xmlns:a="http://schemas.openxmlformats.org/drawingml/2006/main" xmlns:r="http://schemas.openxmlformats.org/officeDocument/2006/relationships" xmlns:p="http://schemas.openxmlformats.org/presentationml/2006/main">
+  <p:cSld>
+    <p:spTree>
+      <p:nvGrpSpPr>
+        <p:cNvPr id="1" name=""/>
+        <p:cNvGrpSpPr/>
+        <p:nvPr/>
+      </p:nvGrpSpPr>
+      <p:grpSpPr>
+        <a:xfrm>
+          <a:off x="0" y="0"/>
+          <a:ext cx="0" cy="0"/>
+          <a:chOff x="0" y="0"/>
+          <a:chExt cx="0" cy="0"/>
+        </a:xfrm>
+      </p:grpSpPr>
+      <p:sp>
+        <p:nvSpPr>
+          <p:cNvPr id="2" name="Title 1"/>
+          <p:cNvSpPr>
+            <a:spLocks noGrp="1"/>
+          </p:cNvSpPr>
+          <p:nvPr>
+            <p:ph type="title"/>
+          </p:nvPr>
+        </p:nvSpPr>
+        <p:spPr/>
+        <p:txBody>
+          <a:bodyPr/>
+          <a:lstStyle/>
+          <a:p>
+            <a:r>
+              <a:rPr lang="en-US" dirty="0" smtClean="0"/>
+              <a:t>Questions?</a:t>
+            </a:r>
+            <a:endParaRPr lang="en-US" dirty="0"/>
+          </a:p>
+        </p:txBody>
+      </p:sp>
+      <p:sp>
+        <p:nvSpPr>
+          <p:cNvPr id="3" name="Content Placeholder 2"/>
+          <p:cNvSpPr>
+            <a:spLocks noGrp="1"/>
+          </p:cNvSpPr>
+          <p:nvPr>
+            <p:ph idx="1"/>
+          </p:nvPr>
+        </p:nvSpPr>
+        <p:spPr/>
+        <p:txBody>
+          <a:bodyPr/>
+          <a:lstStyle/>
+          <a:p>
+            <a:endParaRPr lang="en-US"/>
+          </a:p>
+        </p:txBody>
+      </p:sp>
+    </p:spTree>
+    <p:extLst>
+      <p:ext uri="{BB962C8B-B14F-4D97-AF65-F5344CB8AC3E}">
+        <p14:creationId xmlns:p14="http://schemas.microsoft.com/office/powerpoint/2010/main" val="1417604477"/>
+      </p:ext>
+    </p:extLst>
+  </p:cSld>
+  <p:clrMapOvr>
+    <a:masterClrMapping/>
+  </p:clrMapOvr>
+</p:sld>
+</file>
+
+<file path=ppt/slides/slide54.xml><?xml version="1.0" encoding="utf-8"?>
+<p:sld xmlns:a="http://schemas.openxmlformats.org/drawingml/2006/main" xmlns:r="http://schemas.openxmlformats.org/officeDocument/2006/relationships" xmlns:p="http://schemas.openxmlformats.org/presentationml/2006/main">
+  <p:cSld>
+    <p:spTree>
+      <p:nvGrpSpPr>
+        <p:cNvPr id="1" name=""/>
+        <p:cNvGrpSpPr/>
+        <p:nvPr/>
+      </p:nvGrpSpPr>
+      <p:grpSpPr>
+        <a:xfrm>
+          <a:off x="0" y="0"/>
+          <a:ext cx="0" cy="0"/>
+          <a:chOff x="0" y="0"/>
+          <a:chExt cx="0" cy="0"/>
+        </a:xfrm>
+      </p:grpSpPr>
+      <p:sp>
+        <p:nvSpPr>
+          <p:cNvPr id="2" name="Title 1"/>
+          <p:cNvSpPr>
+            <a:spLocks noGrp="1"/>
+          </p:cNvSpPr>
+          <p:nvPr>
+            <p:ph type="title"/>
+          </p:nvPr>
+        </p:nvSpPr>
+        <p:spPr/>
+        <p:txBody>
+          <a:bodyPr/>
+          <a:lstStyle/>
+          <a:p>
+            <a:r>
+              <a:rPr lang="en-US" dirty="0" err="1" smtClean="0"/>
+              <a:t>kthxbai</a:t>
+            </a:r>
+            <a:endParaRPr lang="en-US" dirty="0"/>
+          </a:p>
+        </p:txBody>
+      </p:sp>
+      <p:sp>
+        <p:nvSpPr>
+          <p:cNvPr id="3" name="Content Placeholder 2"/>
+          <p:cNvSpPr>
+            <a:spLocks noGrp="1"/>
+          </p:cNvSpPr>
+          <p:nvPr>
+            <p:ph idx="1"/>
+          </p:nvPr>
+        </p:nvSpPr>
+        <p:spPr/>
+        <p:txBody>
+          <a:bodyPr/>
+          <a:lstStyle/>
+          <a:p>
+            <a:r>
+              <a:rPr lang="en-US" dirty="0" smtClean="0"/>
+              <a:t>Examples available at github.com/</a:t>
+            </a:r>
+            <a:r>
+              <a:rPr lang="en-US" dirty="0" err="1" smtClean="0"/>
+              <a:t>jbreyer</a:t>
+            </a:r>
+            <a:endParaRPr lang="en-US" dirty="0" smtClean="0"/>
+          </a:p>
+          <a:p>
+            <a:r>
+              <a:rPr lang="en-US" dirty="0" smtClean="0"/>
+              <a:t>Feel free to ask questions: julian.breyer.civ@mail.mil</a:t>
+            </a:r>
+            <a:endParaRPr lang="en-US" dirty="0"/>
+          </a:p>
+        </p:txBody>
+      </p:sp>
+    </p:spTree>
+    <p:extLst>
+      <p:ext uri="{BB962C8B-B14F-4D97-AF65-F5344CB8AC3E}">
+        <p14:creationId xmlns:p14="http://schemas.microsoft.com/office/powerpoint/2010/main" val="480126849"/>
+      </p:ext>
+    </p:extLst>
+  </p:cSld>
+  <p:clrMapOvr>
+    <a:masterClrMapping/>
+  </p:clrMapOvr>
+</p:sld>
+</file>
+
+<file path=ppt/slides/slide6.xml><?xml version="1.0" encoding="utf-8"?>
+<p:sld xmlns:a="http://schemas.openxmlformats.org/drawingml/2006/main" xmlns:r="http://schemas.openxmlformats.org/officeDocument/2006/relationships" xmlns:p="http://schemas.openxmlformats.org/presentationml/2006/main">
+  <p:cSld>
+    <p:spTree>
+      <p:nvGrpSpPr>
+        <p:cNvPr id="1" name=""/>
+        <p:cNvGrpSpPr/>
+        <p:nvPr/>
+      </p:nvGrpSpPr>
+      <p:grpSpPr>
+        <a:xfrm>
+          <a:off x="0" y="0"/>
+          <a:ext cx="0" cy="0"/>
+          <a:chOff x="0" y="0"/>
+          <a:chExt cx="0" cy="0"/>
+        </a:xfrm>
+      </p:grpSpPr>
+      <p:sp>
+        <p:nvSpPr>
           <p:cNvPr id="4" name="Title 3"/>
           <p:cNvSpPr>
             <a:spLocks noGrp="1"/>
@@ -8494,7 +11193,7 @@
 </p:sld>
 </file>
 
-<file path=ppt/slides/slide5.xml><?xml version="1.0" encoding="utf-8"?>
+<file path=ppt/slides/slide7.xml><?xml version="1.0" encoding="utf-8"?>
 <p:sld xmlns:a="http://schemas.openxmlformats.org/drawingml/2006/main" xmlns:r="http://schemas.openxmlformats.org/officeDocument/2006/relationships" xmlns:p="http://schemas.openxmlformats.org/presentationml/2006/main">
   <p:cSld>
     <p:spTree>
@@ -8560,214 +11259,6 @@
 </p:sld>
 </file>
 
-<file path=ppt/slides/slide6.xml><?xml version="1.0" encoding="utf-8"?>
-<p:sld xmlns:a="http://schemas.openxmlformats.org/drawingml/2006/main" xmlns:r="http://schemas.openxmlformats.org/officeDocument/2006/relationships" xmlns:p="http://schemas.openxmlformats.org/presentationml/2006/main">
-  <p:cSld>
-    <p:spTree>
-      <p:nvGrpSpPr>
-        <p:cNvPr id="1" name=""/>
-        <p:cNvGrpSpPr/>
-        <p:nvPr/>
-      </p:nvGrpSpPr>
-      <p:grpSpPr>
-        <a:xfrm>
-          <a:off x="0" y="0"/>
-          <a:ext cx="0" cy="0"/>
-          <a:chOff x="0" y="0"/>
-          <a:chExt cx="0" cy="0"/>
-        </a:xfrm>
-      </p:grpSpPr>
-      <p:sp>
-        <p:nvSpPr>
-          <p:cNvPr id="2" name="Title 1"/>
-          <p:cNvSpPr>
-            <a:spLocks noGrp="1"/>
-          </p:cNvSpPr>
-          <p:nvPr>
-            <p:ph type="title"/>
-          </p:nvPr>
-        </p:nvSpPr>
-        <p:spPr/>
-        <p:txBody>
-          <a:bodyPr/>
-          <a:lstStyle/>
-          <a:p>
-            <a:r>
-              <a:rPr lang="en-US" dirty="0" smtClean="0"/>
-              <a:t>Enter Polyglot Persistence</a:t>
-            </a:r>
-            <a:endParaRPr lang="en-US" dirty="0"/>
-          </a:p>
-        </p:txBody>
-      </p:sp>
-      <p:sp>
-        <p:nvSpPr>
-          <p:cNvPr id="3" name="Content Placeholder 2"/>
-          <p:cNvSpPr>
-            <a:spLocks noGrp="1"/>
-          </p:cNvSpPr>
-          <p:nvPr>
-            <p:ph idx="1"/>
-          </p:nvPr>
-        </p:nvSpPr>
-        <p:spPr/>
-        <p:txBody>
-          <a:bodyPr/>
-          <a:lstStyle/>
-          <a:p>
-            <a:r>
-              <a:rPr lang="en-US" dirty="0" smtClean="0"/>
-              <a:t>“When all you have is a hammer, everything looks like a nail.”</a:t>
-            </a:r>
-          </a:p>
-          <a:p>
-            <a:r>
-              <a:rPr lang="en-US" dirty="0" smtClean="0"/>
-              <a:t>Simple idea: use the database that best fits your data even if that means that a single application uses a number of databases.</a:t>
-            </a:r>
-          </a:p>
-          <a:p>
-            <a:r>
-              <a:rPr lang="en-US" dirty="0" smtClean="0"/>
-              <a:t>Storage is cheap, developer patience is not!</a:t>
-            </a:r>
-            <a:endParaRPr lang="en-US" dirty="0"/>
-          </a:p>
-        </p:txBody>
-      </p:sp>
-      <p:pic>
-        <p:nvPicPr>
-          <p:cNvPr id="4" name="Picture 3"/>
-          <p:cNvPicPr>
-            <a:picLocks noChangeAspect="1"/>
-          </p:cNvPicPr>
-          <p:nvPr/>
-        </p:nvPicPr>
-        <p:blipFill>
-          <a:blip r:embed="rId2">
-            <a:extLst>
-              <a:ext uri="{28A0092B-C50C-407E-A947-70E740481C1C}">
-                <a14:useLocalDpi xmlns:a14="http://schemas.microsoft.com/office/drawing/2010/main" val="0"/>
-              </a:ext>
-            </a:extLst>
-          </a:blip>
-          <a:stretch>
-            <a:fillRect/>
-          </a:stretch>
-        </p:blipFill>
-        <p:spPr>
-          <a:xfrm>
-            <a:off x="9458793" y="0"/>
-            <a:ext cx="2733207" cy="2049905"/>
-          </a:xfrm>
-          <a:prstGeom prst="rect">
-            <a:avLst/>
-          </a:prstGeom>
-        </p:spPr>
-      </p:pic>
-    </p:spTree>
-    <p:extLst>
-      <p:ext uri="{BB962C8B-B14F-4D97-AF65-F5344CB8AC3E}">
-        <p14:creationId xmlns:p14="http://schemas.microsoft.com/office/powerpoint/2010/main" val="7358141"/>
-      </p:ext>
-    </p:extLst>
-  </p:cSld>
-  <p:clrMapOvr>
-    <a:masterClrMapping/>
-  </p:clrMapOvr>
-  <p:timing>
-    <p:tnLst>
-      <p:par>
-        <p:cTn id="1" dur="indefinite" restart="never" nodeType="tmRoot"/>
-      </p:par>
-    </p:tnLst>
-  </p:timing>
-</p:sld>
-</file>
-
-<file path=ppt/slides/slide7.xml><?xml version="1.0" encoding="utf-8"?>
-<p:sld xmlns:a="http://schemas.openxmlformats.org/drawingml/2006/main" xmlns:r="http://schemas.openxmlformats.org/officeDocument/2006/relationships" xmlns:p="http://schemas.openxmlformats.org/presentationml/2006/main">
-  <p:cSld>
-    <p:spTree>
-      <p:nvGrpSpPr>
-        <p:cNvPr id="1" name=""/>
-        <p:cNvGrpSpPr/>
-        <p:nvPr/>
-      </p:nvGrpSpPr>
-      <p:grpSpPr>
-        <a:xfrm>
-          <a:off x="0" y="0"/>
-          <a:ext cx="0" cy="0"/>
-          <a:chOff x="0" y="0"/>
-          <a:chExt cx="0" cy="0"/>
-        </a:xfrm>
-      </p:grpSpPr>
-      <p:sp>
-        <p:nvSpPr>
-          <p:cNvPr id="2" name="Title 1"/>
-          <p:cNvSpPr>
-            <a:spLocks noGrp="1"/>
-          </p:cNvSpPr>
-          <p:nvPr>
-            <p:ph type="title"/>
-          </p:nvPr>
-        </p:nvSpPr>
-        <p:spPr/>
-        <p:txBody>
-          <a:bodyPr/>
-          <a:lstStyle/>
-          <a:p>
-            <a:r>
-              <a:rPr lang="en-US" dirty="0" smtClean="0"/>
-              <a:t>Relational Databases</a:t>
-            </a:r>
-            <a:endParaRPr lang="en-US" dirty="0"/>
-          </a:p>
-        </p:txBody>
-      </p:sp>
-      <p:sp>
-        <p:nvSpPr>
-          <p:cNvPr id="4" name="Text Placeholder 3"/>
-          <p:cNvSpPr>
-            <a:spLocks noGrp="1"/>
-          </p:cNvSpPr>
-          <p:nvPr>
-            <p:ph type="body" idx="1"/>
-          </p:nvPr>
-        </p:nvSpPr>
-        <p:spPr/>
-        <p:txBody>
-          <a:bodyPr/>
-          <a:lstStyle/>
-          <a:p>
-            <a:r>
-              <a:rPr lang="en-US" dirty="0" smtClean="0"/>
-              <a:t>The grandfather of data persistence</a:t>
-            </a:r>
-            <a:endParaRPr lang="en-US" dirty="0"/>
-          </a:p>
-        </p:txBody>
-      </p:sp>
-    </p:spTree>
-    <p:extLst>
-      <p:ext uri="{BB962C8B-B14F-4D97-AF65-F5344CB8AC3E}">
-        <p14:creationId xmlns:p14="http://schemas.microsoft.com/office/powerpoint/2010/main" val="3686515609"/>
-      </p:ext>
-    </p:extLst>
-  </p:cSld>
-  <p:clrMapOvr>
-    <a:masterClrMapping/>
-  </p:clrMapOvr>
-  <p:timing>
-    <p:tnLst>
-      <p:par>
-        <p:cTn id="1" dur="indefinite" restart="never" nodeType="tmRoot"/>
-      </p:par>
-    </p:tnLst>
-  </p:timing>
-</p:sld>
-</file>
-
 <file path=ppt/slides/slide8.xml><?xml version="1.0" encoding="utf-8"?>
 <p:sld xmlns:a="http://schemas.openxmlformats.org/drawingml/2006/main" xmlns:r="http://schemas.openxmlformats.org/officeDocument/2006/relationships" xmlns:p="http://schemas.openxmlformats.org/presentationml/2006/main">
   <p:cSld>
@@ -8787,7 +11278,7 @@
       </p:grpSpPr>
       <p:sp>
         <p:nvSpPr>
-          <p:cNvPr id="4" name="Title 3"/>
+          <p:cNvPr id="2" name="Title 1"/>
           <p:cNvSpPr>
             <a:spLocks noGrp="1"/>
           </p:cNvSpPr>
@@ -8810,71 +11301,22 @@
       </p:sp>
       <p:sp>
         <p:nvSpPr>
-          <p:cNvPr id="5" name="Content Placeholder 4"/>
-          <p:cNvSpPr>
-            <a:spLocks noGrp="1"/>
-          </p:cNvSpPr>
-          <p:nvPr>
-            <p:ph idx="1"/>
-          </p:nvPr>
-        </p:nvSpPr>
-        <p:spPr/>
-        <p:txBody>
-          <a:bodyPr>
-            <a:normAutofit lnSpcReduction="10000"/>
-          </a:bodyPr>
-          <a:lstStyle/>
-          <a:p>
-            <a:r>
-              <a:rPr lang="en-US" dirty="0" smtClean="0"/>
-              <a:t>Based on relational calculus (“</a:t>
-            </a:r>
-            <a:r>
-              <a:rPr lang="en-US" dirty="0"/>
-              <a:t>A Relational Model of Data for Large Shared Data </a:t>
-            </a:r>
-            <a:r>
-              <a:rPr lang="en-US" dirty="0" smtClean="0"/>
-              <a:t>Banks” E.F. </a:t>
-            </a:r>
-            <a:r>
-              <a:rPr lang="en-US" dirty="0" err="1" smtClean="0"/>
-              <a:t>Codd</a:t>
-            </a:r>
-            <a:r>
-              <a:rPr lang="en-US" dirty="0" smtClean="0"/>
-              <a:t>, IBM, 1970)</a:t>
-            </a:r>
-          </a:p>
-          <a:p>
-            <a:r>
-              <a:rPr lang="en-US" dirty="0" smtClean="0"/>
-              <a:t>Uses the Structured Query Language (SQL) introduced by Boyce and Chamberlain (IBM, 1972)</a:t>
-            </a:r>
-          </a:p>
-          <a:p>
-            <a:pPr lvl="1"/>
-            <a:r>
-              <a:rPr lang="en-US" dirty="0" smtClean="0"/>
-              <a:t>Expresses what should be retrieved rather than how to retrieve it</a:t>
-            </a:r>
-          </a:p>
-          <a:p>
-            <a:r>
-              <a:rPr lang="en-US" dirty="0" smtClean="0"/>
-              <a:t>Organization in relations (represented as tables) consisting of columns and rows (tuples).</a:t>
-            </a:r>
-          </a:p>
-          <a:p>
-            <a:r>
-              <a:rPr lang="en-US" dirty="0" smtClean="0"/>
-              <a:t>Each row is identified by a key.</a:t>
-            </a:r>
-          </a:p>
-          <a:p>
-            <a:r>
-              <a:rPr lang="en-US" dirty="0" smtClean="0"/>
-              <a:t>The structure of the table is dictated by a schema that all data must adhere to.</a:t>
+          <p:cNvPr id="4" name="Text Placeholder 3"/>
+          <p:cNvSpPr>
+            <a:spLocks noGrp="1"/>
+          </p:cNvSpPr>
+          <p:nvPr>
+            <p:ph type="body" idx="1"/>
+          </p:nvPr>
+        </p:nvSpPr>
+        <p:spPr/>
+        <p:txBody>
+          <a:bodyPr/>
+          <a:lstStyle/>
+          <a:p>
+            <a:r>
+              <a:rPr lang="en-US" dirty="0" smtClean="0"/>
+              <a:t>The grandfather of data persistence</a:t>
             </a:r>
             <a:endParaRPr lang="en-US" dirty="0"/>
           </a:p>
@@ -8883,7 +11325,7 @@
     </p:spTree>
     <p:extLst>
       <p:ext uri="{BB962C8B-B14F-4D97-AF65-F5344CB8AC3E}">
-        <p14:creationId xmlns:p14="http://schemas.microsoft.com/office/powerpoint/2010/main" val="3613901142"/>
+        <p14:creationId xmlns:p14="http://schemas.microsoft.com/office/powerpoint/2010/main" val="3686515609"/>
       </p:ext>
     </p:extLst>
   </p:cSld>
@@ -8919,7 +11361,7 @@
       </p:grpSpPr>
       <p:sp>
         <p:nvSpPr>
-          <p:cNvPr id="2" name="Title 1"/>
+          <p:cNvPr id="4" name="Title 3"/>
           <p:cNvSpPr>
             <a:spLocks noGrp="1"/>
           </p:cNvSpPr>
@@ -8934,65 +11376,101 @@
           <a:p>
             <a:r>
               <a:rPr lang="en-US" dirty="0" smtClean="0"/>
-              <a:t>Components of an RDBMS</a:t>
-            </a:r>
-            <a:endParaRPr lang="en-US" dirty="0"/>
-          </a:p>
-        </p:txBody>
-      </p:sp>
-      <p:pic>
-        <p:nvPicPr>
-          <p:cNvPr id="1026" name="Picture 2" descr="Image result for what components does a typical rdbms consist of"/>
-          <p:cNvPicPr>
-            <a:picLocks noGrp="1" noChangeAspect="1" noChangeArrowheads="1"/>
-          </p:cNvPicPr>
+              <a:t>Relational Databases</a:t>
+            </a:r>
+            <a:endParaRPr lang="en-US" dirty="0"/>
+          </a:p>
+        </p:txBody>
+      </p:sp>
+      <p:sp>
+        <p:nvSpPr>
+          <p:cNvPr id="5" name="Content Placeholder 4"/>
+          <p:cNvSpPr>
+            <a:spLocks noGrp="1"/>
+          </p:cNvSpPr>
           <p:nvPr>
             <p:ph idx="1"/>
           </p:nvPr>
-        </p:nvPicPr>
-        <p:blipFill>
-          <a:blip r:embed="rId2">
-            <a:extLst>
-              <a:ext uri="{28A0092B-C50C-407E-A947-70E740481C1C}">
-                <a14:useLocalDpi xmlns:a14="http://schemas.microsoft.com/office/drawing/2010/main" val="0"/>
-              </a:ext>
-            </a:extLst>
-          </a:blip>
-          <a:srcRect/>
-          <a:stretch>
-            <a:fillRect/>
-          </a:stretch>
-        </p:blipFill>
-        <p:spPr bwMode="auto">
-          <a:xfrm>
-            <a:off x="1753849" y="304415"/>
-            <a:ext cx="6610662" cy="4525044"/>
-          </a:xfrm>
-          <a:prstGeom prst="rect">
-            <a:avLst/>
-          </a:prstGeom>
-          <a:noFill/>
-          <a:extLst>
-            <a:ext uri="{909E8E84-426E-40DD-AFC4-6F175D3DCCD1}">
-              <a14:hiddenFill xmlns:a14="http://schemas.microsoft.com/office/drawing/2010/main">
-                <a:solidFill>
-                  <a:srgbClr val="FFFFFF"/>
-                </a:solidFill>
-              </a14:hiddenFill>
-            </a:ext>
-          </a:extLst>
-        </p:spPr>
-      </p:pic>
+        </p:nvSpPr>
+        <p:spPr/>
+        <p:txBody>
+          <a:bodyPr>
+            <a:normAutofit lnSpcReduction="10000"/>
+          </a:bodyPr>
+          <a:lstStyle/>
+          <a:p>
+            <a:r>
+              <a:rPr lang="en-US" dirty="0" smtClean="0"/>
+              <a:t>Based on relational calculus (“</a:t>
+            </a:r>
+            <a:r>
+              <a:rPr lang="en-US" dirty="0"/>
+              <a:t>A Relational Model of Data for Large Shared Data </a:t>
+            </a:r>
+            <a:r>
+              <a:rPr lang="en-US" dirty="0" smtClean="0"/>
+              <a:t>Banks” E.F. </a:t>
+            </a:r>
+            <a:r>
+              <a:rPr lang="en-US" dirty="0" err="1" smtClean="0"/>
+              <a:t>Codd</a:t>
+            </a:r>
+            <a:r>
+              <a:rPr lang="en-US" dirty="0" smtClean="0"/>
+              <a:t>, IBM, 1970)</a:t>
+            </a:r>
+          </a:p>
+          <a:p>
+            <a:r>
+              <a:rPr lang="en-US" dirty="0" smtClean="0"/>
+              <a:t>Uses the Structured Query Language (SQL) introduced by Boyce and Chamberlain (IBM, 1972)</a:t>
+            </a:r>
+          </a:p>
+          <a:p>
+            <a:pPr lvl="1"/>
+            <a:r>
+              <a:rPr lang="en-US" dirty="0" smtClean="0"/>
+              <a:t>Expresses what should be retrieved rather than how to retrieve it</a:t>
+            </a:r>
+          </a:p>
+          <a:p>
+            <a:r>
+              <a:rPr lang="en-US" dirty="0" smtClean="0"/>
+              <a:t>Organization in relations (represented as tables) consisting of columns and rows (tuples).</a:t>
+            </a:r>
+          </a:p>
+          <a:p>
+            <a:r>
+              <a:rPr lang="en-US" dirty="0" smtClean="0"/>
+              <a:t>Each row is identified by a key.</a:t>
+            </a:r>
+          </a:p>
+          <a:p>
+            <a:r>
+              <a:rPr lang="en-US" dirty="0" smtClean="0"/>
+              <a:t>The structure of the table is dictated by a schema that all data must adhere to.</a:t>
+            </a:r>
+            <a:endParaRPr lang="en-US" dirty="0"/>
+          </a:p>
+        </p:txBody>
+      </p:sp>
     </p:spTree>
     <p:extLst>
       <p:ext uri="{BB962C8B-B14F-4D97-AF65-F5344CB8AC3E}">
-        <p14:creationId xmlns:p14="http://schemas.microsoft.com/office/powerpoint/2010/main" val="64628457"/>
+        <p14:creationId xmlns:p14="http://schemas.microsoft.com/office/powerpoint/2010/main" val="3613901142"/>
       </p:ext>
     </p:extLst>
   </p:cSld>
   <p:clrMapOvr>
     <a:masterClrMapping/>
   </p:clrMapOvr>
+  <p:timing>
+    <p:tnLst>
+      <p:par>
+        <p:cTn id="1" dur="indefinite" restart="never" nodeType="tmRoot"/>
+      </p:par>
+    </p:tnLst>
+  </p:timing>
 </p:sld>
 </file>
 

--- a/Polyglot Persistence and NOSQL.pptx
+++ b/Polyglot Persistence and NOSQL.pptx
@@ -357,7 +357,7 @@
             <a:fld id="{B61BEF0D-F0BB-DE4B-95CE-6DB70DBA9567}" type="datetimeFigureOut">
               <a:rPr lang="en-US" dirty="0"/>
               <a:pPr/>
-              <a:t>12/11/2017</a:t>
+              <a:t>12/13/2017</a:t>
             </a:fld>
             <a:endParaRPr lang="en-US" dirty="0"/>
           </a:p>
@@ -790,7 +790,7 @@
             <a:fld id="{B61BEF0D-F0BB-DE4B-95CE-6DB70DBA9567}" type="datetimeFigureOut">
               <a:rPr lang="en-US" dirty="0"/>
               <a:pPr/>
-              <a:t>12/11/2017</a:t>
+              <a:t>12/13/2017</a:t>
             </a:fld>
             <a:endParaRPr lang="en-US" dirty="0"/>
           </a:p>
@@ -1037,7 +1037,7 @@
             <a:fld id="{B61BEF0D-F0BB-DE4B-95CE-6DB70DBA9567}" type="datetimeFigureOut">
               <a:rPr lang="en-US" dirty="0"/>
               <a:pPr/>
-              <a:t>12/11/2017</a:t>
+              <a:t>12/13/2017</a:t>
             </a:fld>
             <a:endParaRPr lang="en-US" dirty="0"/>
           </a:p>
@@ -1342,7 +1342,7 @@
             <a:fld id="{B61BEF0D-F0BB-DE4B-95CE-6DB70DBA9567}" type="datetimeFigureOut">
               <a:rPr lang="en-US" dirty="0"/>
               <a:pPr/>
-              <a:t>12/11/2017</a:t>
+              <a:t>12/13/2017</a:t>
             </a:fld>
             <a:endParaRPr lang="en-US" dirty="0"/>
           </a:p>
@@ -1657,7 +1657,7 @@
             <a:fld id="{B61BEF0D-F0BB-DE4B-95CE-6DB70DBA9567}" type="datetimeFigureOut">
               <a:rPr lang="en-US" dirty="0"/>
               <a:pPr/>
-              <a:t>12/11/2017</a:t>
+              <a:t>12/13/2017</a:t>
             </a:fld>
             <a:endParaRPr lang="en-US" dirty="0"/>
           </a:p>
@@ -1956,7 +1956,7 @@
             <a:fld id="{B61BEF0D-F0BB-DE4B-95CE-6DB70DBA9567}" type="datetimeFigureOut">
               <a:rPr lang="en-US" dirty="0"/>
               <a:pPr/>
-              <a:t>12/11/2017</a:t>
+              <a:t>12/13/2017</a:t>
             </a:fld>
             <a:endParaRPr lang="en-US" dirty="0"/>
           </a:p>
@@ -2320,7 +2320,7 @@
             <a:fld id="{B61BEF0D-F0BB-DE4B-95CE-6DB70DBA9567}" type="datetimeFigureOut">
               <a:rPr lang="en-US" dirty="0"/>
               <a:pPr/>
-              <a:t>12/11/2017</a:t>
+              <a:t>12/13/2017</a:t>
             </a:fld>
             <a:endParaRPr lang="en-US" dirty="0"/>
           </a:p>
@@ -2491,7 +2491,7 @@
             <a:fld id="{B61BEF0D-F0BB-DE4B-95CE-6DB70DBA9567}" type="datetimeFigureOut">
               <a:rPr lang="en-US" dirty="0"/>
               <a:pPr/>
-              <a:t>12/11/2017</a:t>
+              <a:t>12/13/2017</a:t>
             </a:fld>
             <a:endParaRPr lang="en-US" dirty="0"/>
           </a:p>
@@ -2668,7 +2668,7 @@
             <a:fld id="{B61BEF0D-F0BB-DE4B-95CE-6DB70DBA9567}" type="datetimeFigureOut">
               <a:rPr lang="en-US" dirty="0"/>
               <a:pPr/>
-              <a:t>12/11/2017</a:t>
+              <a:t>12/13/2017</a:t>
             </a:fld>
             <a:endParaRPr lang="en-US" dirty="0"/>
           </a:p>
@@ -2835,7 +2835,7 @@
             <a:fld id="{B61BEF0D-F0BB-DE4B-95CE-6DB70DBA9567}" type="datetimeFigureOut">
               <a:rPr lang="en-US" dirty="0"/>
               <a:pPr/>
-              <a:t>12/11/2017</a:t>
+              <a:t>12/13/2017</a:t>
             </a:fld>
             <a:endParaRPr lang="en-US" dirty="0"/>
           </a:p>
@@ -3082,7 +3082,7 @@
             <a:fld id="{B61BEF0D-F0BB-DE4B-95CE-6DB70DBA9567}" type="datetimeFigureOut">
               <a:rPr lang="en-US" dirty="0"/>
               <a:pPr/>
-              <a:t>12/11/2017</a:t>
+              <a:t>12/13/2017</a:t>
             </a:fld>
             <a:endParaRPr lang="en-US" dirty="0"/>
           </a:p>
@@ -3315,7 +3315,7 @@
             <a:fld id="{B61BEF0D-F0BB-DE4B-95CE-6DB70DBA9567}" type="datetimeFigureOut">
               <a:rPr lang="en-US" dirty="0"/>
               <a:pPr/>
-              <a:t>12/11/2017</a:t>
+              <a:t>12/13/2017</a:t>
             </a:fld>
             <a:endParaRPr lang="en-US" dirty="0"/>
           </a:p>
@@ -3694,7 +3694,7 @@
             <a:fld id="{B61BEF0D-F0BB-DE4B-95CE-6DB70DBA9567}" type="datetimeFigureOut">
               <a:rPr lang="en-US" dirty="0"/>
               <a:pPr/>
-              <a:t>12/11/2017</a:t>
+              <a:t>12/13/2017</a:t>
             </a:fld>
             <a:endParaRPr lang="en-US" dirty="0"/>
           </a:p>
@@ -3809,7 +3809,7 @@
             <a:fld id="{B61BEF0D-F0BB-DE4B-95CE-6DB70DBA9567}" type="datetimeFigureOut">
               <a:rPr lang="en-US" dirty="0"/>
               <a:pPr/>
-              <a:t>12/11/2017</a:t>
+              <a:t>12/13/2017</a:t>
             </a:fld>
             <a:endParaRPr lang="en-US" dirty="0"/>
           </a:p>
@@ -3901,7 +3901,7 @@
             <a:fld id="{B61BEF0D-F0BB-DE4B-95CE-6DB70DBA9567}" type="datetimeFigureOut">
               <a:rPr lang="en-US" dirty="0"/>
               <a:pPr/>
-              <a:t>12/11/2017</a:t>
+              <a:t>12/13/2017</a:t>
             </a:fld>
             <a:endParaRPr lang="en-US" dirty="0"/>
           </a:p>
@@ -4153,7 +4153,7 @@
             <a:fld id="{B61BEF0D-F0BB-DE4B-95CE-6DB70DBA9567}" type="datetimeFigureOut">
               <a:rPr lang="en-US" dirty="0"/>
               <a:pPr/>
-              <a:t>12/11/2017</a:t>
+              <a:t>12/13/2017</a:t>
             </a:fld>
             <a:endParaRPr lang="en-US" dirty="0"/>
           </a:p>
@@ -4433,7 +4433,7 @@
             <a:fld id="{B61BEF0D-F0BB-DE4B-95CE-6DB70DBA9567}" type="datetimeFigureOut">
               <a:rPr lang="en-US" dirty="0"/>
               <a:pPr/>
-              <a:t>12/11/2017</a:t>
+              <a:t>12/13/2017</a:t>
             </a:fld>
             <a:endParaRPr lang="en-US" dirty="0"/>
           </a:p>
@@ -4836,7 +4836,7 @@
             <a:fld id="{B61BEF0D-F0BB-DE4B-95CE-6DB70DBA9567}" type="datetimeFigureOut">
               <a:rPr lang="en-US" dirty="0"/>
               <a:pPr/>
-              <a:t>12/11/2017</a:t>
+              <a:t>12/13/2017</a:t>
             </a:fld>
             <a:endParaRPr lang="en-US" dirty="0"/>
           </a:p>
@@ -5413,15 +5413,7 @@
           <a:p>
             <a:r>
               <a:rPr lang="en-US" dirty="0" smtClean="0"/>
-              <a:t>13</a:t>
-            </a:r>
-            <a:r>
-              <a:rPr lang="en-US" dirty="0" smtClean="0"/>
-              <a:t> </a:t>
-            </a:r>
-            <a:r>
-              <a:rPr lang="en-US" dirty="0" smtClean="0"/>
-              <a:t>DEC 2017</a:t>
+              <a:t>13 DEC 2017</a:t>
             </a:r>
             <a:endParaRPr lang="en-US" dirty="0"/>
           </a:p>
@@ -6696,13 +6688,8 @@
           <a:p>
             <a:r>
               <a:rPr lang="en-US" dirty="0" smtClean="0"/>
-              <a:t>1. </a:t>
-            </a:r>
-            <a:r>
-              <a:rPr lang="en-US" dirty="0" smtClean="0"/>
-              <a:t>How did we get here?</a:t>
-            </a:r>
-            <a:endParaRPr lang="en-US" dirty="0" smtClean="0"/>
+              <a:t>1. How did we get here?</a:t>
+            </a:r>
           </a:p>
           <a:p>
             <a:r>
@@ -6767,19 +6754,7 @@
           <a:p>
             <a:r>
               <a:rPr lang="en-US" dirty="0" smtClean="0"/>
-              <a:t>5. </a:t>
-            </a:r>
-            <a:r>
-              <a:rPr lang="en-US" dirty="0" smtClean="0"/>
-              <a:t>Row</a:t>
-            </a:r>
-            <a:r>
-              <a:rPr lang="en-US" dirty="0" smtClean="0"/>
-              <a:t> </a:t>
-            </a:r>
-            <a:r>
-              <a:rPr lang="en-US" dirty="0" smtClean="0"/>
-              <a:t>Store: </a:t>
+              <a:t>5. Row Store: </a:t>
             </a:r>
             <a:r>
               <a:rPr lang="en-US" dirty="0"/>
@@ -6808,11 +6783,7 @@
             </a:r>
             <a:r>
               <a:rPr lang="en-US" dirty="0" smtClean="0"/>
-              <a:t>. </a:t>
-            </a:r>
-            <a:r>
-              <a:rPr lang="en-US" dirty="0" smtClean="0"/>
-              <a:t>Graph Database: Neo4J</a:t>
+              <a:t>. Graph Database: Neo4J</a:t>
             </a:r>
           </a:p>
           <a:p>
@@ -6822,11 +6793,7 @@
             </a:r>
             <a:r>
               <a:rPr lang="en-US" dirty="0" smtClean="0"/>
-              <a:t>. </a:t>
-            </a:r>
-            <a:r>
-              <a:rPr lang="en-US" dirty="0" smtClean="0"/>
-              <a:t>Putting It All Together</a:t>
+              <a:t>. Putting It All Together</a:t>
             </a:r>
             <a:endParaRPr lang="en-US" dirty="0"/>
           </a:p>
@@ -7251,8 +7218,13 @@
             <a:pPr lvl="1"/>
             <a:r>
               <a:rPr lang="en-US" dirty="0" smtClean="0"/>
-              <a:t>Special case of the KV-store we’ll look at later</a:t>
-            </a:r>
+              <a:t>Special case of the KV-store </a:t>
+            </a:r>
+            <a:r>
+              <a:rPr lang="en-US" dirty="0" smtClean="0"/>
+              <a:t>we just looked at</a:t>
+            </a:r>
+            <a:endParaRPr lang="en-US" dirty="0" smtClean="0"/>
           </a:p>
           <a:p>
             <a:r>
@@ -7666,15 +7638,7 @@
           <a:p>
             <a:r>
               <a:rPr lang="en-US" dirty="0" smtClean="0"/>
-              <a:t>What are </a:t>
-            </a:r>
-            <a:r>
-              <a:rPr lang="en-US" dirty="0" smtClean="0"/>
-              <a:t>Document </a:t>
-            </a:r>
-            <a:r>
-              <a:rPr lang="en-US" dirty="0" smtClean="0"/>
-              <a:t>Stores good at?</a:t>
+              <a:t>What are Document Stores good at?</a:t>
             </a:r>
             <a:endParaRPr lang="en-US" dirty="0"/>
           </a:p>
@@ -7762,15 +7726,7 @@
           <a:p>
             <a:r>
               <a:rPr lang="en-US" dirty="0" smtClean="0"/>
-              <a:t>What are </a:t>
-            </a:r>
-            <a:r>
-              <a:rPr lang="en-US" dirty="0" smtClean="0"/>
-              <a:t>DOCUMENT </a:t>
-            </a:r>
-            <a:r>
-              <a:rPr lang="en-US" dirty="0" smtClean="0"/>
-              <a:t>Stores not good at?</a:t>
+              <a:t>What are DOCUMENT Stores not good at?</a:t>
             </a:r>
             <a:endParaRPr lang="en-US" dirty="0"/>
           </a:p>
@@ -7897,17 +7853,8 @@
             </a:r>
             <a:r>
               <a:rPr lang="en-US" dirty="0" smtClean="0"/>
-              <a:t>emos </a:t>
-            </a:r>
-            <a:r>
-              <a:rPr lang="en-US" dirty="0" smtClean="0"/>
-              <a:t>with a little </a:t>
-            </a:r>
-            <a:r>
-              <a:rPr lang="en-US" dirty="0" smtClean="0"/>
-              <a:t>theory and history</a:t>
-            </a:r>
-            <a:endParaRPr lang="en-US" dirty="0" smtClean="0"/>
+              <a:t>emos with a little theory and history</a:t>
+            </a:r>
           </a:p>
           <a:p>
             <a:r>
@@ -11095,7 +11042,11 @@
           <a:p>
             <a:r>
               <a:rPr lang="en-US" dirty="0" smtClean="0"/>
-              <a:t>So… what’s wrong with SQL</a:t>
+              <a:t>So… what’s wrong with </a:t>
+            </a:r>
+            <a:r>
+              <a:rPr lang="en-US" dirty="0" smtClean="0"/>
+              <a:t>SQL?</a:t>
             </a:r>
             <a:endParaRPr lang="en-US" dirty="0"/>
           </a:p>
@@ -11417,14 +11368,24 @@
             </a:r>
             <a:r>
               <a:rPr lang="en-US" dirty="0" smtClean="0"/>
-              <a:t>, IBM, 1970)</a:t>
-            </a:r>
-          </a:p>
-          <a:p>
-            <a:r>
-              <a:rPr lang="en-US" dirty="0" smtClean="0"/>
-              <a:t>Uses the Structured Query Language (SQL) introduced by Boyce and Chamberlain (IBM, 1972)</a:t>
-            </a:r>
+              <a:t>, IBM, 1970</a:t>
+            </a:r>
+            <a:r>
+              <a:rPr lang="en-US" dirty="0" smtClean="0"/>
+              <a:t>).</a:t>
+            </a:r>
+            <a:endParaRPr lang="en-US" dirty="0" smtClean="0"/>
+          </a:p>
+          <a:p>
+            <a:r>
+              <a:rPr lang="en-US" dirty="0" smtClean="0"/>
+              <a:t>Uses the Structured Query Language (SQL) introduced by Boyce and Chamberlain (IBM, 1972</a:t>
+            </a:r>
+            <a:r>
+              <a:rPr lang="en-US" dirty="0" smtClean="0"/>
+              <a:t>).</a:t>
+            </a:r>
+            <a:endParaRPr lang="en-US" dirty="0" smtClean="0"/>
           </a:p>
           <a:p>
             <a:pPr lvl="1"/>

--- a/Polyglot Persistence and NOSQL.pptx
+++ b/Polyglot Persistence and NOSQL.pptx
@@ -7218,13 +7218,8 @@
             <a:pPr lvl="1"/>
             <a:r>
               <a:rPr lang="en-US" dirty="0" smtClean="0"/>
-              <a:t>Special case of the KV-store </a:t>
-            </a:r>
-            <a:r>
-              <a:rPr lang="en-US" dirty="0" smtClean="0"/>
-              <a:t>we just looked at</a:t>
-            </a:r>
-            <a:endParaRPr lang="en-US" dirty="0" smtClean="0"/>
+              <a:t>Special case of the KV-store we just looked at</a:t>
+            </a:r>
           </a:p>
           <a:p>
             <a:r>
@@ -9721,7 +9716,7 @@
         </p:nvSpPr>
         <p:spPr>
           <a:xfrm>
-            <a:off x="4601978" y="1638243"/>
+            <a:off x="4598009" y="1411218"/>
             <a:ext cx="1319135" cy="1184223"/>
           </a:xfrm>
           <a:prstGeom prst="ellipse">
@@ -9762,13 +9757,14 @@
           <p:cNvPr id="14" name="Straight Arrow Connector 13"/>
           <p:cNvCxnSpPr>
             <a:stCxn id="10" idx="3"/>
+            <a:endCxn id="12" idx="6"/>
           </p:cNvCxnSpPr>
           <p:nvPr/>
         </p:nvCxnSpPr>
         <p:spPr>
           <a:xfrm flipH="1" flipV="1">
-            <a:off x="5921113" y="2413420"/>
-            <a:ext cx="1489467" cy="934167"/>
+            <a:off x="5917144" y="2003330"/>
+            <a:ext cx="1493436" cy="1344257"/>
           </a:xfrm>
           <a:prstGeom prst="straightConnector1">
             <a:avLst/>
@@ -9804,8 +9800,8 @@
           <p:nvPr/>
         </p:nvSpPr>
         <p:spPr>
-          <a:xfrm rot="1881119">
-            <a:off x="6110379" y="2567698"/>
+          <a:xfrm rot="2626654">
+            <a:off x="6160566" y="2415775"/>
             <a:ext cx="1234633" cy="369332"/>
           </a:xfrm>
           <a:prstGeom prst="rect">
@@ -9892,6 +9888,196 @@
             <a:r>
               <a:rPr lang="en-US" dirty="0" smtClean="0"/>
               <a:t>reviewed</a:t>
+            </a:r>
+            <a:endParaRPr lang="en-US" dirty="0"/>
+          </a:p>
+        </p:txBody>
+      </p:sp>
+      <p:sp>
+        <p:nvSpPr>
+          <p:cNvPr id="15" name="Oval 14"/>
+          <p:cNvSpPr/>
+          <p:nvPr/>
+        </p:nvSpPr>
+        <p:spPr>
+          <a:xfrm>
+            <a:off x="8400834" y="4648753"/>
+            <a:ext cx="1319135" cy="1184223"/>
+          </a:xfrm>
+          <a:prstGeom prst="ellipse">
+            <a:avLst/>
+          </a:prstGeom>
+        </p:spPr>
+        <p:style>
+          <a:lnRef idx="2">
+            <a:schemeClr val="accent1">
+              <a:shade val="50000"/>
+            </a:schemeClr>
+          </a:lnRef>
+          <a:fillRef idx="1">
+            <a:schemeClr val="accent1"/>
+          </a:fillRef>
+          <a:effectRef idx="0">
+            <a:schemeClr val="accent1"/>
+          </a:effectRef>
+          <a:fontRef idx="minor">
+            <a:schemeClr val="lt1"/>
+          </a:fontRef>
+        </p:style>
+        <p:txBody>
+          <a:bodyPr rtlCol="0" anchor="ctr"/>
+          <a:lstStyle/>
+          <a:p>
+            <a:pPr algn="ctr"/>
+            <a:r>
+              <a:rPr lang="en-US" dirty="0" smtClean="0"/>
+              <a:t>Actor: </a:t>
+            </a:r>
+            <a:r>
+              <a:rPr lang="en-US" dirty="0" smtClean="0"/>
+              <a:t>Carrie</a:t>
+            </a:r>
+            <a:endParaRPr lang="en-US" dirty="0"/>
+          </a:p>
+        </p:txBody>
+      </p:sp>
+      <p:cxnSp>
+        <p:nvCxnSpPr>
+          <p:cNvPr id="3" name="Straight Arrow Connector 2"/>
+          <p:cNvCxnSpPr>
+            <a:stCxn id="15" idx="1"/>
+            <a:endCxn id="7" idx="5"/>
+          </p:cNvCxnSpPr>
+          <p:nvPr/>
+        </p:nvCxnSpPr>
+        <p:spPr>
+          <a:xfrm flipH="1" flipV="1">
+            <a:off x="8505769" y="3843934"/>
+            <a:ext cx="88248" cy="978244"/>
+          </a:xfrm>
+          <a:prstGeom prst="straightConnector1">
+            <a:avLst/>
+          </a:prstGeom>
+          <a:ln>
+            <a:solidFill>
+              <a:schemeClr val="bg1">
+                <a:alpha val="60000"/>
+              </a:schemeClr>
+            </a:solidFill>
+            <a:tailEnd type="triangle"/>
+          </a:ln>
+        </p:spPr>
+        <p:style>
+          <a:lnRef idx="1">
+            <a:schemeClr val="accent1"/>
+          </a:lnRef>
+          <a:fillRef idx="0">
+            <a:schemeClr val="accent1"/>
+          </a:fillRef>
+          <a:effectRef idx="0">
+            <a:schemeClr val="accent1"/>
+          </a:effectRef>
+          <a:fontRef idx="minor">
+            <a:schemeClr val="tx1"/>
+          </a:fontRef>
+        </p:style>
+      </p:cxnSp>
+      <p:cxnSp>
+        <p:nvCxnSpPr>
+          <p:cNvPr id="13" name="Straight Arrow Connector 12"/>
+          <p:cNvCxnSpPr>
+            <a:stCxn id="15" idx="2"/>
+            <a:endCxn id="6" idx="5"/>
+          </p:cNvCxnSpPr>
+          <p:nvPr/>
+        </p:nvCxnSpPr>
+        <p:spPr>
+          <a:xfrm flipH="1" flipV="1">
+            <a:off x="5727930" y="3843935"/>
+            <a:ext cx="2672904" cy="1396930"/>
+          </a:xfrm>
+          <a:prstGeom prst="straightConnector1">
+            <a:avLst/>
+          </a:prstGeom>
+          <a:ln>
+            <a:solidFill>
+              <a:schemeClr val="bg1">
+                <a:alpha val="60000"/>
+              </a:schemeClr>
+            </a:solidFill>
+            <a:tailEnd type="triangle"/>
+          </a:ln>
+        </p:spPr>
+        <p:style>
+          <a:lnRef idx="1">
+            <a:schemeClr val="accent1"/>
+          </a:lnRef>
+          <a:fillRef idx="0">
+            <a:schemeClr val="accent1"/>
+          </a:fillRef>
+          <a:effectRef idx="0">
+            <a:schemeClr val="accent1"/>
+          </a:effectRef>
+          <a:fontRef idx="minor">
+            <a:schemeClr val="tx1"/>
+          </a:fontRef>
+        </p:style>
+      </p:cxnSp>
+      <p:sp>
+        <p:nvSpPr>
+          <p:cNvPr id="19" name="TextBox 18"/>
+          <p:cNvSpPr txBox="1"/>
+          <p:nvPr/>
+        </p:nvSpPr>
+        <p:spPr>
+          <a:xfrm rot="1881119">
+            <a:off x="6654793" y="4302665"/>
+            <a:ext cx="1234633" cy="369332"/>
+          </a:xfrm>
+          <a:prstGeom prst="rect">
+            <a:avLst/>
+          </a:prstGeom>
+          <a:noFill/>
+        </p:spPr>
+        <p:txBody>
+          <a:bodyPr wrap="none" rtlCol="0">
+            <a:spAutoFit/>
+          </a:bodyPr>
+          <a:lstStyle/>
+          <a:p>
+            <a:r>
+              <a:rPr lang="en-US" dirty="0" smtClean="0"/>
+              <a:t>Starred in</a:t>
+            </a:r>
+            <a:endParaRPr lang="en-US" dirty="0"/>
+          </a:p>
+        </p:txBody>
+      </p:sp>
+      <p:sp>
+        <p:nvSpPr>
+          <p:cNvPr id="20" name="TextBox 19"/>
+          <p:cNvSpPr txBox="1"/>
+          <p:nvPr/>
+        </p:nvSpPr>
+        <p:spPr>
+          <a:xfrm>
+            <a:off x="8555838" y="4148388"/>
+            <a:ext cx="1475084" cy="369332"/>
+          </a:xfrm>
+          <a:prstGeom prst="rect">
+            <a:avLst/>
+          </a:prstGeom>
+          <a:noFill/>
+        </p:spPr>
+        <p:txBody>
+          <a:bodyPr wrap="none" rtlCol="0">
+            <a:spAutoFit/>
+          </a:bodyPr>
+          <a:lstStyle/>
+          <a:p>
+            <a:r>
+              <a:rPr lang="en-US" dirty="0" smtClean="0"/>
+              <a:t>Friends with</a:t>
             </a:r>
             <a:endParaRPr lang="en-US" dirty="0"/>
           </a:p>
@@ -10646,8 +10832,13 @@
           <a:p>
             <a:r>
               <a:rPr lang="en-US" dirty="0" smtClean="0"/>
-              <a:t>Why limit yourself to one choice (kind of like using a hammer as the only construction tool)</a:t>
-            </a:r>
+              <a:t>Why limit yourself to one choice (kind of like using a hammer as the only construction tool</a:t>
+            </a:r>
+            <a:r>
+              <a:rPr lang="en-US" dirty="0" smtClean="0"/>
+              <a:t>)?</a:t>
+            </a:r>
+            <a:endParaRPr lang="en-US" dirty="0" smtClean="0"/>
           </a:p>
           <a:p>
             <a:r>
@@ -10719,35 +10910,721 @@
           </a:p>
         </p:txBody>
       </p:sp>
-      <p:pic>
-        <p:nvPicPr>
-          <p:cNvPr id="4" name="Content Placeholder 3"/>
-          <p:cNvPicPr>
-            <a:picLocks noGrp="1" noChangeAspect="1"/>
-          </p:cNvPicPr>
-          <p:nvPr>
-            <p:ph idx="1"/>
-          </p:nvPr>
-        </p:nvPicPr>
-        <p:blipFill>
-          <a:blip r:embed="rId2">
-            <a:extLst>
-              <a:ext uri="{28A0092B-C50C-407E-A947-70E740481C1C}">
-                <a14:useLocalDpi xmlns:a14="http://schemas.microsoft.com/office/drawing/2010/main" val="0"/>
-              </a:ext>
-            </a:extLst>
-          </a:blip>
-          <a:stretch>
-            <a:fillRect/>
-          </a:stretch>
-        </p:blipFill>
+      <p:sp>
+        <p:nvSpPr>
+          <p:cNvPr id="3" name="Cloud 2"/>
+          <p:cNvSpPr/>
+          <p:nvPr/>
+        </p:nvSpPr>
         <p:spPr>
           <a:xfrm>
-            <a:off x="2700612" y="685800"/>
-            <a:ext cx="4501602" cy="3614738"/>
+            <a:off x="4503343" y="744642"/>
+            <a:ext cx="2987643" cy="968720"/>
           </a:xfrm>
+          <a:prstGeom prst="cloud">
+            <a:avLst/>
+          </a:prstGeom>
         </p:spPr>
-      </p:pic>
+        <p:style>
+          <a:lnRef idx="2">
+            <a:schemeClr val="accent1">
+              <a:shade val="50000"/>
+            </a:schemeClr>
+          </a:lnRef>
+          <a:fillRef idx="1">
+            <a:schemeClr val="accent1"/>
+          </a:fillRef>
+          <a:effectRef idx="0">
+            <a:schemeClr val="accent1"/>
+          </a:effectRef>
+          <a:fontRef idx="minor">
+            <a:schemeClr val="lt1"/>
+          </a:fontRef>
+        </p:style>
+        <p:txBody>
+          <a:bodyPr rtlCol="0" anchor="ctr"/>
+          <a:lstStyle/>
+          <a:p>
+            <a:pPr algn="ctr"/>
+            <a:r>
+              <a:rPr lang="en-US" dirty="0" smtClean="0"/>
+              <a:t>E-Commerce Platform</a:t>
+            </a:r>
+            <a:endParaRPr lang="en-US" dirty="0"/>
+          </a:p>
+        </p:txBody>
+      </p:sp>
+      <p:sp>
+        <p:nvSpPr>
+          <p:cNvPr id="5" name="Rectangle 4"/>
+          <p:cNvSpPr/>
+          <p:nvPr/>
+        </p:nvSpPr>
+        <p:spPr>
+          <a:xfrm>
+            <a:off x="1756372" y="2263366"/>
+            <a:ext cx="1385180" cy="1041149"/>
+          </a:xfrm>
+          <a:prstGeom prst="rect">
+            <a:avLst/>
+          </a:prstGeom>
+        </p:spPr>
+        <p:style>
+          <a:lnRef idx="2">
+            <a:schemeClr val="accent1">
+              <a:shade val="50000"/>
+            </a:schemeClr>
+          </a:lnRef>
+          <a:fillRef idx="1">
+            <a:schemeClr val="accent1"/>
+          </a:fillRef>
+          <a:effectRef idx="0">
+            <a:schemeClr val="accent1"/>
+          </a:effectRef>
+          <a:fontRef idx="minor">
+            <a:schemeClr val="lt1"/>
+          </a:fontRef>
+        </p:style>
+        <p:txBody>
+          <a:bodyPr rtlCol="0" anchor="ctr"/>
+          <a:lstStyle/>
+          <a:p>
+            <a:pPr algn="ctr"/>
+            <a:r>
+              <a:rPr lang="en-US" dirty="0" smtClean="0"/>
+              <a:t>Cart</a:t>
+            </a:r>
+            <a:endParaRPr lang="en-US" dirty="0"/>
+          </a:p>
+        </p:txBody>
+      </p:sp>
+      <p:sp>
+        <p:nvSpPr>
+          <p:cNvPr id="6" name="Rectangle 5"/>
+          <p:cNvSpPr/>
+          <p:nvPr/>
+        </p:nvSpPr>
+        <p:spPr>
+          <a:xfrm>
+            <a:off x="3493128" y="2263365"/>
+            <a:ext cx="1385180" cy="1041149"/>
+          </a:xfrm>
+          <a:prstGeom prst="rect">
+            <a:avLst/>
+          </a:prstGeom>
+        </p:spPr>
+        <p:style>
+          <a:lnRef idx="2">
+            <a:schemeClr val="accent1">
+              <a:shade val="50000"/>
+            </a:schemeClr>
+          </a:lnRef>
+          <a:fillRef idx="1">
+            <a:schemeClr val="accent1"/>
+          </a:fillRef>
+          <a:effectRef idx="0">
+            <a:schemeClr val="accent1"/>
+          </a:effectRef>
+          <a:fontRef idx="minor">
+            <a:schemeClr val="lt1"/>
+          </a:fontRef>
+        </p:style>
+        <p:txBody>
+          <a:bodyPr rtlCol="0" anchor="ctr"/>
+          <a:lstStyle/>
+          <a:p>
+            <a:pPr algn="ctr"/>
+            <a:r>
+              <a:rPr lang="en-US" dirty="0" smtClean="0"/>
+              <a:t>Orders</a:t>
+            </a:r>
+            <a:endParaRPr lang="en-US" dirty="0"/>
+          </a:p>
+        </p:txBody>
+      </p:sp>
+      <p:sp>
+        <p:nvSpPr>
+          <p:cNvPr id="7" name="Rectangle 6"/>
+          <p:cNvSpPr/>
+          <p:nvPr/>
+        </p:nvSpPr>
+        <p:spPr>
+          <a:xfrm>
+            <a:off x="5304575" y="2263365"/>
+            <a:ext cx="1385180" cy="1041149"/>
+          </a:xfrm>
+          <a:prstGeom prst="rect">
+            <a:avLst/>
+          </a:prstGeom>
+        </p:spPr>
+        <p:style>
+          <a:lnRef idx="2">
+            <a:schemeClr val="accent1">
+              <a:shade val="50000"/>
+            </a:schemeClr>
+          </a:lnRef>
+          <a:fillRef idx="1">
+            <a:schemeClr val="accent1"/>
+          </a:fillRef>
+          <a:effectRef idx="0">
+            <a:schemeClr val="accent1"/>
+          </a:effectRef>
+          <a:fontRef idx="minor">
+            <a:schemeClr val="lt1"/>
+          </a:fontRef>
+        </p:style>
+        <p:txBody>
+          <a:bodyPr rtlCol="0" anchor="ctr"/>
+          <a:lstStyle/>
+          <a:p>
+            <a:pPr algn="ctr"/>
+            <a:r>
+              <a:rPr lang="en-US" dirty="0" smtClean="0"/>
+              <a:t>Catalog/</a:t>
+            </a:r>
+          </a:p>
+          <a:p>
+            <a:pPr algn="ctr"/>
+            <a:r>
+              <a:rPr lang="en-US" dirty="0" smtClean="0"/>
+              <a:t>Reviews</a:t>
+            </a:r>
+            <a:endParaRPr lang="en-US" dirty="0"/>
+          </a:p>
+        </p:txBody>
+      </p:sp>
+      <p:sp>
+        <p:nvSpPr>
+          <p:cNvPr id="8" name="Rectangle 7"/>
+          <p:cNvSpPr/>
+          <p:nvPr/>
+        </p:nvSpPr>
+        <p:spPr>
+          <a:xfrm>
+            <a:off x="6996820" y="2249783"/>
+            <a:ext cx="1385180" cy="1041149"/>
+          </a:xfrm>
+          <a:prstGeom prst="rect">
+            <a:avLst/>
+          </a:prstGeom>
+        </p:spPr>
+        <p:style>
+          <a:lnRef idx="2">
+            <a:schemeClr val="accent1">
+              <a:shade val="50000"/>
+            </a:schemeClr>
+          </a:lnRef>
+          <a:fillRef idx="1">
+            <a:schemeClr val="accent1"/>
+          </a:fillRef>
+          <a:effectRef idx="0">
+            <a:schemeClr val="accent1"/>
+          </a:effectRef>
+          <a:fontRef idx="minor">
+            <a:schemeClr val="lt1"/>
+          </a:fontRef>
+        </p:style>
+        <p:txBody>
+          <a:bodyPr rtlCol="0" anchor="ctr"/>
+          <a:lstStyle/>
+          <a:p>
+            <a:pPr algn="ctr"/>
+            <a:r>
+              <a:rPr lang="en-US" sz="1600" dirty="0" smtClean="0"/>
+              <a:t>Suggestions</a:t>
+            </a:r>
+            <a:endParaRPr lang="en-US" sz="1600" dirty="0"/>
+          </a:p>
+        </p:txBody>
+      </p:sp>
+      <p:sp>
+        <p:nvSpPr>
+          <p:cNvPr id="9" name="Rectangle 8"/>
+          <p:cNvSpPr/>
+          <p:nvPr/>
+        </p:nvSpPr>
+        <p:spPr>
+          <a:xfrm>
+            <a:off x="8879940" y="2249782"/>
+            <a:ext cx="1385180" cy="1041149"/>
+          </a:xfrm>
+          <a:prstGeom prst="rect">
+            <a:avLst/>
+          </a:prstGeom>
+        </p:spPr>
+        <p:style>
+          <a:lnRef idx="2">
+            <a:schemeClr val="accent1">
+              <a:shade val="50000"/>
+            </a:schemeClr>
+          </a:lnRef>
+          <a:fillRef idx="1">
+            <a:schemeClr val="accent1"/>
+          </a:fillRef>
+          <a:effectRef idx="0">
+            <a:schemeClr val="accent1"/>
+          </a:effectRef>
+          <a:fontRef idx="minor">
+            <a:schemeClr val="lt1"/>
+          </a:fontRef>
+        </p:style>
+        <p:txBody>
+          <a:bodyPr rtlCol="0" anchor="ctr"/>
+          <a:lstStyle/>
+          <a:p>
+            <a:pPr algn="ctr"/>
+            <a:r>
+              <a:rPr lang="en-US" sz="1600" dirty="0" err="1" smtClean="0"/>
+              <a:t>ClickStream</a:t>
+            </a:r>
+            <a:endParaRPr lang="en-US" sz="1600" dirty="0"/>
+          </a:p>
+        </p:txBody>
+      </p:sp>
+      <p:cxnSp>
+        <p:nvCxnSpPr>
+          <p:cNvPr id="11" name="Straight Arrow Connector 10"/>
+          <p:cNvCxnSpPr>
+            <a:stCxn id="3" idx="1"/>
+            <a:endCxn id="5" idx="0"/>
+          </p:cNvCxnSpPr>
+          <p:nvPr/>
+        </p:nvCxnSpPr>
+        <p:spPr>
+          <a:xfrm flipH="1">
+            <a:off x="2448962" y="1712330"/>
+            <a:ext cx="3548203" cy="551036"/>
+          </a:xfrm>
+          <a:prstGeom prst="straightConnector1">
+            <a:avLst/>
+          </a:prstGeom>
+          <a:ln>
+            <a:solidFill>
+              <a:schemeClr val="bg1">
+                <a:alpha val="60000"/>
+              </a:schemeClr>
+            </a:solidFill>
+            <a:tailEnd type="triangle"/>
+          </a:ln>
+        </p:spPr>
+        <p:style>
+          <a:lnRef idx="1">
+            <a:schemeClr val="accent1"/>
+          </a:lnRef>
+          <a:fillRef idx="0">
+            <a:schemeClr val="accent1"/>
+          </a:fillRef>
+          <a:effectRef idx="0">
+            <a:schemeClr val="accent1"/>
+          </a:effectRef>
+          <a:fontRef idx="minor">
+            <a:schemeClr val="tx1"/>
+          </a:fontRef>
+        </p:style>
+      </p:cxnSp>
+      <p:cxnSp>
+        <p:nvCxnSpPr>
+          <p:cNvPr id="13" name="Straight Arrow Connector 12"/>
+          <p:cNvCxnSpPr>
+            <a:stCxn id="3" idx="1"/>
+            <a:endCxn id="6" idx="0"/>
+          </p:cNvCxnSpPr>
+          <p:nvPr/>
+        </p:nvCxnSpPr>
+        <p:spPr>
+          <a:xfrm flipH="1">
+            <a:off x="4185718" y="1712330"/>
+            <a:ext cx="1811447" cy="551035"/>
+          </a:xfrm>
+          <a:prstGeom prst="straightConnector1">
+            <a:avLst/>
+          </a:prstGeom>
+          <a:ln>
+            <a:solidFill>
+              <a:schemeClr val="bg1">
+                <a:alpha val="60000"/>
+              </a:schemeClr>
+            </a:solidFill>
+            <a:tailEnd type="triangle"/>
+          </a:ln>
+        </p:spPr>
+        <p:style>
+          <a:lnRef idx="1">
+            <a:schemeClr val="accent1"/>
+          </a:lnRef>
+          <a:fillRef idx="0">
+            <a:schemeClr val="accent1"/>
+          </a:fillRef>
+          <a:effectRef idx="0">
+            <a:schemeClr val="accent1"/>
+          </a:effectRef>
+          <a:fontRef idx="minor">
+            <a:schemeClr val="tx1"/>
+          </a:fontRef>
+        </p:style>
+      </p:cxnSp>
+      <p:cxnSp>
+        <p:nvCxnSpPr>
+          <p:cNvPr id="15" name="Straight Arrow Connector 14"/>
+          <p:cNvCxnSpPr>
+            <a:stCxn id="3" idx="1"/>
+            <a:endCxn id="7" idx="0"/>
+          </p:cNvCxnSpPr>
+          <p:nvPr/>
+        </p:nvCxnSpPr>
+        <p:spPr>
+          <a:xfrm>
+            <a:off x="5997165" y="1712330"/>
+            <a:ext cx="0" cy="551035"/>
+          </a:xfrm>
+          <a:prstGeom prst="straightConnector1">
+            <a:avLst/>
+          </a:prstGeom>
+          <a:ln>
+            <a:solidFill>
+              <a:schemeClr val="bg1">
+                <a:alpha val="60000"/>
+              </a:schemeClr>
+            </a:solidFill>
+            <a:tailEnd type="triangle"/>
+          </a:ln>
+        </p:spPr>
+        <p:style>
+          <a:lnRef idx="1">
+            <a:schemeClr val="accent1"/>
+          </a:lnRef>
+          <a:fillRef idx="0">
+            <a:schemeClr val="accent1"/>
+          </a:fillRef>
+          <a:effectRef idx="0">
+            <a:schemeClr val="accent1"/>
+          </a:effectRef>
+          <a:fontRef idx="minor">
+            <a:schemeClr val="tx1"/>
+          </a:fontRef>
+        </p:style>
+      </p:cxnSp>
+      <p:cxnSp>
+        <p:nvCxnSpPr>
+          <p:cNvPr id="17" name="Straight Arrow Connector 16"/>
+          <p:cNvCxnSpPr>
+            <a:stCxn id="3" idx="1"/>
+            <a:endCxn id="8" idx="0"/>
+          </p:cNvCxnSpPr>
+          <p:nvPr/>
+        </p:nvCxnSpPr>
+        <p:spPr>
+          <a:xfrm>
+            <a:off x="5997165" y="1712330"/>
+            <a:ext cx="1692245" cy="537453"/>
+          </a:xfrm>
+          <a:prstGeom prst="straightConnector1">
+            <a:avLst/>
+          </a:prstGeom>
+          <a:ln>
+            <a:solidFill>
+              <a:schemeClr val="bg1">
+                <a:alpha val="60000"/>
+              </a:schemeClr>
+            </a:solidFill>
+            <a:tailEnd type="triangle"/>
+          </a:ln>
+        </p:spPr>
+        <p:style>
+          <a:lnRef idx="1">
+            <a:schemeClr val="accent1"/>
+          </a:lnRef>
+          <a:fillRef idx="0">
+            <a:schemeClr val="accent1"/>
+          </a:fillRef>
+          <a:effectRef idx="0">
+            <a:schemeClr val="accent1"/>
+          </a:effectRef>
+          <a:fontRef idx="minor">
+            <a:schemeClr val="tx1"/>
+          </a:fontRef>
+        </p:style>
+      </p:cxnSp>
+      <p:cxnSp>
+        <p:nvCxnSpPr>
+          <p:cNvPr id="19" name="Straight Arrow Connector 18"/>
+          <p:cNvCxnSpPr>
+            <a:stCxn id="3" idx="1"/>
+            <a:endCxn id="9" idx="0"/>
+          </p:cNvCxnSpPr>
+          <p:nvPr/>
+        </p:nvCxnSpPr>
+        <p:spPr>
+          <a:xfrm>
+            <a:off x="5997165" y="1712330"/>
+            <a:ext cx="3575365" cy="537452"/>
+          </a:xfrm>
+          <a:prstGeom prst="straightConnector1">
+            <a:avLst/>
+          </a:prstGeom>
+          <a:ln>
+            <a:solidFill>
+              <a:schemeClr val="bg1">
+                <a:alpha val="60000"/>
+              </a:schemeClr>
+            </a:solidFill>
+            <a:tailEnd type="triangle"/>
+          </a:ln>
+        </p:spPr>
+        <p:style>
+          <a:lnRef idx="1">
+            <a:schemeClr val="accent1"/>
+          </a:lnRef>
+          <a:fillRef idx="0">
+            <a:schemeClr val="accent1"/>
+          </a:fillRef>
+          <a:effectRef idx="0">
+            <a:schemeClr val="accent1"/>
+          </a:effectRef>
+          <a:fontRef idx="minor">
+            <a:schemeClr val="tx1"/>
+          </a:fontRef>
+        </p:style>
+      </p:cxnSp>
+      <p:sp>
+        <p:nvSpPr>
+          <p:cNvPr id="21" name="Rectangle 20"/>
+          <p:cNvSpPr/>
+          <p:nvPr/>
+        </p:nvSpPr>
+        <p:spPr>
+          <a:xfrm>
+            <a:off x="1756372" y="3669501"/>
+            <a:ext cx="1385180" cy="1041149"/>
+          </a:xfrm>
+          <a:prstGeom prst="rect">
+            <a:avLst/>
+          </a:prstGeom>
+        </p:spPr>
+        <p:style>
+          <a:lnRef idx="2">
+            <a:schemeClr val="accent1">
+              <a:shade val="50000"/>
+            </a:schemeClr>
+          </a:lnRef>
+          <a:fillRef idx="1">
+            <a:schemeClr val="accent1"/>
+          </a:fillRef>
+          <a:effectRef idx="0">
+            <a:schemeClr val="accent1"/>
+          </a:effectRef>
+          <a:fontRef idx="minor">
+            <a:schemeClr val="lt1"/>
+          </a:fontRef>
+        </p:style>
+        <p:txBody>
+          <a:bodyPr rtlCol="0" anchor="ctr"/>
+          <a:lstStyle/>
+          <a:p>
+            <a:pPr algn="ctr"/>
+            <a:r>
+              <a:rPr lang="en-US" dirty="0" smtClean="0"/>
+              <a:t>Key/Value</a:t>
+            </a:r>
+            <a:endParaRPr lang="en-US" dirty="0"/>
+          </a:p>
+        </p:txBody>
+      </p:sp>
+      <p:sp>
+        <p:nvSpPr>
+          <p:cNvPr id="22" name="Rectangle 21"/>
+          <p:cNvSpPr/>
+          <p:nvPr/>
+        </p:nvSpPr>
+        <p:spPr>
+          <a:xfrm>
+            <a:off x="3493128" y="3669501"/>
+            <a:ext cx="1385180" cy="1041149"/>
+          </a:xfrm>
+          <a:prstGeom prst="rect">
+            <a:avLst/>
+          </a:prstGeom>
+        </p:spPr>
+        <p:style>
+          <a:lnRef idx="2">
+            <a:schemeClr val="accent1">
+              <a:shade val="50000"/>
+            </a:schemeClr>
+          </a:lnRef>
+          <a:fillRef idx="1">
+            <a:schemeClr val="accent1"/>
+          </a:fillRef>
+          <a:effectRef idx="0">
+            <a:schemeClr val="accent1"/>
+          </a:effectRef>
+          <a:fontRef idx="minor">
+            <a:schemeClr val="lt1"/>
+          </a:fontRef>
+        </p:style>
+        <p:txBody>
+          <a:bodyPr rtlCol="0" anchor="ctr"/>
+          <a:lstStyle/>
+          <a:p>
+            <a:pPr algn="ctr"/>
+            <a:r>
+              <a:rPr lang="en-US" dirty="0" smtClean="0"/>
+              <a:t>RDBMS</a:t>
+            </a:r>
+            <a:endParaRPr lang="en-US" dirty="0"/>
+          </a:p>
+        </p:txBody>
+      </p:sp>
+      <p:sp>
+        <p:nvSpPr>
+          <p:cNvPr id="23" name="Rectangle 22"/>
+          <p:cNvSpPr/>
+          <p:nvPr/>
+        </p:nvSpPr>
+        <p:spPr>
+          <a:xfrm>
+            <a:off x="5304574" y="3669500"/>
+            <a:ext cx="1385180" cy="1041149"/>
+          </a:xfrm>
+          <a:prstGeom prst="rect">
+            <a:avLst/>
+          </a:prstGeom>
+        </p:spPr>
+        <p:style>
+          <a:lnRef idx="2">
+            <a:schemeClr val="accent1">
+              <a:shade val="50000"/>
+            </a:schemeClr>
+          </a:lnRef>
+          <a:fillRef idx="1">
+            <a:schemeClr val="accent1"/>
+          </a:fillRef>
+          <a:effectRef idx="0">
+            <a:schemeClr val="accent1"/>
+          </a:effectRef>
+          <a:fontRef idx="minor">
+            <a:schemeClr val="lt1"/>
+          </a:fontRef>
+        </p:style>
+        <p:txBody>
+          <a:bodyPr rtlCol="0" anchor="ctr"/>
+          <a:lstStyle/>
+          <a:p>
+            <a:pPr algn="ctr"/>
+            <a:r>
+              <a:rPr lang="en-US" dirty="0" smtClean="0"/>
+              <a:t>Document</a:t>
+            </a:r>
+            <a:endParaRPr lang="en-US" dirty="0"/>
+          </a:p>
+        </p:txBody>
+      </p:sp>
+      <p:sp>
+        <p:nvSpPr>
+          <p:cNvPr id="24" name="Rectangle 23"/>
+          <p:cNvSpPr/>
+          <p:nvPr/>
+        </p:nvSpPr>
+        <p:spPr>
+          <a:xfrm>
+            <a:off x="6996820" y="3669500"/>
+            <a:ext cx="1385180" cy="1041149"/>
+          </a:xfrm>
+          <a:prstGeom prst="rect">
+            <a:avLst/>
+          </a:prstGeom>
+        </p:spPr>
+        <p:style>
+          <a:lnRef idx="2">
+            <a:schemeClr val="accent1">
+              <a:shade val="50000"/>
+            </a:schemeClr>
+          </a:lnRef>
+          <a:fillRef idx="1">
+            <a:schemeClr val="accent1"/>
+          </a:fillRef>
+          <a:effectRef idx="0">
+            <a:schemeClr val="accent1"/>
+          </a:effectRef>
+          <a:fontRef idx="minor">
+            <a:schemeClr val="lt1"/>
+          </a:fontRef>
+        </p:style>
+        <p:txBody>
+          <a:bodyPr rtlCol="0" anchor="ctr"/>
+          <a:lstStyle/>
+          <a:p>
+            <a:pPr algn="ctr"/>
+            <a:r>
+              <a:rPr lang="en-US" dirty="0" smtClean="0"/>
+              <a:t>Graph</a:t>
+            </a:r>
+            <a:endParaRPr lang="en-US" dirty="0"/>
+          </a:p>
+        </p:txBody>
+      </p:sp>
+      <p:sp>
+        <p:nvSpPr>
+          <p:cNvPr id="25" name="Rectangle 24"/>
+          <p:cNvSpPr/>
+          <p:nvPr/>
+        </p:nvSpPr>
+        <p:spPr>
+          <a:xfrm>
+            <a:off x="8879940" y="3669500"/>
+            <a:ext cx="1385180" cy="1041149"/>
+          </a:xfrm>
+          <a:prstGeom prst="rect">
+            <a:avLst/>
+          </a:prstGeom>
+        </p:spPr>
+        <p:style>
+          <a:lnRef idx="2">
+            <a:schemeClr val="accent1">
+              <a:shade val="50000"/>
+            </a:schemeClr>
+          </a:lnRef>
+          <a:fillRef idx="1">
+            <a:schemeClr val="accent1"/>
+          </a:fillRef>
+          <a:effectRef idx="0">
+            <a:schemeClr val="accent1"/>
+          </a:effectRef>
+          <a:fontRef idx="minor">
+            <a:schemeClr val="lt1"/>
+          </a:fontRef>
+        </p:style>
+        <p:txBody>
+          <a:bodyPr rtlCol="0" anchor="ctr"/>
+          <a:lstStyle/>
+          <a:p>
+            <a:pPr algn="ctr"/>
+            <a:r>
+              <a:rPr lang="en-US" dirty="0" smtClean="0"/>
+              <a:t>Column</a:t>
+            </a:r>
+            <a:endParaRPr lang="en-US" dirty="0"/>
+          </a:p>
+        </p:txBody>
+      </p:sp>
+      <p:sp>
+        <p:nvSpPr>
+          <p:cNvPr id="26" name="Content Placeholder 25"/>
+          <p:cNvSpPr>
+            <a:spLocks noGrp="1"/>
+          </p:cNvSpPr>
+          <p:nvPr>
+            <p:ph idx="1"/>
+          </p:nvPr>
+        </p:nvSpPr>
+        <p:spPr/>
+        <p:txBody>
+          <a:bodyPr/>
+          <a:lstStyle/>
+          <a:p>
+            <a:endParaRPr lang="en-US"/>
+          </a:p>
+        </p:txBody>
+      </p:sp>
     </p:spTree>
     <p:extLst>
       <p:ext uri="{BB962C8B-B14F-4D97-AF65-F5344CB8AC3E}">
@@ -11042,11 +11919,7 @@
           <a:p>
             <a:r>
               <a:rPr lang="en-US" dirty="0" smtClean="0"/>
-              <a:t>So… what’s wrong with </a:t>
-            </a:r>
-            <a:r>
-              <a:rPr lang="en-US" dirty="0" smtClean="0"/>
-              <a:t>SQL?</a:t>
+              <a:t>So… what’s wrong with SQL?</a:t>
             </a:r>
             <a:endParaRPr lang="en-US" dirty="0"/>
           </a:p>
@@ -11368,24 +12241,14 @@
             </a:r>
             <a:r>
               <a:rPr lang="en-US" dirty="0" smtClean="0"/>
-              <a:t>, IBM, 1970</a:t>
-            </a:r>
-            <a:r>
-              <a:rPr lang="en-US" dirty="0" smtClean="0"/>
-              <a:t>).</a:t>
-            </a:r>
-            <a:endParaRPr lang="en-US" dirty="0" smtClean="0"/>
-          </a:p>
-          <a:p>
-            <a:r>
-              <a:rPr lang="en-US" dirty="0" smtClean="0"/>
-              <a:t>Uses the Structured Query Language (SQL) introduced by Boyce and Chamberlain (IBM, 1972</a:t>
-            </a:r>
-            <a:r>
-              <a:rPr lang="en-US" dirty="0" smtClean="0"/>
-              <a:t>).</a:t>
-            </a:r>
-            <a:endParaRPr lang="en-US" dirty="0" smtClean="0"/>
+              <a:t>, IBM, 1970).</a:t>
+            </a:r>
+          </a:p>
+          <a:p>
+            <a:r>
+              <a:rPr lang="en-US" dirty="0" smtClean="0"/>
+              <a:t>Uses the Structured Query Language (SQL) introduced by Boyce and Chamberlain (IBM, 1972).</a:t>
+            </a:r>
           </a:p>
           <a:p>
             <a:pPr lvl="1"/>

--- a/Polyglot Persistence and NOSQL.pptx
+++ b/Polyglot Persistence and NOSQL.pptx
@@ -30,35 +30,38 @@
     <p:sldId id="270" r:id="rId24"/>
     <p:sldId id="271" r:id="rId25"/>
     <p:sldId id="273" r:id="rId26"/>
-    <p:sldId id="274" r:id="rId27"/>
-    <p:sldId id="275" r:id="rId28"/>
-    <p:sldId id="276" r:id="rId29"/>
-    <p:sldId id="277" r:id="rId30"/>
-    <p:sldId id="278" r:id="rId31"/>
-    <p:sldId id="286" r:id="rId32"/>
-    <p:sldId id="289" r:id="rId33"/>
-    <p:sldId id="287" r:id="rId34"/>
-    <p:sldId id="288" r:id="rId35"/>
-    <p:sldId id="285" r:id="rId36"/>
-    <p:sldId id="291" r:id="rId37"/>
-    <p:sldId id="292" r:id="rId38"/>
-    <p:sldId id="293" r:id="rId39"/>
-    <p:sldId id="290" r:id="rId40"/>
-    <p:sldId id="294" r:id="rId41"/>
-    <p:sldId id="295" r:id="rId42"/>
-    <p:sldId id="296" r:id="rId43"/>
-    <p:sldId id="297" r:id="rId44"/>
-    <p:sldId id="298" r:id="rId45"/>
-    <p:sldId id="299" r:id="rId46"/>
-    <p:sldId id="300" r:id="rId47"/>
-    <p:sldId id="304" r:id="rId48"/>
-    <p:sldId id="305" r:id="rId49"/>
-    <p:sldId id="301" r:id="rId50"/>
-    <p:sldId id="302" r:id="rId51"/>
-    <p:sldId id="303" r:id="rId52"/>
-    <p:sldId id="306" r:id="rId53"/>
-    <p:sldId id="307" r:id="rId54"/>
-    <p:sldId id="310" r:id="rId55"/>
+    <p:sldId id="313" r:id="rId27"/>
+    <p:sldId id="274" r:id="rId28"/>
+    <p:sldId id="275" r:id="rId29"/>
+    <p:sldId id="276" r:id="rId30"/>
+    <p:sldId id="277" r:id="rId31"/>
+    <p:sldId id="278" r:id="rId32"/>
+    <p:sldId id="286" r:id="rId33"/>
+    <p:sldId id="289" r:id="rId34"/>
+    <p:sldId id="287" r:id="rId35"/>
+    <p:sldId id="288" r:id="rId36"/>
+    <p:sldId id="285" r:id="rId37"/>
+    <p:sldId id="312" r:id="rId38"/>
+    <p:sldId id="291" r:id="rId39"/>
+    <p:sldId id="292" r:id="rId40"/>
+    <p:sldId id="293" r:id="rId41"/>
+    <p:sldId id="290" r:id="rId42"/>
+    <p:sldId id="294" r:id="rId43"/>
+    <p:sldId id="311" r:id="rId44"/>
+    <p:sldId id="295" r:id="rId45"/>
+    <p:sldId id="296" r:id="rId46"/>
+    <p:sldId id="297" r:id="rId47"/>
+    <p:sldId id="298" r:id="rId48"/>
+    <p:sldId id="299" r:id="rId49"/>
+    <p:sldId id="300" r:id="rId50"/>
+    <p:sldId id="304" r:id="rId51"/>
+    <p:sldId id="305" r:id="rId52"/>
+    <p:sldId id="301" r:id="rId53"/>
+    <p:sldId id="302" r:id="rId54"/>
+    <p:sldId id="303" r:id="rId55"/>
+    <p:sldId id="306" r:id="rId56"/>
+    <p:sldId id="307" r:id="rId57"/>
+    <p:sldId id="310" r:id="rId58"/>
   </p:sldIdLst>
   <p:sldSz cx="12192000" cy="6858000"/>
   <p:notesSz cx="6858000" cy="9144000"/>
@@ -357,7 +360,7 @@
             <a:fld id="{B61BEF0D-F0BB-DE4B-95CE-6DB70DBA9567}" type="datetimeFigureOut">
               <a:rPr lang="en-US" dirty="0"/>
               <a:pPr/>
-              <a:t>12/13/2017</a:t>
+              <a:t>12/14/2017</a:t>
             </a:fld>
             <a:endParaRPr lang="en-US" dirty="0"/>
           </a:p>
@@ -790,7 +793,7 @@
             <a:fld id="{B61BEF0D-F0BB-DE4B-95CE-6DB70DBA9567}" type="datetimeFigureOut">
               <a:rPr lang="en-US" dirty="0"/>
               <a:pPr/>
-              <a:t>12/13/2017</a:t>
+              <a:t>12/14/2017</a:t>
             </a:fld>
             <a:endParaRPr lang="en-US" dirty="0"/>
           </a:p>
@@ -1037,7 +1040,7 @@
             <a:fld id="{B61BEF0D-F0BB-DE4B-95CE-6DB70DBA9567}" type="datetimeFigureOut">
               <a:rPr lang="en-US" dirty="0"/>
               <a:pPr/>
-              <a:t>12/13/2017</a:t>
+              <a:t>12/14/2017</a:t>
             </a:fld>
             <a:endParaRPr lang="en-US" dirty="0"/>
           </a:p>
@@ -1342,7 +1345,7 @@
             <a:fld id="{B61BEF0D-F0BB-DE4B-95CE-6DB70DBA9567}" type="datetimeFigureOut">
               <a:rPr lang="en-US" dirty="0"/>
               <a:pPr/>
-              <a:t>12/13/2017</a:t>
+              <a:t>12/14/2017</a:t>
             </a:fld>
             <a:endParaRPr lang="en-US" dirty="0"/>
           </a:p>
@@ -1657,7 +1660,7 @@
             <a:fld id="{B61BEF0D-F0BB-DE4B-95CE-6DB70DBA9567}" type="datetimeFigureOut">
               <a:rPr lang="en-US" dirty="0"/>
               <a:pPr/>
-              <a:t>12/13/2017</a:t>
+              <a:t>12/14/2017</a:t>
             </a:fld>
             <a:endParaRPr lang="en-US" dirty="0"/>
           </a:p>
@@ -1956,7 +1959,7 @@
             <a:fld id="{B61BEF0D-F0BB-DE4B-95CE-6DB70DBA9567}" type="datetimeFigureOut">
               <a:rPr lang="en-US" dirty="0"/>
               <a:pPr/>
-              <a:t>12/13/2017</a:t>
+              <a:t>12/14/2017</a:t>
             </a:fld>
             <a:endParaRPr lang="en-US" dirty="0"/>
           </a:p>
@@ -2320,7 +2323,7 @@
             <a:fld id="{B61BEF0D-F0BB-DE4B-95CE-6DB70DBA9567}" type="datetimeFigureOut">
               <a:rPr lang="en-US" dirty="0"/>
               <a:pPr/>
-              <a:t>12/13/2017</a:t>
+              <a:t>12/14/2017</a:t>
             </a:fld>
             <a:endParaRPr lang="en-US" dirty="0"/>
           </a:p>
@@ -2491,7 +2494,7 @@
             <a:fld id="{B61BEF0D-F0BB-DE4B-95CE-6DB70DBA9567}" type="datetimeFigureOut">
               <a:rPr lang="en-US" dirty="0"/>
               <a:pPr/>
-              <a:t>12/13/2017</a:t>
+              <a:t>12/14/2017</a:t>
             </a:fld>
             <a:endParaRPr lang="en-US" dirty="0"/>
           </a:p>
@@ -2668,7 +2671,7 @@
             <a:fld id="{B61BEF0D-F0BB-DE4B-95CE-6DB70DBA9567}" type="datetimeFigureOut">
               <a:rPr lang="en-US" dirty="0"/>
               <a:pPr/>
-              <a:t>12/13/2017</a:t>
+              <a:t>12/14/2017</a:t>
             </a:fld>
             <a:endParaRPr lang="en-US" dirty="0"/>
           </a:p>
@@ -2835,7 +2838,7 @@
             <a:fld id="{B61BEF0D-F0BB-DE4B-95CE-6DB70DBA9567}" type="datetimeFigureOut">
               <a:rPr lang="en-US" dirty="0"/>
               <a:pPr/>
-              <a:t>12/13/2017</a:t>
+              <a:t>12/14/2017</a:t>
             </a:fld>
             <a:endParaRPr lang="en-US" dirty="0"/>
           </a:p>
@@ -3082,7 +3085,7 @@
             <a:fld id="{B61BEF0D-F0BB-DE4B-95CE-6DB70DBA9567}" type="datetimeFigureOut">
               <a:rPr lang="en-US" dirty="0"/>
               <a:pPr/>
-              <a:t>12/13/2017</a:t>
+              <a:t>12/14/2017</a:t>
             </a:fld>
             <a:endParaRPr lang="en-US" dirty="0"/>
           </a:p>
@@ -3315,7 +3318,7 @@
             <a:fld id="{B61BEF0D-F0BB-DE4B-95CE-6DB70DBA9567}" type="datetimeFigureOut">
               <a:rPr lang="en-US" dirty="0"/>
               <a:pPr/>
-              <a:t>12/13/2017</a:t>
+              <a:t>12/14/2017</a:t>
             </a:fld>
             <a:endParaRPr lang="en-US" dirty="0"/>
           </a:p>
@@ -3694,7 +3697,7 @@
             <a:fld id="{B61BEF0D-F0BB-DE4B-95CE-6DB70DBA9567}" type="datetimeFigureOut">
               <a:rPr lang="en-US" dirty="0"/>
               <a:pPr/>
-              <a:t>12/13/2017</a:t>
+              <a:t>12/14/2017</a:t>
             </a:fld>
             <a:endParaRPr lang="en-US" dirty="0"/>
           </a:p>
@@ -3809,7 +3812,7 @@
             <a:fld id="{B61BEF0D-F0BB-DE4B-95CE-6DB70DBA9567}" type="datetimeFigureOut">
               <a:rPr lang="en-US" dirty="0"/>
               <a:pPr/>
-              <a:t>12/13/2017</a:t>
+              <a:t>12/14/2017</a:t>
             </a:fld>
             <a:endParaRPr lang="en-US" dirty="0"/>
           </a:p>
@@ -3901,7 +3904,7 @@
             <a:fld id="{B61BEF0D-F0BB-DE4B-95CE-6DB70DBA9567}" type="datetimeFigureOut">
               <a:rPr lang="en-US" dirty="0"/>
               <a:pPr/>
-              <a:t>12/13/2017</a:t>
+              <a:t>12/14/2017</a:t>
             </a:fld>
             <a:endParaRPr lang="en-US" dirty="0"/>
           </a:p>
@@ -4153,7 +4156,7 @@
             <a:fld id="{B61BEF0D-F0BB-DE4B-95CE-6DB70DBA9567}" type="datetimeFigureOut">
               <a:rPr lang="en-US" dirty="0"/>
               <a:pPr/>
-              <a:t>12/13/2017</a:t>
+              <a:t>12/14/2017</a:t>
             </a:fld>
             <a:endParaRPr lang="en-US" dirty="0"/>
           </a:p>
@@ -4433,7 +4436,7 @@
             <a:fld id="{B61BEF0D-F0BB-DE4B-95CE-6DB70DBA9567}" type="datetimeFigureOut">
               <a:rPr lang="en-US" dirty="0"/>
               <a:pPr/>
-              <a:t>12/13/2017</a:t>
+              <a:t>12/14/2017</a:t>
             </a:fld>
             <a:endParaRPr lang="en-US" dirty="0"/>
           </a:p>
@@ -4836,7 +4839,7 @@
             <a:fld id="{B61BEF0D-F0BB-DE4B-95CE-6DB70DBA9567}" type="datetimeFigureOut">
               <a:rPr lang="en-US" dirty="0"/>
               <a:pPr/>
-              <a:t>12/13/2017</a:t>
+              <a:t>12/14/2017</a:t>
             </a:fld>
             <a:endParaRPr lang="en-US" dirty="0"/>
           </a:p>
@@ -7461,35 +7464,59 @@
           <a:p>
             <a:r>
               <a:rPr lang="en-US" dirty="0" smtClean="0"/>
-              <a:t>Demo TIME</a:t>
-            </a:r>
-            <a:endParaRPr lang="en-US" dirty="0"/>
-          </a:p>
-        </p:txBody>
-      </p:sp>
-      <p:sp>
-        <p:nvSpPr>
-          <p:cNvPr id="3" name="Content Placeholder 2"/>
-          <p:cNvSpPr>
-            <a:spLocks noGrp="1"/>
-          </p:cNvSpPr>
+              <a:t>MongoDB Architecture</a:t>
+            </a:r>
+            <a:endParaRPr lang="en-US" dirty="0"/>
+          </a:p>
+        </p:txBody>
+      </p:sp>
+      <p:pic>
+        <p:nvPicPr>
+          <p:cNvPr id="3074" name="Picture 2" descr="Image result for mongodb architecture"/>
+          <p:cNvPicPr>
+            <a:picLocks noGrp="1" noChangeAspect="1" noChangeArrowheads="1"/>
+          </p:cNvPicPr>
           <p:nvPr>
             <p:ph idx="1"/>
           </p:nvPr>
-        </p:nvSpPr>
-        <p:spPr/>
-        <p:txBody>
-          <a:bodyPr/>
-          <a:lstStyle/>
-          <a:p>
-            <a:endParaRPr lang="en-US"/>
-          </a:p>
-        </p:txBody>
-      </p:sp>
+        </p:nvPicPr>
+        <p:blipFill>
+          <a:blip r:embed="rId2">
+            <a:extLst>
+              <a:ext uri="{28A0092B-C50C-407E-A947-70E740481C1C}">
+                <a14:useLocalDpi xmlns:a14="http://schemas.microsoft.com/office/drawing/2010/main" val="0"/>
+              </a:ext>
+            </a:extLst>
+          </a:blip>
+          <a:srcRect/>
+          <a:stretch>
+            <a:fillRect/>
+          </a:stretch>
+        </p:blipFill>
+        <p:spPr bwMode="auto">
+          <a:xfrm>
+            <a:off x="2894752" y="685800"/>
+            <a:ext cx="4113322" cy="3614738"/>
+          </a:xfrm>
+          <a:prstGeom prst="rect">
+            <a:avLst/>
+          </a:prstGeom>
+          <a:noFill/>
+          <a:extLst>
+            <a:ext uri="{909E8E84-426E-40DD-AFC4-6F175D3DCCD1}">
+              <a14:hiddenFill xmlns:a14="http://schemas.microsoft.com/office/drawing/2010/main">
+                <a:solidFill>
+                  <a:srgbClr val="FFFFFF"/>
+                </a:solidFill>
+              </a14:hiddenFill>
+            </a:ext>
+          </a:extLst>
+        </p:spPr>
+      </p:pic>
     </p:spTree>
     <p:extLst>
       <p:ext uri="{BB962C8B-B14F-4D97-AF65-F5344CB8AC3E}">
-        <p14:creationId xmlns:p14="http://schemas.microsoft.com/office/powerpoint/2010/main" val="4014319763"/>
+        <p14:creationId xmlns:p14="http://schemas.microsoft.com/office/powerpoint/2010/main" val="744538473"/>
       </p:ext>
     </p:extLst>
   </p:cSld>
@@ -7533,7 +7560,7 @@
           <a:p>
             <a:r>
               <a:rPr lang="en-US" dirty="0" smtClean="0"/>
-              <a:t>WHY IS THIS A THING?</a:t>
+              <a:t>Demo TIME</a:t>
             </a:r>
             <a:endParaRPr lang="en-US" dirty="0"/>
           </a:p>
@@ -7554,42 +7581,14 @@
           <a:bodyPr/>
           <a:lstStyle/>
           <a:p>
-            <a:r>
-              <a:rPr lang="en-US" dirty="0" smtClean="0"/>
-              <a:t>Easy to learn / get started</a:t>
-            </a:r>
-          </a:p>
-          <a:p>
-            <a:r>
-              <a:rPr lang="en-US" dirty="0" smtClean="0"/>
-              <a:t>Development first approach</a:t>
-            </a:r>
-          </a:p>
-          <a:p>
-            <a:r>
-              <a:rPr lang="en-US" dirty="0" smtClean="0"/>
-              <a:t>Since there’s no schema, document structure can change any time</a:t>
-            </a:r>
-          </a:p>
-          <a:p>
-            <a:r>
-              <a:rPr lang="en-US" dirty="0" smtClean="0"/>
-              <a:t>Richer queries than in a KV store</a:t>
-            </a:r>
-          </a:p>
-          <a:p>
-            <a:r>
-              <a:rPr lang="en-US" dirty="0" smtClean="0"/>
-              <a:t>Documents are represented as objects so low impedance (no ORM necessary)</a:t>
-            </a:r>
-            <a:endParaRPr lang="en-US" dirty="0"/>
+            <a:endParaRPr lang="en-US"/>
           </a:p>
         </p:txBody>
       </p:sp>
     </p:spTree>
     <p:extLst>
       <p:ext uri="{BB962C8B-B14F-4D97-AF65-F5344CB8AC3E}">
-        <p14:creationId xmlns:p14="http://schemas.microsoft.com/office/powerpoint/2010/main" val="1664719995"/>
+        <p14:creationId xmlns:p14="http://schemas.microsoft.com/office/powerpoint/2010/main" val="4014319763"/>
       </p:ext>
     </p:extLst>
   </p:cSld>
@@ -7633,7 +7632,7 @@
           <a:p>
             <a:r>
               <a:rPr lang="en-US" dirty="0" smtClean="0"/>
-              <a:t>What are Document Stores good at?</a:t>
+              <a:t>WHY IS THIS A THING?</a:t>
             </a:r>
             <a:endParaRPr lang="en-US" dirty="0"/>
           </a:p>
@@ -7656,19 +7655,31 @@
           <a:p>
             <a:r>
               <a:rPr lang="en-US" dirty="0" smtClean="0"/>
-              <a:t>User profile and behavior data</a:t>
-            </a:r>
-          </a:p>
-          <a:p>
-            <a:r>
-              <a:rPr lang="en-US" dirty="0" smtClean="0"/>
-              <a:t>Storage of application metadata / object persistence</a:t>
-            </a:r>
-          </a:p>
-          <a:p>
-            <a:r>
-              <a:rPr lang="en-US" dirty="0" smtClean="0"/>
-              <a:t>Ingestion and presentation of data of variable structure (e.g. logs, product catalogs…)</a:t>
+              <a:t>Easy to learn / get started</a:t>
+            </a:r>
+          </a:p>
+          <a:p>
+            <a:r>
+              <a:rPr lang="en-US" dirty="0" smtClean="0"/>
+              <a:t>Development first approach</a:t>
+            </a:r>
+          </a:p>
+          <a:p>
+            <a:r>
+              <a:rPr lang="en-US" dirty="0" smtClean="0"/>
+              <a:t>Since there’s no schema, document structure can change any time</a:t>
+            </a:r>
+          </a:p>
+          <a:p>
+            <a:r>
+              <a:rPr lang="en-US" dirty="0" smtClean="0"/>
+              <a:t>Richer queries than in a KV store</a:t>
+            </a:r>
+          </a:p>
+          <a:p>
+            <a:r>
+              <a:rPr lang="en-US" dirty="0" smtClean="0"/>
+              <a:t>Documents are represented as objects so low impedance (no ORM necessary)</a:t>
             </a:r>
             <a:endParaRPr lang="en-US" dirty="0"/>
           </a:p>
@@ -7677,7 +7688,7 @@
     </p:spTree>
     <p:extLst>
       <p:ext uri="{BB962C8B-B14F-4D97-AF65-F5344CB8AC3E}">
-        <p14:creationId xmlns:p14="http://schemas.microsoft.com/office/powerpoint/2010/main" val="2905524816"/>
+        <p14:creationId xmlns:p14="http://schemas.microsoft.com/office/powerpoint/2010/main" val="1664719995"/>
       </p:ext>
     </p:extLst>
   </p:cSld>
@@ -7721,7 +7732,7 @@
           <a:p>
             <a:r>
               <a:rPr lang="en-US" dirty="0" smtClean="0"/>
-              <a:t>What are DOCUMENT Stores not good at?</a:t>
+              <a:t>What are Document Stores good at?</a:t>
             </a:r>
             <a:endParaRPr lang="en-US" dirty="0"/>
           </a:p>
@@ -7744,25 +7755,19 @@
           <a:p>
             <a:r>
               <a:rPr lang="en-US" dirty="0" smtClean="0"/>
-              <a:t>OLAP</a:t>
-            </a:r>
-          </a:p>
-          <a:p>
-            <a:r>
-              <a:rPr lang="en-US" dirty="0" smtClean="0"/>
-              <a:t>Complex Map/Reduce jobs</a:t>
-            </a:r>
-          </a:p>
-          <a:p>
-            <a:r>
-              <a:rPr lang="en-US" dirty="0" smtClean="0"/>
-              <a:t>Distributed transactions</a:t>
-            </a:r>
-          </a:p>
-          <a:p>
-            <a:r>
-              <a:rPr lang="en-US" dirty="0" smtClean="0"/>
-              <a:t>Highly relational data</a:t>
+              <a:t>User profile and behavior data</a:t>
+            </a:r>
+          </a:p>
+          <a:p>
+            <a:r>
+              <a:rPr lang="en-US" dirty="0" smtClean="0"/>
+              <a:t>Storage of application metadata / object persistence</a:t>
+            </a:r>
+          </a:p>
+          <a:p>
+            <a:r>
+              <a:rPr lang="en-US" dirty="0" smtClean="0"/>
+              <a:t>Ingestion and presentation of data of variable structure (e.g. logs, product catalogs…)</a:t>
             </a:r>
             <a:endParaRPr lang="en-US" dirty="0"/>
           </a:p>
@@ -7771,7 +7776,7 @@
     </p:spTree>
     <p:extLst>
       <p:ext uri="{BB962C8B-B14F-4D97-AF65-F5344CB8AC3E}">
-        <p14:creationId xmlns:p14="http://schemas.microsoft.com/office/powerpoint/2010/main" val="4062729683"/>
+        <p14:creationId xmlns:p14="http://schemas.microsoft.com/office/powerpoint/2010/main" val="2905524816"/>
       </p:ext>
     </p:extLst>
   </p:cSld>
@@ -7926,7 +7931,7 @@
           <a:p>
             <a:r>
               <a:rPr lang="en-US" dirty="0" smtClean="0"/>
-              <a:t>Typical Examples</a:t>
+              <a:t>What are DOCUMENT Stores not good at?</a:t>
             </a:r>
             <a:endParaRPr lang="en-US" dirty="0"/>
           </a:p>
@@ -7949,31 +7954,25 @@
           <a:p>
             <a:r>
               <a:rPr lang="en-US" dirty="0" smtClean="0"/>
-              <a:t>MongoDB</a:t>
-            </a:r>
-          </a:p>
-          <a:p>
-            <a:r>
-              <a:rPr lang="en-US" dirty="0" smtClean="0"/>
-              <a:t>Amazon </a:t>
-            </a:r>
-            <a:r>
-              <a:rPr lang="en-US" dirty="0" err="1" smtClean="0"/>
-              <a:t>DynamoDB</a:t>
-            </a:r>
-            <a:endParaRPr lang="en-US" dirty="0" smtClean="0"/>
-          </a:p>
-          <a:p>
-            <a:r>
-              <a:rPr lang="en-US" dirty="0" err="1" smtClean="0"/>
-              <a:t>Couchbase</a:t>
-            </a:r>
-            <a:endParaRPr lang="en-US" dirty="0" smtClean="0"/>
-          </a:p>
-          <a:p>
-            <a:r>
-              <a:rPr lang="en-US" dirty="0" err="1" smtClean="0"/>
-              <a:t>CouchDB</a:t>
+              <a:t>OLAP</a:t>
+            </a:r>
+          </a:p>
+          <a:p>
+            <a:r>
+              <a:rPr lang="en-US" dirty="0" smtClean="0"/>
+              <a:t>Complex Map/Reduce jobs</a:t>
+            </a:r>
+          </a:p>
+          <a:p>
+            <a:r>
+              <a:rPr lang="en-US" dirty="0" smtClean="0"/>
+              <a:t>Distributed transactions</a:t>
+            </a:r>
+          </a:p>
+          <a:p>
+            <a:r>
+              <a:rPr lang="en-US" dirty="0" smtClean="0"/>
+              <a:t>Highly relational data</a:t>
             </a:r>
             <a:endParaRPr lang="en-US" dirty="0"/>
           </a:p>
@@ -7982,7 +7981,7 @@
     </p:spTree>
     <p:extLst>
       <p:ext uri="{BB962C8B-B14F-4D97-AF65-F5344CB8AC3E}">
-        <p14:creationId xmlns:p14="http://schemas.microsoft.com/office/powerpoint/2010/main" val="337679775"/>
+        <p14:creationId xmlns:p14="http://schemas.microsoft.com/office/powerpoint/2010/main" val="4062729683"/>
       </p:ext>
     </p:extLst>
   </p:cSld>
@@ -8026,35 +8025,63 @@
           <a:p>
             <a:r>
               <a:rPr lang="en-US" dirty="0" smtClean="0"/>
-              <a:t>Intermission: Brewer’s CAP Theorem</a:t>
-            </a:r>
-            <a:endParaRPr lang="en-US" dirty="0"/>
-          </a:p>
-        </p:txBody>
-      </p:sp>
-      <p:sp>
-        <p:nvSpPr>
-          <p:cNvPr id="3" name="Text Placeholder 2"/>
-          <p:cNvSpPr>
-            <a:spLocks noGrp="1"/>
-          </p:cNvSpPr>
-          <p:nvPr>
-            <p:ph type="body" idx="1"/>
-          </p:nvPr>
-        </p:nvSpPr>
-        <p:spPr/>
-        <p:txBody>
-          <a:bodyPr/>
-          <a:lstStyle/>
-          <a:p>
-            <a:endParaRPr lang="en-US"/>
+              <a:t>Typical Examples</a:t>
+            </a:r>
+            <a:endParaRPr lang="en-US" dirty="0"/>
+          </a:p>
+        </p:txBody>
+      </p:sp>
+      <p:sp>
+        <p:nvSpPr>
+          <p:cNvPr id="3" name="Content Placeholder 2"/>
+          <p:cNvSpPr>
+            <a:spLocks noGrp="1"/>
+          </p:cNvSpPr>
+          <p:nvPr>
+            <p:ph idx="1"/>
+          </p:nvPr>
+        </p:nvSpPr>
+        <p:spPr/>
+        <p:txBody>
+          <a:bodyPr/>
+          <a:lstStyle/>
+          <a:p>
+            <a:r>
+              <a:rPr lang="en-US" dirty="0" smtClean="0"/>
+              <a:t>MongoDB</a:t>
+            </a:r>
+          </a:p>
+          <a:p>
+            <a:r>
+              <a:rPr lang="en-US" dirty="0" smtClean="0"/>
+              <a:t>Amazon </a:t>
+            </a:r>
+            <a:r>
+              <a:rPr lang="en-US" dirty="0" err="1" smtClean="0"/>
+              <a:t>DynamoDB</a:t>
+            </a:r>
+            <a:endParaRPr lang="en-US" dirty="0" smtClean="0"/>
+          </a:p>
+          <a:p>
+            <a:r>
+              <a:rPr lang="en-US" dirty="0" err="1" smtClean="0"/>
+              <a:t>Couchbase</a:t>
+            </a:r>
+            <a:endParaRPr lang="en-US" dirty="0" smtClean="0"/>
+          </a:p>
+          <a:p>
+            <a:r>
+              <a:rPr lang="en-US" dirty="0" err="1" smtClean="0"/>
+              <a:t>CouchDB</a:t>
+            </a:r>
+            <a:endParaRPr lang="en-US" dirty="0"/>
           </a:p>
         </p:txBody>
       </p:sp>
     </p:spTree>
     <p:extLst>
       <p:ext uri="{BB962C8B-B14F-4D97-AF65-F5344CB8AC3E}">
-        <p14:creationId xmlns:p14="http://schemas.microsoft.com/office/powerpoint/2010/main" val="126876011"/>
+        <p14:creationId xmlns:p14="http://schemas.microsoft.com/office/powerpoint/2010/main" val="337679775"/>
       </p:ext>
     </p:extLst>
   </p:cSld>
@@ -8098,6 +8125,78 @@
           <a:p>
             <a:r>
               <a:rPr lang="en-US" dirty="0" smtClean="0"/>
+              <a:t>Intermission: Brewer’s CAP Theorem</a:t>
+            </a:r>
+            <a:endParaRPr lang="en-US" dirty="0"/>
+          </a:p>
+        </p:txBody>
+      </p:sp>
+      <p:sp>
+        <p:nvSpPr>
+          <p:cNvPr id="3" name="Text Placeholder 2"/>
+          <p:cNvSpPr>
+            <a:spLocks noGrp="1"/>
+          </p:cNvSpPr>
+          <p:nvPr>
+            <p:ph type="body" idx="1"/>
+          </p:nvPr>
+        </p:nvSpPr>
+        <p:spPr/>
+        <p:txBody>
+          <a:bodyPr/>
+          <a:lstStyle/>
+          <a:p>
+            <a:endParaRPr lang="en-US"/>
+          </a:p>
+        </p:txBody>
+      </p:sp>
+    </p:spTree>
+    <p:extLst>
+      <p:ext uri="{BB962C8B-B14F-4D97-AF65-F5344CB8AC3E}">
+        <p14:creationId xmlns:p14="http://schemas.microsoft.com/office/powerpoint/2010/main" val="126876011"/>
+      </p:ext>
+    </p:extLst>
+  </p:cSld>
+  <p:clrMapOvr>
+    <a:masterClrMapping/>
+  </p:clrMapOvr>
+</p:sld>
+</file>
+
+<file path=ppt/slides/slide33.xml><?xml version="1.0" encoding="utf-8"?>
+<p:sld xmlns:a="http://schemas.openxmlformats.org/drawingml/2006/main" xmlns:r="http://schemas.openxmlformats.org/officeDocument/2006/relationships" xmlns:p="http://schemas.openxmlformats.org/presentationml/2006/main">
+  <p:cSld>
+    <p:spTree>
+      <p:nvGrpSpPr>
+        <p:cNvPr id="1" name=""/>
+        <p:cNvGrpSpPr/>
+        <p:nvPr/>
+      </p:nvGrpSpPr>
+      <p:grpSpPr>
+        <a:xfrm>
+          <a:off x="0" y="0"/>
+          <a:ext cx="0" cy="0"/>
+          <a:chOff x="0" y="0"/>
+          <a:chExt cx="0" cy="0"/>
+        </a:xfrm>
+      </p:grpSpPr>
+      <p:sp>
+        <p:nvSpPr>
+          <p:cNvPr id="2" name="Title 1"/>
+          <p:cNvSpPr>
+            <a:spLocks noGrp="1"/>
+          </p:cNvSpPr>
+          <p:nvPr>
+            <p:ph type="title"/>
+          </p:nvPr>
+        </p:nvSpPr>
+        <p:spPr/>
+        <p:txBody>
+          <a:bodyPr/>
+          <a:lstStyle/>
+          <a:p>
+            <a:r>
+              <a:rPr lang="en-US" dirty="0" smtClean="0"/>
               <a:t>Brewer’s CAP Theorem</a:t>
             </a:r>
             <a:endParaRPr lang="en-US" dirty="0"/>
@@ -8161,7 +8260,7 @@
 </p:sld>
 </file>
 
-<file path=ppt/slides/slide33.xml><?xml version="1.0" encoding="utf-8"?>
+<file path=ppt/slides/slide34.xml><?xml version="1.0" encoding="utf-8"?>
 <p:sld xmlns:a="http://schemas.openxmlformats.org/drawingml/2006/main" xmlns:r="http://schemas.openxmlformats.org/officeDocument/2006/relationships" xmlns:p="http://schemas.openxmlformats.org/presentationml/2006/main">
   <p:cSld>
     <p:spTree>
@@ -8234,103 +8333,6 @@
 </p:sld>
 </file>
 
-<file path=ppt/slides/slide34.xml><?xml version="1.0" encoding="utf-8"?>
-<p:sld xmlns:a="http://schemas.openxmlformats.org/drawingml/2006/main" xmlns:r="http://schemas.openxmlformats.org/officeDocument/2006/relationships" xmlns:p="http://schemas.openxmlformats.org/presentationml/2006/main">
-  <p:cSld>
-    <p:spTree>
-      <p:nvGrpSpPr>
-        <p:cNvPr id="1" name=""/>
-        <p:cNvGrpSpPr/>
-        <p:nvPr/>
-      </p:nvGrpSpPr>
-      <p:grpSpPr>
-        <a:xfrm>
-          <a:off x="0" y="0"/>
-          <a:ext cx="0" cy="0"/>
-          <a:chOff x="0" y="0"/>
-          <a:chExt cx="0" cy="0"/>
-        </a:xfrm>
-      </p:grpSpPr>
-      <p:sp>
-        <p:nvSpPr>
-          <p:cNvPr id="4" name="Title 3"/>
-          <p:cNvSpPr>
-            <a:spLocks noGrp="1"/>
-          </p:cNvSpPr>
-          <p:nvPr>
-            <p:ph type="title"/>
-          </p:nvPr>
-        </p:nvSpPr>
-        <p:spPr/>
-        <p:txBody>
-          <a:bodyPr/>
-          <a:lstStyle/>
-          <a:p>
-            <a:r>
-              <a:rPr lang="en-US" dirty="0" smtClean="0"/>
-              <a:t>Brewer’s CAP Theorem</a:t>
-            </a:r>
-            <a:endParaRPr lang="en-US" dirty="0"/>
-          </a:p>
-        </p:txBody>
-      </p:sp>
-      <p:sp>
-        <p:nvSpPr>
-          <p:cNvPr id="5" name="Content Placeholder 4"/>
-          <p:cNvSpPr>
-            <a:spLocks noGrp="1"/>
-          </p:cNvSpPr>
-          <p:nvPr>
-            <p:ph idx="1"/>
-          </p:nvPr>
-        </p:nvSpPr>
-        <p:spPr/>
-        <p:txBody>
-          <a:bodyPr/>
-          <a:lstStyle/>
-          <a:p>
-            <a:r>
-              <a:rPr lang="en-US" dirty="0" smtClean="0"/>
-              <a:t>Most NoSQL data stores can’t guarantee ACID properties so BASE was developed as a basic set of guarantees:</a:t>
-            </a:r>
-          </a:p>
-          <a:p>
-            <a:pPr lvl="1"/>
-            <a:r>
-              <a:rPr lang="en-US" dirty="0" smtClean="0"/>
-              <a:t>Basically Available</a:t>
-            </a:r>
-          </a:p>
-          <a:p>
-            <a:pPr lvl="1"/>
-            <a:r>
-              <a:rPr lang="en-US" dirty="0" smtClean="0"/>
-              <a:t>Soft state</a:t>
-            </a:r>
-          </a:p>
-          <a:p>
-            <a:pPr lvl="1"/>
-            <a:r>
-              <a:rPr lang="en-US" dirty="0" smtClean="0"/>
-              <a:t>Eventually consistent (if an object has not changed, all instances will eventually yield the same answer to a query)</a:t>
-            </a:r>
-            <a:endParaRPr lang="en-US" dirty="0"/>
-          </a:p>
-        </p:txBody>
-      </p:sp>
-    </p:spTree>
-    <p:extLst>
-      <p:ext uri="{BB962C8B-B14F-4D97-AF65-F5344CB8AC3E}">
-        <p14:creationId xmlns:p14="http://schemas.microsoft.com/office/powerpoint/2010/main" val="780904843"/>
-      </p:ext>
-    </p:extLst>
-  </p:cSld>
-  <p:clrMapOvr>
-    <a:masterClrMapping/>
-  </p:clrMapOvr>
-</p:sld>
-</file>
-
 <file path=ppt/slides/slide35.xml><?xml version="1.0" encoding="utf-8"?>
 <p:sld xmlns:a="http://schemas.openxmlformats.org/drawingml/2006/main" xmlns:r="http://schemas.openxmlformats.org/officeDocument/2006/relationships" xmlns:p="http://schemas.openxmlformats.org/presentationml/2006/main">
   <p:cSld>
@@ -8365,30 +8367,51 @@
           <a:p>
             <a:r>
               <a:rPr lang="en-US" dirty="0" smtClean="0"/>
-              <a:t>A DISTRIBUTED, partitioned row-store: Apache Cassandra</a:t>
-            </a:r>
-            <a:endParaRPr lang="en-US" dirty="0"/>
-          </a:p>
-        </p:txBody>
-      </p:sp>
-      <p:sp>
-        <p:nvSpPr>
-          <p:cNvPr id="5" name="Text Placeholder 4"/>
-          <p:cNvSpPr>
-            <a:spLocks noGrp="1"/>
-          </p:cNvSpPr>
-          <p:nvPr>
-            <p:ph type="body" idx="1"/>
-          </p:nvPr>
-        </p:nvSpPr>
-        <p:spPr/>
-        <p:txBody>
-          <a:bodyPr/>
-          <a:lstStyle/>
-          <a:p>
-            <a:r>
-              <a:rPr lang="en-US" dirty="0" smtClean="0"/>
-              <a:t>A distributed RDBMS without JOINs? Whoa!</a:t>
+              <a:t>Brewer’s CAP Theorem</a:t>
+            </a:r>
+            <a:endParaRPr lang="en-US" dirty="0"/>
+          </a:p>
+        </p:txBody>
+      </p:sp>
+      <p:sp>
+        <p:nvSpPr>
+          <p:cNvPr id="5" name="Content Placeholder 4"/>
+          <p:cNvSpPr>
+            <a:spLocks noGrp="1"/>
+          </p:cNvSpPr>
+          <p:nvPr>
+            <p:ph idx="1"/>
+          </p:nvPr>
+        </p:nvSpPr>
+        <p:spPr/>
+        <p:txBody>
+          <a:bodyPr/>
+          <a:lstStyle/>
+          <a:p>
+            <a:r>
+              <a:rPr lang="en-US" dirty="0" smtClean="0"/>
+              <a:t>Most NoSQL data stores can’t guarantee ACID properties so BASE was developed as a basic set of guarantees:</a:t>
+            </a:r>
+          </a:p>
+          <a:p>
+            <a:pPr lvl="1"/>
+            <a:r>
+              <a:rPr lang="en-US" dirty="0" smtClean="0"/>
+              <a:t>Basically Available</a:t>
+            </a:r>
+          </a:p>
+          <a:p>
+            <a:pPr lvl="1"/>
+            <a:r>
+              <a:rPr lang="en-US" dirty="0" smtClean="0"/>
+              <a:t>Soft state</a:t>
+            </a:r>
+          </a:p>
+          <a:p>
+            <a:pPr lvl="1"/>
+            <a:r>
+              <a:rPr lang="en-US" dirty="0" smtClean="0"/>
+              <a:t>Eventually consistent (if an object has not changed, all instances will eventually yield the same answer to a query)</a:t>
             </a:r>
             <a:endParaRPr lang="en-US" dirty="0"/>
           </a:p>
@@ -8397,7 +8420,7 @@
     </p:spTree>
     <p:extLst>
       <p:ext uri="{BB962C8B-B14F-4D97-AF65-F5344CB8AC3E}">
-        <p14:creationId xmlns:p14="http://schemas.microsoft.com/office/powerpoint/2010/main" val="1413937698"/>
+        <p14:creationId xmlns:p14="http://schemas.microsoft.com/office/powerpoint/2010/main" val="780904843"/>
       </p:ext>
     </p:extLst>
   </p:cSld>
@@ -8441,81 +8464,39 @@
           <a:p>
             <a:r>
               <a:rPr lang="en-US" dirty="0" smtClean="0"/>
-              <a:t>Apache Cassandra</a:t>
-            </a:r>
-            <a:endParaRPr lang="en-US" dirty="0"/>
-          </a:p>
-        </p:txBody>
-      </p:sp>
-      <p:sp>
-        <p:nvSpPr>
-          <p:cNvPr id="5" name="Content Placeholder 4"/>
-          <p:cNvSpPr>
-            <a:spLocks noGrp="1"/>
-          </p:cNvSpPr>
-          <p:nvPr>
-            <p:ph idx="1"/>
-          </p:nvPr>
-        </p:nvSpPr>
-        <p:spPr/>
-        <p:txBody>
-          <a:bodyPr>
-            <a:normAutofit fontScale="92500"/>
-          </a:bodyPr>
-          <a:lstStyle/>
-          <a:p>
-            <a:r>
-              <a:rPr lang="en-US" dirty="0" smtClean="0"/>
-              <a:t>Originally based on Google’s Big Table paper (like </a:t>
-            </a:r>
-            <a:r>
-              <a:rPr lang="en-US" dirty="0" err="1" smtClean="0"/>
-              <a:t>hbase</a:t>
-            </a:r>
-            <a:r>
-              <a:rPr lang="en-US" dirty="0" smtClean="0"/>
-              <a:t> and </a:t>
-            </a:r>
-            <a:r>
-              <a:rPr lang="en-US" dirty="0" err="1" smtClean="0"/>
-              <a:t>Accumulo</a:t>
-            </a:r>
-            <a:r>
-              <a:rPr lang="en-US" dirty="0" smtClean="0"/>
-              <a:t>).</a:t>
-            </a:r>
-          </a:p>
-          <a:p>
-            <a:r>
-              <a:rPr lang="en-US" dirty="0" smtClean="0"/>
-              <a:t>Originally used Apache Thrift for flexible schema (now deprecated).</a:t>
-            </a:r>
-          </a:p>
-          <a:p>
-            <a:r>
-              <a:rPr lang="en-US" dirty="0" smtClean="0"/>
-              <a:t>Now uses SQL-like Cassandra Query Language (CQL) and mandatory schema enforcement.</a:t>
-            </a:r>
-          </a:p>
-          <a:p>
-            <a:r>
-              <a:rPr lang="en-US" dirty="0" smtClean="0"/>
-              <a:t>Behaves a lot like an RDBMS but adds clustering keys to make resolution of data to a node more efficient.</a:t>
-            </a:r>
-            <a:endParaRPr lang="en-US" dirty="0"/>
-          </a:p>
-          <a:p>
-            <a:r>
-              <a:rPr lang="en-US" dirty="0" smtClean="0"/>
-              <a:t>Unlike other Big Table based databases, stores rows together (like and RDBMS) rather than columns or column families (like a column store).</a:t>
-            </a:r>
+              <a:t>A DISTRIBUTED, partitioned row-store: Apache Cassandra</a:t>
+            </a:r>
+            <a:endParaRPr lang="en-US" dirty="0"/>
+          </a:p>
+        </p:txBody>
+      </p:sp>
+      <p:sp>
+        <p:nvSpPr>
+          <p:cNvPr id="5" name="Text Placeholder 4"/>
+          <p:cNvSpPr>
+            <a:spLocks noGrp="1"/>
+          </p:cNvSpPr>
+          <p:nvPr>
+            <p:ph type="body" idx="1"/>
+          </p:nvPr>
+        </p:nvSpPr>
+        <p:spPr/>
+        <p:txBody>
+          <a:bodyPr/>
+          <a:lstStyle/>
+          <a:p>
+            <a:r>
+              <a:rPr lang="en-US" dirty="0" smtClean="0"/>
+              <a:t>A distributed RDBMS without JOINs? Whoa!</a:t>
+            </a:r>
+            <a:endParaRPr lang="en-US" dirty="0"/>
           </a:p>
         </p:txBody>
       </p:sp>
     </p:spTree>
     <p:extLst>
       <p:ext uri="{BB962C8B-B14F-4D97-AF65-F5344CB8AC3E}">
-        <p14:creationId xmlns:p14="http://schemas.microsoft.com/office/powerpoint/2010/main" val="2328498395"/>
+        <p14:creationId xmlns:p14="http://schemas.microsoft.com/office/powerpoint/2010/main" val="1413937698"/>
       </p:ext>
     </p:extLst>
   </p:cSld>
@@ -8544,7 +8525,7 @@
       </p:grpSpPr>
       <p:sp>
         <p:nvSpPr>
-          <p:cNvPr id="2" name="Title 1"/>
+          <p:cNvPr id="4" name="Title 3"/>
           <p:cNvSpPr>
             <a:spLocks noGrp="1"/>
           </p:cNvSpPr>
@@ -8559,35 +8540,59 @@
           <a:p>
             <a:r>
               <a:rPr lang="en-US" dirty="0" smtClean="0"/>
-              <a:t>Cassandra Demo</a:t>
-            </a:r>
-            <a:endParaRPr lang="en-US" dirty="0"/>
-          </a:p>
-        </p:txBody>
-      </p:sp>
-      <p:sp>
-        <p:nvSpPr>
-          <p:cNvPr id="3" name="Content Placeholder 2"/>
-          <p:cNvSpPr>
-            <a:spLocks noGrp="1"/>
-          </p:cNvSpPr>
+              <a:t>Cassandra Architecture</a:t>
+            </a:r>
+            <a:endParaRPr lang="en-US" dirty="0"/>
+          </a:p>
+        </p:txBody>
+      </p:sp>
+      <p:pic>
+        <p:nvPicPr>
+          <p:cNvPr id="2050" name="Picture 2" descr="Image result for cassandra architecture"/>
+          <p:cNvPicPr>
+            <a:picLocks noGrp="1" noChangeAspect="1" noChangeArrowheads="1"/>
+          </p:cNvPicPr>
           <p:nvPr>
             <p:ph idx="1"/>
           </p:nvPr>
-        </p:nvSpPr>
-        <p:spPr/>
-        <p:txBody>
-          <a:bodyPr/>
-          <a:lstStyle/>
-          <a:p>
-            <a:endParaRPr lang="en-US"/>
-          </a:p>
-        </p:txBody>
-      </p:sp>
+        </p:nvPicPr>
+        <p:blipFill>
+          <a:blip r:embed="rId2">
+            <a:extLst>
+              <a:ext uri="{28A0092B-C50C-407E-A947-70E740481C1C}">
+                <a14:useLocalDpi xmlns:a14="http://schemas.microsoft.com/office/drawing/2010/main" val="0"/>
+              </a:ext>
+            </a:extLst>
+          </a:blip>
+          <a:srcRect/>
+          <a:stretch>
+            <a:fillRect/>
+          </a:stretch>
+        </p:blipFill>
+        <p:spPr bwMode="auto">
+          <a:xfrm>
+            <a:off x="1617663" y="931069"/>
+            <a:ext cx="6667500" cy="3124200"/>
+          </a:xfrm>
+          <a:prstGeom prst="rect">
+            <a:avLst/>
+          </a:prstGeom>
+          <a:noFill/>
+          <a:extLst>
+            <a:ext uri="{909E8E84-426E-40DD-AFC4-6F175D3DCCD1}">
+              <a14:hiddenFill xmlns:a14="http://schemas.microsoft.com/office/drawing/2010/main">
+                <a:solidFill>
+                  <a:srgbClr val="FFFFFF"/>
+                </a:solidFill>
+              </a14:hiddenFill>
+            </a:ext>
+          </a:extLst>
+        </p:spPr>
+      </p:pic>
     </p:spTree>
     <p:extLst>
       <p:ext uri="{BB962C8B-B14F-4D97-AF65-F5344CB8AC3E}">
-        <p14:creationId xmlns:p14="http://schemas.microsoft.com/office/powerpoint/2010/main" val="3582018750"/>
+        <p14:creationId xmlns:p14="http://schemas.microsoft.com/office/powerpoint/2010/main" val="742666610"/>
       </p:ext>
     </p:extLst>
   </p:cSld>
@@ -8616,7 +8621,7 @@
       </p:grpSpPr>
       <p:sp>
         <p:nvSpPr>
-          <p:cNvPr id="2" name="Title 1"/>
+          <p:cNvPr id="4" name="Title 3"/>
           <p:cNvSpPr>
             <a:spLocks noGrp="1"/>
           </p:cNvSpPr>
@@ -8631,15 +8636,15 @@
           <a:p>
             <a:r>
               <a:rPr lang="en-US" dirty="0" smtClean="0"/>
-              <a:t>What would you use Cassandra for?</a:t>
-            </a:r>
-            <a:endParaRPr lang="en-US" dirty="0"/>
-          </a:p>
-        </p:txBody>
-      </p:sp>
-      <p:sp>
-        <p:nvSpPr>
-          <p:cNvPr id="3" name="Content Placeholder 2"/>
+              <a:t>Apache Cassandra</a:t>
+            </a:r>
+            <a:endParaRPr lang="en-US" dirty="0"/>
+          </a:p>
+        </p:txBody>
+      </p:sp>
+      <p:sp>
+        <p:nvSpPr>
+          <p:cNvPr id="5" name="Content Placeholder 4"/>
           <p:cNvSpPr>
             <a:spLocks noGrp="1"/>
           </p:cNvSpPr>
@@ -8649,33 +8654,63 @@
         </p:nvSpPr>
         <p:spPr/>
         <p:txBody>
-          <a:bodyPr/>
-          <a:lstStyle/>
-          <a:p>
-            <a:r>
-              <a:rPr lang="en-US" dirty="0" smtClean="0"/>
-              <a:t>Large number of writes</a:t>
-            </a:r>
-          </a:p>
-          <a:p>
-            <a:r>
-              <a:rPr lang="en-US" dirty="0" smtClean="0"/>
-              <a:t>Pre-determined analytics queries</a:t>
-            </a:r>
-          </a:p>
-          <a:p>
-            <a:r>
-              <a:rPr lang="en-US" dirty="0" smtClean="0"/>
-              <a:t>Large scale geographic distribution</a:t>
-            </a:r>
-            <a:endParaRPr lang="en-US" dirty="0"/>
+          <a:bodyPr>
+            <a:normAutofit fontScale="92500"/>
+          </a:bodyPr>
+          <a:lstStyle/>
+          <a:p>
+            <a:r>
+              <a:rPr lang="en-US" dirty="0" smtClean="0"/>
+              <a:t>Originally based on Google’s Big Table paper (like </a:t>
+            </a:r>
+            <a:r>
+              <a:rPr lang="en-US" dirty="0" err="1" smtClean="0"/>
+              <a:t>hbase</a:t>
+            </a:r>
+            <a:r>
+              <a:rPr lang="en-US" dirty="0" smtClean="0"/>
+              <a:t> and </a:t>
+            </a:r>
+            <a:r>
+              <a:rPr lang="en-US" dirty="0" err="1" smtClean="0"/>
+              <a:t>Accumulo</a:t>
+            </a:r>
+            <a:r>
+              <a:rPr lang="en-US" dirty="0" smtClean="0"/>
+              <a:t>).</a:t>
+            </a:r>
+          </a:p>
+          <a:p>
+            <a:r>
+              <a:rPr lang="en-US" dirty="0" smtClean="0"/>
+              <a:t>Originally used Apache Thrift for flexible schema (now deprecated).</a:t>
+            </a:r>
+          </a:p>
+          <a:p>
+            <a:r>
+              <a:rPr lang="en-US" dirty="0" smtClean="0"/>
+              <a:t>Now uses SQL-like Cassandra Query Language (CQL) and mandatory schema enforcement.</a:t>
+            </a:r>
+          </a:p>
+          <a:p>
+            <a:r>
+              <a:rPr lang="en-US" dirty="0" smtClean="0"/>
+              <a:t>Behaves a lot like an RDBMS but adds clustering keys to make resolution of data to a node more efficient.</a:t>
+            </a:r>
+            <a:endParaRPr lang="en-US" dirty="0"/>
+          </a:p>
+          <a:p>
+            <a:r>
+              <a:rPr lang="en-US" dirty="0" smtClean="0"/>
+              <a:t>Unlike other Big Table based databases, stores rows together (like and RDBMS) rather than columns or column families (like a column store).</a:t>
+            </a:r>
           </a:p>
         </p:txBody>
       </p:sp>
     </p:spTree>
     <p:extLst>
       <p:ext uri="{BB962C8B-B14F-4D97-AF65-F5344CB8AC3E}">
-        <p14:creationId xmlns:p14="http://schemas.microsoft.com/office/powerpoint/2010/main" val="2080161650"/>
+        <p14:creationId xmlns:p14="http://schemas.microsoft.com/office/powerpoint/2010/main" val="2328498395"/>
       </p:ext>
     </p:extLst>
   </p:cSld>
@@ -8719,39 +8754,35 @@
           <a:p>
             <a:r>
               <a:rPr lang="en-US" dirty="0" smtClean="0"/>
-              <a:t>Column Store: Apache </a:t>
-            </a:r>
-            <a:r>
-              <a:rPr lang="en-US" dirty="0" err="1" smtClean="0"/>
-              <a:t>Hbase</a:t>
-            </a:r>
-            <a:endParaRPr lang="en-US" dirty="0"/>
-          </a:p>
-        </p:txBody>
-      </p:sp>
-      <p:sp>
-        <p:nvSpPr>
-          <p:cNvPr id="3" name="Text Placeholder 2"/>
-          <p:cNvSpPr>
-            <a:spLocks noGrp="1"/>
-          </p:cNvSpPr>
-          <p:nvPr>
-            <p:ph type="body" idx="1"/>
-          </p:nvPr>
-        </p:nvSpPr>
-        <p:spPr/>
-        <p:txBody>
-          <a:bodyPr/>
-          <a:lstStyle/>
-          <a:p>
-            <a:endParaRPr lang="en-US" dirty="0"/>
+              <a:t>Cassandra Demo</a:t>
+            </a:r>
+            <a:endParaRPr lang="en-US" dirty="0"/>
+          </a:p>
+        </p:txBody>
+      </p:sp>
+      <p:sp>
+        <p:nvSpPr>
+          <p:cNvPr id="3" name="Content Placeholder 2"/>
+          <p:cNvSpPr>
+            <a:spLocks noGrp="1"/>
+          </p:cNvSpPr>
+          <p:nvPr>
+            <p:ph idx="1"/>
+          </p:nvPr>
+        </p:nvSpPr>
+        <p:spPr/>
+        <p:txBody>
+          <a:bodyPr/>
+          <a:lstStyle/>
+          <a:p>
+            <a:endParaRPr lang="en-US"/>
           </a:p>
         </p:txBody>
       </p:sp>
     </p:spTree>
     <p:extLst>
       <p:ext uri="{BB962C8B-B14F-4D97-AF65-F5344CB8AC3E}">
-        <p14:creationId xmlns:p14="http://schemas.microsoft.com/office/powerpoint/2010/main" val="3725111248"/>
+        <p14:creationId xmlns:p14="http://schemas.microsoft.com/office/powerpoint/2010/main" val="3582018750"/>
       </p:ext>
     </p:extLst>
   </p:cSld>
@@ -8858,6 +8889,170 @@
 </file>
 
 <file path=ppt/slides/slide40.xml><?xml version="1.0" encoding="utf-8"?>
+<p:sld xmlns:a="http://schemas.openxmlformats.org/drawingml/2006/main" xmlns:r="http://schemas.openxmlformats.org/officeDocument/2006/relationships" xmlns:p="http://schemas.openxmlformats.org/presentationml/2006/main">
+  <p:cSld>
+    <p:spTree>
+      <p:nvGrpSpPr>
+        <p:cNvPr id="1" name=""/>
+        <p:cNvGrpSpPr/>
+        <p:nvPr/>
+      </p:nvGrpSpPr>
+      <p:grpSpPr>
+        <a:xfrm>
+          <a:off x="0" y="0"/>
+          <a:ext cx="0" cy="0"/>
+          <a:chOff x="0" y="0"/>
+          <a:chExt cx="0" cy="0"/>
+        </a:xfrm>
+      </p:grpSpPr>
+      <p:sp>
+        <p:nvSpPr>
+          <p:cNvPr id="2" name="Title 1"/>
+          <p:cNvSpPr>
+            <a:spLocks noGrp="1"/>
+          </p:cNvSpPr>
+          <p:nvPr>
+            <p:ph type="title"/>
+          </p:nvPr>
+        </p:nvSpPr>
+        <p:spPr/>
+        <p:txBody>
+          <a:bodyPr/>
+          <a:lstStyle/>
+          <a:p>
+            <a:r>
+              <a:rPr lang="en-US" dirty="0" smtClean="0"/>
+              <a:t>What would you use Cassandra for?</a:t>
+            </a:r>
+            <a:endParaRPr lang="en-US" dirty="0"/>
+          </a:p>
+        </p:txBody>
+      </p:sp>
+      <p:sp>
+        <p:nvSpPr>
+          <p:cNvPr id="3" name="Content Placeholder 2"/>
+          <p:cNvSpPr>
+            <a:spLocks noGrp="1"/>
+          </p:cNvSpPr>
+          <p:nvPr>
+            <p:ph idx="1"/>
+          </p:nvPr>
+        </p:nvSpPr>
+        <p:spPr/>
+        <p:txBody>
+          <a:bodyPr/>
+          <a:lstStyle/>
+          <a:p>
+            <a:r>
+              <a:rPr lang="en-US" dirty="0" smtClean="0"/>
+              <a:t>Large number of writes</a:t>
+            </a:r>
+          </a:p>
+          <a:p>
+            <a:r>
+              <a:rPr lang="en-US" dirty="0" smtClean="0"/>
+              <a:t>Pre-determined analytics queries</a:t>
+            </a:r>
+          </a:p>
+          <a:p>
+            <a:r>
+              <a:rPr lang="en-US" dirty="0" smtClean="0"/>
+              <a:t>Large scale geographic distribution</a:t>
+            </a:r>
+            <a:endParaRPr lang="en-US" dirty="0"/>
+          </a:p>
+        </p:txBody>
+      </p:sp>
+    </p:spTree>
+    <p:extLst>
+      <p:ext uri="{BB962C8B-B14F-4D97-AF65-F5344CB8AC3E}">
+        <p14:creationId xmlns:p14="http://schemas.microsoft.com/office/powerpoint/2010/main" val="2080161650"/>
+      </p:ext>
+    </p:extLst>
+  </p:cSld>
+  <p:clrMapOvr>
+    <a:masterClrMapping/>
+  </p:clrMapOvr>
+</p:sld>
+</file>
+
+<file path=ppt/slides/slide41.xml><?xml version="1.0" encoding="utf-8"?>
+<p:sld xmlns:a="http://schemas.openxmlformats.org/drawingml/2006/main" xmlns:r="http://schemas.openxmlformats.org/officeDocument/2006/relationships" xmlns:p="http://schemas.openxmlformats.org/presentationml/2006/main">
+  <p:cSld>
+    <p:spTree>
+      <p:nvGrpSpPr>
+        <p:cNvPr id="1" name=""/>
+        <p:cNvGrpSpPr/>
+        <p:nvPr/>
+      </p:nvGrpSpPr>
+      <p:grpSpPr>
+        <a:xfrm>
+          <a:off x="0" y="0"/>
+          <a:ext cx="0" cy="0"/>
+          <a:chOff x="0" y="0"/>
+          <a:chExt cx="0" cy="0"/>
+        </a:xfrm>
+      </p:grpSpPr>
+      <p:sp>
+        <p:nvSpPr>
+          <p:cNvPr id="2" name="Title 1"/>
+          <p:cNvSpPr>
+            <a:spLocks noGrp="1"/>
+          </p:cNvSpPr>
+          <p:nvPr>
+            <p:ph type="title"/>
+          </p:nvPr>
+        </p:nvSpPr>
+        <p:spPr/>
+        <p:txBody>
+          <a:bodyPr/>
+          <a:lstStyle/>
+          <a:p>
+            <a:r>
+              <a:rPr lang="en-US" dirty="0" smtClean="0"/>
+              <a:t>Column Store: Apache </a:t>
+            </a:r>
+            <a:r>
+              <a:rPr lang="en-US" dirty="0" err="1" smtClean="0"/>
+              <a:t>Hbase</a:t>
+            </a:r>
+            <a:endParaRPr lang="en-US" dirty="0"/>
+          </a:p>
+        </p:txBody>
+      </p:sp>
+      <p:sp>
+        <p:nvSpPr>
+          <p:cNvPr id="3" name="Text Placeholder 2"/>
+          <p:cNvSpPr>
+            <a:spLocks noGrp="1"/>
+          </p:cNvSpPr>
+          <p:nvPr>
+            <p:ph type="body" idx="1"/>
+          </p:nvPr>
+        </p:nvSpPr>
+        <p:spPr/>
+        <p:txBody>
+          <a:bodyPr/>
+          <a:lstStyle/>
+          <a:p>
+            <a:endParaRPr lang="en-US" dirty="0"/>
+          </a:p>
+        </p:txBody>
+      </p:sp>
+    </p:spTree>
+    <p:extLst>
+      <p:ext uri="{BB962C8B-B14F-4D97-AF65-F5344CB8AC3E}">
+        <p14:creationId xmlns:p14="http://schemas.microsoft.com/office/powerpoint/2010/main" val="3725111248"/>
+      </p:ext>
+    </p:extLst>
+  </p:cSld>
+  <p:clrMapOvr>
+    <a:masterClrMapping/>
+  </p:clrMapOvr>
+</p:sld>
+</file>
+
+<file path=ppt/slides/slide42.xml><?xml version="1.0" encoding="utf-8"?>
 <p:sld xmlns:a="http://schemas.openxmlformats.org/drawingml/2006/main" xmlns:r="http://schemas.openxmlformats.org/officeDocument/2006/relationships" xmlns:p="http://schemas.openxmlformats.org/presentationml/2006/main">
   <p:cSld>
     <p:spTree>
@@ -9234,7 +9429,7 @@
 </p:sld>
 </file>
 
-<file path=ppt/slides/slide41.xml><?xml version="1.0" encoding="utf-8"?>
+<file path=ppt/slides/slide43.xml><?xml version="1.0" encoding="utf-8"?>
 <p:sld xmlns:a="http://schemas.openxmlformats.org/drawingml/2006/main" xmlns:r="http://schemas.openxmlformats.org/officeDocument/2006/relationships" xmlns:p="http://schemas.openxmlformats.org/presentationml/2006/main">
   <p:cSld>
     <p:spTree>
@@ -9267,94 +9462,64 @@
           <a:lstStyle/>
           <a:p>
             <a:r>
-              <a:rPr lang="en-US" dirty="0" smtClean="0"/>
-              <a:t>What makes Column stores special?</a:t>
-            </a:r>
-            <a:endParaRPr lang="en-US" dirty="0"/>
-          </a:p>
-        </p:txBody>
-      </p:sp>
-      <p:sp>
-        <p:nvSpPr>
-          <p:cNvPr id="3" name="Content Placeholder 2"/>
-          <p:cNvSpPr>
-            <a:spLocks noGrp="1"/>
-          </p:cNvSpPr>
+              <a:rPr lang="en-US" dirty="0" err="1" smtClean="0"/>
+              <a:t>Hbase</a:t>
+            </a:r>
+            <a:r>
+              <a:rPr lang="en-US" dirty="0" smtClean="0"/>
+              <a:t> architecture</a:t>
+            </a:r>
+            <a:endParaRPr lang="en-US" dirty="0"/>
+          </a:p>
+        </p:txBody>
+      </p:sp>
+      <p:pic>
+        <p:nvPicPr>
+          <p:cNvPr id="1028" name="Picture 4" descr="Image result for hbase tablet server"/>
+          <p:cNvPicPr>
+            <a:picLocks noGrp="1" noChangeAspect="1" noChangeArrowheads="1"/>
+          </p:cNvPicPr>
           <p:nvPr>
             <p:ph idx="1"/>
           </p:nvPr>
-        </p:nvSpPr>
-        <p:spPr/>
-        <p:txBody>
-          <a:bodyPr>
-            <a:normAutofit fontScale="92500" lnSpcReduction="20000"/>
-          </a:bodyPr>
-          <a:lstStyle/>
-          <a:p>
-            <a:r>
-              <a:rPr lang="en-US" dirty="0" smtClean="0"/>
-              <a:t>Storage by column makes analytical processing of particular attributes faster.</a:t>
-            </a:r>
-          </a:p>
-          <a:p>
-            <a:r>
-              <a:rPr lang="en-US" dirty="0" smtClean="0"/>
-              <a:t>Requires de-normalized data storage</a:t>
-            </a:r>
-          </a:p>
-          <a:p>
-            <a:pPr lvl="1"/>
-            <a:r>
-              <a:rPr lang="en-US" dirty="0" smtClean="0"/>
-              <a:t>Lends itself to wide tables with lots of columns</a:t>
-            </a:r>
-          </a:p>
-          <a:p>
-            <a:r>
-              <a:rPr lang="en-US" dirty="0" smtClean="0"/>
-              <a:t>No concept of transactions</a:t>
-            </a:r>
-          </a:p>
-          <a:p>
-            <a:pPr lvl="1"/>
-            <a:r>
-              <a:rPr lang="en-US" dirty="0" smtClean="0"/>
-              <a:t>Great for OLAP, not so much for OLTP</a:t>
-            </a:r>
-          </a:p>
-          <a:p>
-            <a:r>
-              <a:rPr lang="en-US" dirty="0" err="1" smtClean="0"/>
-              <a:t>Schemaless</a:t>
-            </a:r>
-            <a:endParaRPr lang="en-US" dirty="0" smtClean="0"/>
-          </a:p>
-          <a:p>
-            <a:pPr lvl="1"/>
-            <a:r>
-              <a:rPr lang="en-US" dirty="0" smtClean="0"/>
-              <a:t>Within a column family, columns can be defined on-the-fly and only columns that are present for a row are stored (leading to sparse tables).</a:t>
-            </a:r>
-          </a:p>
-          <a:p>
-            <a:r>
-              <a:rPr lang="en-US" dirty="0" smtClean="0"/>
-              <a:t>Emphasis on API access rather than a high-level query language.</a:t>
-            </a:r>
-          </a:p>
-          <a:p>
-            <a:r>
-              <a:rPr lang="en-US" dirty="0" smtClean="0"/>
-              <a:t>Linear scalability: just add more nodes</a:t>
-            </a:r>
-            <a:endParaRPr lang="en-US" dirty="0"/>
-          </a:p>
-        </p:txBody>
-      </p:sp>
+        </p:nvPicPr>
+        <p:blipFill>
+          <a:blip r:embed="rId2">
+            <a:extLst>
+              <a:ext uri="{28A0092B-C50C-407E-A947-70E740481C1C}">
+                <a14:useLocalDpi xmlns:a14="http://schemas.microsoft.com/office/drawing/2010/main" val="0"/>
+              </a:ext>
+            </a:extLst>
+          </a:blip>
+          <a:srcRect/>
+          <a:stretch>
+            <a:fillRect/>
+          </a:stretch>
+        </p:blipFill>
+        <p:spPr bwMode="auto">
+          <a:xfrm>
+            <a:off x="3708400" y="1574006"/>
+            <a:ext cx="2486025" cy="1838325"/>
+          </a:xfrm>
+          <a:prstGeom prst="rect">
+            <a:avLst/>
+          </a:prstGeom>
+          <a:noFill/>
+          <a:extLst>
+            <a:ext uri="{909E8E84-426E-40DD-AFC4-6F175D3DCCD1}">
+              <a14:hiddenFill xmlns:a14="http://schemas.microsoft.com/office/drawing/2010/main">
+                <a:solidFill>
+                  <a:srgbClr val="FFFFFF"/>
+                </a:solidFill>
+              </a14:hiddenFill>
+            </a:ext>
+          </a:extLst>
+        </p:spPr>
+      </p:pic>
     </p:spTree>
     <p:extLst>
       <p:ext uri="{BB962C8B-B14F-4D97-AF65-F5344CB8AC3E}">
-        <p14:creationId xmlns:p14="http://schemas.microsoft.com/office/powerpoint/2010/main" val="225043234"/>
+        <p14:creationId xmlns:p14="http://schemas.microsoft.com/office/powerpoint/2010/main" val="1746867886"/>
       </p:ext>
     </p:extLst>
   </p:cSld>
@@ -9364,7 +9529,7 @@
 </p:sld>
 </file>
 
-<file path=ppt/slides/slide42.xml><?xml version="1.0" encoding="utf-8"?>
+<file path=ppt/slides/slide44.xml><?xml version="1.0" encoding="utf-8"?>
 <p:sld xmlns:a="http://schemas.openxmlformats.org/drawingml/2006/main" xmlns:r="http://schemas.openxmlformats.org/officeDocument/2006/relationships" xmlns:p="http://schemas.openxmlformats.org/presentationml/2006/main">
   <p:cSld>
     <p:spTree>
@@ -9383,6 +9548,136 @@
       </p:grpSpPr>
       <p:sp>
         <p:nvSpPr>
+          <p:cNvPr id="2" name="Title 1"/>
+          <p:cNvSpPr>
+            <a:spLocks noGrp="1"/>
+          </p:cNvSpPr>
+          <p:nvPr>
+            <p:ph type="title"/>
+          </p:nvPr>
+        </p:nvSpPr>
+        <p:spPr/>
+        <p:txBody>
+          <a:bodyPr/>
+          <a:lstStyle/>
+          <a:p>
+            <a:r>
+              <a:rPr lang="en-US" dirty="0" smtClean="0"/>
+              <a:t>What makes Column stores special?</a:t>
+            </a:r>
+            <a:endParaRPr lang="en-US" dirty="0"/>
+          </a:p>
+        </p:txBody>
+      </p:sp>
+      <p:sp>
+        <p:nvSpPr>
+          <p:cNvPr id="3" name="Content Placeholder 2"/>
+          <p:cNvSpPr>
+            <a:spLocks noGrp="1"/>
+          </p:cNvSpPr>
+          <p:nvPr>
+            <p:ph idx="1"/>
+          </p:nvPr>
+        </p:nvSpPr>
+        <p:spPr/>
+        <p:txBody>
+          <a:bodyPr>
+            <a:normAutofit fontScale="92500" lnSpcReduction="20000"/>
+          </a:bodyPr>
+          <a:lstStyle/>
+          <a:p>
+            <a:r>
+              <a:rPr lang="en-US" dirty="0" smtClean="0"/>
+              <a:t>Storage by column makes analytical processing of particular attributes faster.</a:t>
+            </a:r>
+          </a:p>
+          <a:p>
+            <a:r>
+              <a:rPr lang="en-US" dirty="0" smtClean="0"/>
+              <a:t>Requires de-normalized data storage</a:t>
+            </a:r>
+          </a:p>
+          <a:p>
+            <a:pPr lvl="1"/>
+            <a:r>
+              <a:rPr lang="en-US" dirty="0" smtClean="0"/>
+              <a:t>Lends itself to wide tables with lots of columns</a:t>
+            </a:r>
+          </a:p>
+          <a:p>
+            <a:r>
+              <a:rPr lang="en-US" dirty="0" smtClean="0"/>
+              <a:t>No concept of transactions</a:t>
+            </a:r>
+          </a:p>
+          <a:p>
+            <a:pPr lvl="1"/>
+            <a:r>
+              <a:rPr lang="en-US" dirty="0" smtClean="0"/>
+              <a:t>Great for OLAP, not so much for OLTP</a:t>
+            </a:r>
+          </a:p>
+          <a:p>
+            <a:r>
+              <a:rPr lang="en-US" dirty="0" err="1" smtClean="0"/>
+              <a:t>Schemaless</a:t>
+            </a:r>
+            <a:endParaRPr lang="en-US" dirty="0" smtClean="0"/>
+          </a:p>
+          <a:p>
+            <a:pPr lvl="1"/>
+            <a:r>
+              <a:rPr lang="en-US" dirty="0" smtClean="0"/>
+              <a:t>Within a column family, columns can be defined on-the-fly and only columns that are present for a row are stored (leading to sparse tables).</a:t>
+            </a:r>
+          </a:p>
+          <a:p>
+            <a:r>
+              <a:rPr lang="en-US" dirty="0" smtClean="0"/>
+              <a:t>Emphasis on API access rather than a high-level query language.</a:t>
+            </a:r>
+          </a:p>
+          <a:p>
+            <a:r>
+              <a:rPr lang="en-US" dirty="0" smtClean="0"/>
+              <a:t>Linear scalability: just add more nodes</a:t>
+            </a:r>
+            <a:endParaRPr lang="en-US" dirty="0"/>
+          </a:p>
+        </p:txBody>
+      </p:sp>
+    </p:spTree>
+    <p:extLst>
+      <p:ext uri="{BB962C8B-B14F-4D97-AF65-F5344CB8AC3E}">
+        <p14:creationId xmlns:p14="http://schemas.microsoft.com/office/powerpoint/2010/main" val="225043234"/>
+      </p:ext>
+    </p:extLst>
+  </p:cSld>
+  <p:clrMapOvr>
+    <a:masterClrMapping/>
+  </p:clrMapOvr>
+</p:sld>
+</file>
+
+<file path=ppt/slides/slide45.xml><?xml version="1.0" encoding="utf-8"?>
+<p:sld xmlns:a="http://schemas.openxmlformats.org/drawingml/2006/main" xmlns:r="http://schemas.openxmlformats.org/officeDocument/2006/relationships" xmlns:p="http://schemas.openxmlformats.org/presentationml/2006/main">
+  <p:cSld>
+    <p:spTree>
+      <p:nvGrpSpPr>
+        <p:cNvPr id="1" name=""/>
+        <p:cNvGrpSpPr/>
+        <p:nvPr/>
+      </p:nvGrpSpPr>
+      <p:grpSpPr>
+        <a:xfrm>
+          <a:off x="0" y="0"/>
+          <a:ext cx="0" cy="0"/>
+          <a:chOff x="0" y="0"/>
+          <a:chExt cx="0" cy="0"/>
+        </a:xfrm>
+      </p:grpSpPr>
+      <p:sp>
+        <p:nvSpPr>
           <p:cNvPr id="6" name="Title 5"/>
           <p:cNvSpPr>
             <a:spLocks noGrp="1"/>
@@ -9436,7 +9731,7 @@
 </p:sld>
 </file>
 
-<file path=ppt/slides/slide43.xml><?xml version="1.0" encoding="utf-8"?>
+<file path=ppt/slides/slide46.xml><?xml version="1.0" encoding="utf-8"?>
 <p:sld xmlns:a="http://schemas.openxmlformats.org/drawingml/2006/main" xmlns:r="http://schemas.openxmlformats.org/officeDocument/2006/relationships" xmlns:p="http://schemas.openxmlformats.org/presentationml/2006/main">
   <p:cSld>
     <p:spTree>
@@ -9931,11 +10226,7 @@
             <a:pPr algn="ctr"/>
             <a:r>
               <a:rPr lang="en-US" dirty="0" smtClean="0"/>
-              <a:t>Actor: </a:t>
-            </a:r>
-            <a:r>
-              <a:rPr lang="en-US" dirty="0" smtClean="0"/>
-              <a:t>Carrie</a:t>
+              <a:t>Actor: Carrie</a:t>
             </a:r>
             <a:endParaRPr lang="en-US" dirty="0"/>
           </a:p>
@@ -10096,283 +10387,6 @@
 </p:sld>
 </file>
 
-<file path=ppt/slides/slide44.xml><?xml version="1.0" encoding="utf-8"?>
-<p:sld xmlns:a="http://schemas.openxmlformats.org/drawingml/2006/main" xmlns:r="http://schemas.openxmlformats.org/officeDocument/2006/relationships" xmlns:p="http://schemas.openxmlformats.org/presentationml/2006/main">
-  <p:cSld>
-    <p:spTree>
-      <p:nvGrpSpPr>
-        <p:cNvPr id="1" name=""/>
-        <p:cNvGrpSpPr/>
-        <p:nvPr/>
-      </p:nvGrpSpPr>
-      <p:grpSpPr>
-        <a:xfrm>
-          <a:off x="0" y="0"/>
-          <a:ext cx="0" cy="0"/>
-          <a:chOff x="0" y="0"/>
-          <a:chExt cx="0" cy="0"/>
-        </a:xfrm>
-      </p:grpSpPr>
-      <p:sp>
-        <p:nvSpPr>
-          <p:cNvPr id="2" name="Title 1"/>
-          <p:cNvSpPr>
-            <a:spLocks noGrp="1"/>
-          </p:cNvSpPr>
-          <p:nvPr>
-            <p:ph type="title"/>
-          </p:nvPr>
-        </p:nvSpPr>
-        <p:spPr/>
-        <p:txBody>
-          <a:bodyPr/>
-          <a:lstStyle/>
-          <a:p>
-            <a:r>
-              <a:rPr lang="en-US" dirty="0" smtClean="0"/>
-              <a:t>What are Graph DBs great for?</a:t>
-            </a:r>
-            <a:endParaRPr lang="en-US" dirty="0"/>
-          </a:p>
-        </p:txBody>
-      </p:sp>
-      <p:sp>
-        <p:nvSpPr>
-          <p:cNvPr id="3" name="Content Placeholder 2"/>
-          <p:cNvSpPr>
-            <a:spLocks noGrp="1"/>
-          </p:cNvSpPr>
-          <p:nvPr>
-            <p:ph idx="1"/>
-          </p:nvPr>
-        </p:nvSpPr>
-        <p:spPr/>
-        <p:txBody>
-          <a:bodyPr/>
-          <a:lstStyle/>
-          <a:p>
-            <a:r>
-              <a:rPr lang="en-US" dirty="0" smtClean="0"/>
-              <a:t>Complex connections between different entities</a:t>
-            </a:r>
-          </a:p>
-          <a:p>
-            <a:pPr lvl="1"/>
-            <a:r>
-              <a:rPr lang="en-US" dirty="0"/>
-              <a:t>No joins </a:t>
-            </a:r>
-            <a:r>
-              <a:rPr lang="en-US" dirty="0" smtClean="0"/>
-              <a:t>necessary!</a:t>
-            </a:r>
-          </a:p>
-          <a:p>
-            <a:r>
-              <a:rPr lang="en-US" dirty="0" smtClean="0"/>
-              <a:t>Graph/model can be evolved over time w/o having to change historical data.</a:t>
-            </a:r>
-          </a:p>
-          <a:p>
-            <a:r>
-              <a:rPr lang="en-US" dirty="0" smtClean="0"/>
-              <a:t>Allows for context-richness</a:t>
-            </a:r>
-          </a:p>
-          <a:p>
-            <a:r>
-              <a:rPr lang="en-US" dirty="0" smtClean="0"/>
-              <a:t>Example applications: recommender engines, n-degrees of separation queries</a:t>
-            </a:r>
-            <a:endParaRPr lang="en-US" dirty="0"/>
-          </a:p>
-        </p:txBody>
-      </p:sp>
-    </p:spTree>
-    <p:extLst>
-      <p:ext uri="{BB962C8B-B14F-4D97-AF65-F5344CB8AC3E}">
-        <p14:creationId xmlns:p14="http://schemas.microsoft.com/office/powerpoint/2010/main" val="379935730"/>
-      </p:ext>
-    </p:extLst>
-  </p:cSld>
-  <p:clrMapOvr>
-    <a:masterClrMapping/>
-  </p:clrMapOvr>
-</p:sld>
-</file>
-
-<file path=ppt/slides/slide45.xml><?xml version="1.0" encoding="utf-8"?>
-<p:sld xmlns:a="http://schemas.openxmlformats.org/drawingml/2006/main" xmlns:r="http://schemas.openxmlformats.org/officeDocument/2006/relationships" xmlns:p="http://schemas.openxmlformats.org/presentationml/2006/main">
-  <p:cSld>
-    <p:spTree>
-      <p:nvGrpSpPr>
-        <p:cNvPr id="1" name=""/>
-        <p:cNvGrpSpPr/>
-        <p:nvPr/>
-      </p:nvGrpSpPr>
-      <p:grpSpPr>
-        <a:xfrm>
-          <a:off x="0" y="0"/>
-          <a:ext cx="0" cy="0"/>
-          <a:chOff x="0" y="0"/>
-          <a:chExt cx="0" cy="0"/>
-        </a:xfrm>
-      </p:grpSpPr>
-      <p:sp>
-        <p:nvSpPr>
-          <p:cNvPr id="2" name="Title 1"/>
-          <p:cNvSpPr>
-            <a:spLocks noGrp="1"/>
-          </p:cNvSpPr>
-          <p:nvPr>
-            <p:ph type="title"/>
-          </p:nvPr>
-        </p:nvSpPr>
-        <p:spPr/>
-        <p:txBody>
-          <a:bodyPr/>
-          <a:lstStyle/>
-          <a:p>
-            <a:r>
-              <a:rPr lang="en-US" dirty="0" smtClean="0"/>
-              <a:t>What not to use them for?</a:t>
-            </a:r>
-            <a:endParaRPr lang="en-US" dirty="0"/>
-          </a:p>
-        </p:txBody>
-      </p:sp>
-      <p:sp>
-        <p:nvSpPr>
-          <p:cNvPr id="3" name="Content Placeholder 2"/>
-          <p:cNvSpPr>
-            <a:spLocks noGrp="1"/>
-          </p:cNvSpPr>
-          <p:nvPr>
-            <p:ph idx="1"/>
-          </p:nvPr>
-        </p:nvSpPr>
-        <p:spPr/>
-        <p:txBody>
-          <a:bodyPr/>
-          <a:lstStyle/>
-          <a:p>
-            <a:r>
-              <a:rPr lang="en-US" dirty="0" smtClean="0"/>
-              <a:t>OLAP</a:t>
-            </a:r>
-          </a:p>
-          <a:p>
-            <a:r>
-              <a:rPr lang="en-US" dirty="0" smtClean="0"/>
-              <a:t>Highly relational data.</a:t>
-            </a:r>
-          </a:p>
-          <a:p>
-            <a:r>
-              <a:rPr lang="en-US" dirty="0" smtClean="0"/>
-              <a:t>[in </a:t>
-            </a:r>
-            <a:r>
-              <a:rPr lang="en-US" dirty="0" err="1" smtClean="0"/>
-              <a:t>Neo’s</a:t>
-            </a:r>
-            <a:r>
-              <a:rPr lang="en-US" dirty="0" smtClean="0"/>
-              <a:t> case] massive data sets</a:t>
-            </a:r>
-            <a:endParaRPr lang="en-US" dirty="0"/>
-          </a:p>
-        </p:txBody>
-      </p:sp>
-    </p:spTree>
-    <p:extLst>
-      <p:ext uri="{BB962C8B-B14F-4D97-AF65-F5344CB8AC3E}">
-        <p14:creationId xmlns:p14="http://schemas.microsoft.com/office/powerpoint/2010/main" val="1469580846"/>
-      </p:ext>
-    </p:extLst>
-  </p:cSld>
-  <p:clrMapOvr>
-    <a:masterClrMapping/>
-  </p:clrMapOvr>
-</p:sld>
-</file>
-
-<file path=ppt/slides/slide46.xml><?xml version="1.0" encoding="utf-8"?>
-<p:sld xmlns:a="http://schemas.openxmlformats.org/drawingml/2006/main" xmlns:r="http://schemas.openxmlformats.org/officeDocument/2006/relationships" xmlns:p="http://schemas.openxmlformats.org/presentationml/2006/main">
-  <p:cSld>
-    <p:spTree>
-      <p:nvGrpSpPr>
-        <p:cNvPr id="1" name=""/>
-        <p:cNvGrpSpPr/>
-        <p:nvPr/>
-      </p:nvGrpSpPr>
-      <p:grpSpPr>
-        <a:xfrm>
-          <a:off x="0" y="0"/>
-          <a:ext cx="0" cy="0"/>
-          <a:chOff x="0" y="0"/>
-          <a:chExt cx="0" cy="0"/>
-        </a:xfrm>
-      </p:grpSpPr>
-      <p:sp>
-        <p:nvSpPr>
-          <p:cNvPr id="4" name="Title 3"/>
-          <p:cNvSpPr>
-            <a:spLocks noGrp="1"/>
-          </p:cNvSpPr>
-          <p:nvPr>
-            <p:ph type="title"/>
-          </p:nvPr>
-        </p:nvSpPr>
-        <p:spPr/>
-        <p:txBody>
-          <a:bodyPr/>
-          <a:lstStyle/>
-          <a:p>
-            <a:r>
-              <a:rPr lang="en-US" dirty="0" smtClean="0"/>
-              <a:t>Polyglot persistence</a:t>
-            </a:r>
-            <a:endParaRPr lang="en-US" dirty="0"/>
-          </a:p>
-        </p:txBody>
-      </p:sp>
-      <p:sp>
-        <p:nvSpPr>
-          <p:cNvPr id="5" name="Text Placeholder 4"/>
-          <p:cNvSpPr>
-            <a:spLocks noGrp="1"/>
-          </p:cNvSpPr>
-          <p:nvPr>
-            <p:ph type="body" idx="1"/>
-          </p:nvPr>
-        </p:nvSpPr>
-        <p:spPr/>
-        <p:txBody>
-          <a:bodyPr/>
-          <a:lstStyle/>
-          <a:p>
-            <a:r>
-              <a:rPr lang="en-US" dirty="0" smtClean="0"/>
-              <a:t>Putting it all together</a:t>
-            </a:r>
-            <a:endParaRPr lang="en-US" dirty="0"/>
-          </a:p>
-        </p:txBody>
-      </p:sp>
-    </p:spTree>
-    <p:extLst>
-      <p:ext uri="{BB962C8B-B14F-4D97-AF65-F5344CB8AC3E}">
-        <p14:creationId xmlns:p14="http://schemas.microsoft.com/office/powerpoint/2010/main" val="2100949694"/>
-      </p:ext>
-    </p:extLst>
-  </p:cSld>
-  <p:clrMapOvr>
-    <a:masterClrMapping/>
-  </p:clrMapOvr>
-</p:sld>
-</file>
-
 <file path=ppt/slides/slide47.xml><?xml version="1.0" encoding="utf-8"?>
 <p:sld xmlns:a="http://schemas.openxmlformats.org/drawingml/2006/main" xmlns:r="http://schemas.openxmlformats.org/officeDocument/2006/relationships" xmlns:p="http://schemas.openxmlformats.org/presentationml/2006/main">
   <p:cSld>
@@ -10392,7 +10406,7 @@
       </p:grpSpPr>
       <p:sp>
         <p:nvSpPr>
-          <p:cNvPr id="4" name="Title 3"/>
+          <p:cNvPr id="2" name="Title 1"/>
           <p:cNvSpPr>
             <a:spLocks noGrp="1"/>
           </p:cNvSpPr>
@@ -10407,15 +10421,15 @@
           <a:p>
             <a:r>
               <a:rPr lang="en-US" dirty="0" smtClean="0"/>
-              <a:t>So… which of these should I pick?</a:t>
-            </a:r>
-            <a:endParaRPr lang="en-US" dirty="0"/>
-          </a:p>
-        </p:txBody>
-      </p:sp>
-      <p:sp>
-        <p:nvSpPr>
-          <p:cNvPr id="5" name="Content Placeholder 4"/>
+              <a:t>What are Graph DBs great for?</a:t>
+            </a:r>
+            <a:endParaRPr lang="en-US" dirty="0"/>
+          </a:p>
+        </p:txBody>
+      </p:sp>
+      <p:sp>
+        <p:nvSpPr>
+          <p:cNvPr id="3" name="Content Placeholder 2"/>
           <p:cNvSpPr>
             <a:spLocks noGrp="1"/>
           </p:cNvSpPr>
@@ -10430,56 +10444,36 @@
           <a:p>
             <a:r>
               <a:rPr lang="en-US" dirty="0" smtClean="0"/>
-              <a:t>Many considerations:</a:t>
+              <a:t>Complex connections between different entities</a:t>
             </a:r>
           </a:p>
           <a:p>
             <a:pPr lvl="1"/>
             <a:r>
-              <a:rPr lang="en-US" dirty="0" smtClean="0"/>
-              <a:t>Volume</a:t>
-            </a:r>
-          </a:p>
-          <a:p>
-            <a:pPr lvl="1"/>
-            <a:r>
-              <a:rPr lang="en-US" dirty="0" smtClean="0"/>
-              <a:t>Structure (or lack thereof)</a:t>
-            </a:r>
-          </a:p>
-          <a:p>
-            <a:pPr lvl="1"/>
-            <a:r>
-              <a:rPr lang="en-US" dirty="0" smtClean="0"/>
-              <a:t>Durability</a:t>
-            </a:r>
-          </a:p>
-          <a:p>
-            <a:pPr lvl="1"/>
-            <a:r>
-              <a:rPr lang="en-US" dirty="0" smtClean="0"/>
-              <a:t>Geographic distribution</a:t>
-            </a:r>
-          </a:p>
-          <a:p>
-            <a:pPr lvl="1"/>
-            <a:r>
-              <a:rPr lang="en-US" dirty="0" smtClean="0"/>
-              <a:t>Reporting needs</a:t>
-            </a:r>
-          </a:p>
-          <a:p>
-            <a:pPr lvl="1"/>
-            <a:r>
-              <a:rPr lang="en-US" dirty="0" smtClean="0"/>
-              <a:t>Scaling needs (up/out)</a:t>
-            </a:r>
-          </a:p>
-          <a:p>
-            <a:pPr lvl="1"/>
-            <a:r>
-              <a:rPr lang="en-US" dirty="0" smtClean="0"/>
-              <a:t>…</a:t>
+              <a:rPr lang="en-US" dirty="0"/>
+              <a:t>No joins </a:t>
+            </a:r>
+            <a:r>
+              <a:rPr lang="en-US" dirty="0" smtClean="0"/>
+              <a:t>necessary!</a:t>
+            </a:r>
+          </a:p>
+          <a:p>
+            <a:r>
+              <a:rPr lang="en-US" dirty="0" smtClean="0"/>
+              <a:t>Graph/model can be evolved over time w/o having to change historical data.</a:t>
+            </a:r>
+          </a:p>
+          <a:p>
+            <a:r>
+              <a:rPr lang="en-US" dirty="0" smtClean="0"/>
+              <a:t>Allows for context-richness</a:t>
+            </a:r>
+          </a:p>
+          <a:p>
+            <a:r>
+              <a:rPr lang="en-US" dirty="0" smtClean="0"/>
+              <a:t>Example applications: recommender engines, n-degrees of separation queries</a:t>
             </a:r>
             <a:endParaRPr lang="en-US" dirty="0"/>
           </a:p>
@@ -10488,7 +10482,7 @@
     </p:spTree>
     <p:extLst>
       <p:ext uri="{BB962C8B-B14F-4D97-AF65-F5344CB8AC3E}">
-        <p14:creationId xmlns:p14="http://schemas.microsoft.com/office/powerpoint/2010/main" val="2582325537"/>
+        <p14:creationId xmlns:p14="http://schemas.microsoft.com/office/powerpoint/2010/main" val="379935730"/>
       </p:ext>
     </p:extLst>
   </p:cSld>
@@ -10532,7 +10526,7 @@
           <a:p>
             <a:r>
               <a:rPr lang="en-US" dirty="0" smtClean="0"/>
-              <a:t>Challenges</a:t>
+              <a:t>What not to use them for?</a:t>
             </a:r>
             <a:endParaRPr lang="en-US" dirty="0"/>
           </a:p>
@@ -10555,33 +10549,27 @@
           <a:p>
             <a:r>
               <a:rPr lang="en-US" dirty="0" smtClean="0"/>
-              <a:t>Skillset</a:t>
-            </a:r>
-          </a:p>
-          <a:p>
-            <a:r>
-              <a:rPr lang="en-US" dirty="0" smtClean="0"/>
-              <a:t>3</a:t>
-            </a:r>
-            <a:r>
-              <a:rPr lang="en-US" baseline="30000" dirty="0" smtClean="0"/>
-              <a:t>rd</a:t>
-            </a:r>
-            <a:r>
-              <a:rPr lang="en-US" dirty="0" smtClean="0"/>
-              <a:t> party / community support</a:t>
-            </a:r>
-          </a:p>
-          <a:p>
-            <a:r>
-              <a:rPr lang="en-US" dirty="0" smtClean="0"/>
-              <a:t>HA/DR</a:t>
-            </a:r>
-          </a:p>
-          <a:p>
-            <a:r>
-              <a:rPr lang="en-US" dirty="0" smtClean="0"/>
-              <a:t>Integrity / schema enforcement</a:t>
+              <a:t>OLAP</a:t>
+            </a:r>
+          </a:p>
+          <a:p>
+            <a:r>
+              <a:rPr lang="en-US" dirty="0" smtClean="0"/>
+              <a:t>Highly relational data.</a:t>
+            </a:r>
+          </a:p>
+          <a:p>
+            <a:r>
+              <a:rPr lang="en-US" dirty="0" smtClean="0"/>
+              <a:t>[in </a:t>
+            </a:r>
+            <a:r>
+              <a:rPr lang="en-US" dirty="0" err="1" smtClean="0"/>
+              <a:t>Neo’s</a:t>
+            </a:r>
+            <a:r>
+              <a:rPr lang="en-US" dirty="0" smtClean="0"/>
+              <a:t> case] massive data sets</a:t>
             </a:r>
             <a:endParaRPr lang="en-US" dirty="0"/>
           </a:p>
@@ -10590,7 +10578,7 @@
     </p:spTree>
     <p:extLst>
       <p:ext uri="{BB962C8B-B14F-4D97-AF65-F5344CB8AC3E}">
-        <p14:creationId xmlns:p14="http://schemas.microsoft.com/office/powerpoint/2010/main" val="206514021"/>
+        <p14:creationId xmlns:p14="http://schemas.microsoft.com/office/powerpoint/2010/main" val="1469580846"/>
       </p:ext>
     </p:extLst>
   </p:cSld>
@@ -10634,42 +10622,39 @@
           <a:p>
             <a:r>
               <a:rPr lang="en-US" dirty="0" smtClean="0"/>
-              <a:t>What is polyglot persistence</a:t>
-            </a:r>
-            <a:endParaRPr lang="en-US" dirty="0"/>
-          </a:p>
-        </p:txBody>
-      </p:sp>
-      <p:pic>
-        <p:nvPicPr>
-          <p:cNvPr id="6" name="Content Placeholder 5"/>
-          <p:cNvPicPr>
-            <a:picLocks noGrp="1" noChangeAspect="1"/>
-          </p:cNvPicPr>
-          <p:nvPr>
-            <p:ph idx="1"/>
-          </p:nvPr>
-        </p:nvPicPr>
-        <p:blipFill>
-          <a:blip r:embed="rId2"/>
-          <a:stretch>
-            <a:fillRect/>
-          </a:stretch>
-        </p:blipFill>
-        <p:spPr>
-          <a:xfrm>
-            <a:off x="1293139" y="1545431"/>
-            <a:ext cx="5710912" cy="2636825"/>
-          </a:xfrm>
-          <a:prstGeom prst="rect">
-            <a:avLst/>
-          </a:prstGeom>
-        </p:spPr>
-      </p:pic>
+              <a:t>Polyglot persistence</a:t>
+            </a:r>
+            <a:endParaRPr lang="en-US" dirty="0"/>
+          </a:p>
+        </p:txBody>
+      </p:sp>
+      <p:sp>
+        <p:nvSpPr>
+          <p:cNvPr id="5" name="Text Placeholder 4"/>
+          <p:cNvSpPr>
+            <a:spLocks noGrp="1"/>
+          </p:cNvSpPr>
+          <p:nvPr>
+            <p:ph type="body" idx="1"/>
+          </p:nvPr>
+        </p:nvSpPr>
+        <p:spPr/>
+        <p:txBody>
+          <a:bodyPr/>
+          <a:lstStyle/>
+          <a:p>
+            <a:r>
+              <a:rPr lang="en-US" dirty="0" smtClean="0"/>
+              <a:t>Putting it all together</a:t>
+            </a:r>
+            <a:endParaRPr lang="en-US" dirty="0"/>
+          </a:p>
+        </p:txBody>
+      </p:sp>
     </p:spTree>
     <p:extLst>
       <p:ext uri="{BB962C8B-B14F-4D97-AF65-F5344CB8AC3E}">
-        <p14:creationId xmlns:p14="http://schemas.microsoft.com/office/powerpoint/2010/main" val="1647381687"/>
+        <p14:creationId xmlns:p14="http://schemas.microsoft.com/office/powerpoint/2010/main" val="2100949694"/>
       </p:ext>
     </p:extLst>
   </p:cSld>
@@ -10794,6 +10779,131 @@
       </p:grpSpPr>
       <p:sp>
         <p:nvSpPr>
+          <p:cNvPr id="4" name="Title 3"/>
+          <p:cNvSpPr>
+            <a:spLocks noGrp="1"/>
+          </p:cNvSpPr>
+          <p:nvPr>
+            <p:ph type="title"/>
+          </p:nvPr>
+        </p:nvSpPr>
+        <p:spPr/>
+        <p:txBody>
+          <a:bodyPr/>
+          <a:lstStyle/>
+          <a:p>
+            <a:r>
+              <a:rPr lang="en-US" dirty="0" smtClean="0"/>
+              <a:t>So… which of these should I pick?</a:t>
+            </a:r>
+            <a:endParaRPr lang="en-US" dirty="0"/>
+          </a:p>
+        </p:txBody>
+      </p:sp>
+      <p:sp>
+        <p:nvSpPr>
+          <p:cNvPr id="5" name="Content Placeholder 4"/>
+          <p:cNvSpPr>
+            <a:spLocks noGrp="1"/>
+          </p:cNvSpPr>
+          <p:nvPr>
+            <p:ph idx="1"/>
+          </p:nvPr>
+        </p:nvSpPr>
+        <p:spPr/>
+        <p:txBody>
+          <a:bodyPr/>
+          <a:lstStyle/>
+          <a:p>
+            <a:r>
+              <a:rPr lang="en-US" dirty="0" smtClean="0"/>
+              <a:t>Many considerations:</a:t>
+            </a:r>
+          </a:p>
+          <a:p>
+            <a:pPr lvl="1"/>
+            <a:r>
+              <a:rPr lang="en-US" dirty="0" smtClean="0"/>
+              <a:t>Volume</a:t>
+            </a:r>
+          </a:p>
+          <a:p>
+            <a:pPr lvl="1"/>
+            <a:r>
+              <a:rPr lang="en-US" dirty="0" smtClean="0"/>
+              <a:t>Structure (or lack thereof)</a:t>
+            </a:r>
+          </a:p>
+          <a:p>
+            <a:pPr lvl="1"/>
+            <a:r>
+              <a:rPr lang="en-US" dirty="0" smtClean="0"/>
+              <a:t>Durability</a:t>
+            </a:r>
+          </a:p>
+          <a:p>
+            <a:pPr lvl="1"/>
+            <a:r>
+              <a:rPr lang="en-US" dirty="0" smtClean="0"/>
+              <a:t>Geographic distribution</a:t>
+            </a:r>
+          </a:p>
+          <a:p>
+            <a:pPr lvl="1"/>
+            <a:r>
+              <a:rPr lang="en-US" dirty="0" smtClean="0"/>
+              <a:t>Reporting needs</a:t>
+            </a:r>
+          </a:p>
+          <a:p>
+            <a:pPr lvl="1"/>
+            <a:r>
+              <a:rPr lang="en-US" dirty="0" smtClean="0"/>
+              <a:t>Scaling needs (up/out)</a:t>
+            </a:r>
+          </a:p>
+          <a:p>
+            <a:pPr lvl="1"/>
+            <a:r>
+              <a:rPr lang="en-US" dirty="0" smtClean="0"/>
+              <a:t>…</a:t>
+            </a:r>
+            <a:endParaRPr lang="en-US" dirty="0"/>
+          </a:p>
+        </p:txBody>
+      </p:sp>
+    </p:spTree>
+    <p:extLst>
+      <p:ext uri="{BB962C8B-B14F-4D97-AF65-F5344CB8AC3E}">
+        <p14:creationId xmlns:p14="http://schemas.microsoft.com/office/powerpoint/2010/main" val="2582325537"/>
+      </p:ext>
+    </p:extLst>
+  </p:cSld>
+  <p:clrMapOvr>
+    <a:masterClrMapping/>
+  </p:clrMapOvr>
+</p:sld>
+</file>
+
+<file path=ppt/slides/slide51.xml><?xml version="1.0" encoding="utf-8"?>
+<p:sld xmlns:a="http://schemas.openxmlformats.org/drawingml/2006/main" xmlns:r="http://schemas.openxmlformats.org/officeDocument/2006/relationships" xmlns:p="http://schemas.openxmlformats.org/presentationml/2006/main">
+  <p:cSld>
+    <p:spTree>
+      <p:nvGrpSpPr>
+        <p:cNvPr id="1" name=""/>
+        <p:cNvGrpSpPr/>
+        <p:nvPr/>
+      </p:nvGrpSpPr>
+      <p:grpSpPr>
+        <a:xfrm>
+          <a:off x="0" y="0"/>
+          <a:ext cx="0" cy="0"/>
+          <a:chOff x="0" y="0"/>
+          <a:chExt cx="0" cy="0"/>
+        </a:xfrm>
+      </p:grpSpPr>
+      <p:sp>
+        <p:nvSpPr>
           <p:cNvPr id="2" name="Title 1"/>
           <p:cNvSpPr>
             <a:spLocks noGrp="1"/>
@@ -10809,6 +10919,187 @@
           <a:p>
             <a:r>
               <a:rPr lang="en-US" dirty="0" smtClean="0"/>
+              <a:t>Challenges</a:t>
+            </a:r>
+            <a:endParaRPr lang="en-US" dirty="0"/>
+          </a:p>
+        </p:txBody>
+      </p:sp>
+      <p:sp>
+        <p:nvSpPr>
+          <p:cNvPr id="3" name="Content Placeholder 2"/>
+          <p:cNvSpPr>
+            <a:spLocks noGrp="1"/>
+          </p:cNvSpPr>
+          <p:nvPr>
+            <p:ph idx="1"/>
+          </p:nvPr>
+        </p:nvSpPr>
+        <p:spPr/>
+        <p:txBody>
+          <a:bodyPr/>
+          <a:lstStyle/>
+          <a:p>
+            <a:r>
+              <a:rPr lang="en-US" dirty="0" smtClean="0"/>
+              <a:t>Skillset</a:t>
+            </a:r>
+          </a:p>
+          <a:p>
+            <a:r>
+              <a:rPr lang="en-US" dirty="0" smtClean="0"/>
+              <a:t>3</a:t>
+            </a:r>
+            <a:r>
+              <a:rPr lang="en-US" baseline="30000" dirty="0" smtClean="0"/>
+              <a:t>rd</a:t>
+            </a:r>
+            <a:r>
+              <a:rPr lang="en-US" dirty="0" smtClean="0"/>
+              <a:t> party / community support</a:t>
+            </a:r>
+          </a:p>
+          <a:p>
+            <a:r>
+              <a:rPr lang="en-US" dirty="0" smtClean="0"/>
+              <a:t>HA/DR</a:t>
+            </a:r>
+          </a:p>
+          <a:p>
+            <a:r>
+              <a:rPr lang="en-US" dirty="0" smtClean="0"/>
+              <a:t>Integrity / schema enforcement</a:t>
+            </a:r>
+            <a:endParaRPr lang="en-US" dirty="0"/>
+          </a:p>
+        </p:txBody>
+      </p:sp>
+    </p:spTree>
+    <p:extLst>
+      <p:ext uri="{BB962C8B-B14F-4D97-AF65-F5344CB8AC3E}">
+        <p14:creationId xmlns:p14="http://schemas.microsoft.com/office/powerpoint/2010/main" val="206514021"/>
+      </p:ext>
+    </p:extLst>
+  </p:cSld>
+  <p:clrMapOvr>
+    <a:masterClrMapping/>
+  </p:clrMapOvr>
+</p:sld>
+</file>
+
+<file path=ppt/slides/slide52.xml><?xml version="1.0" encoding="utf-8"?>
+<p:sld xmlns:a="http://schemas.openxmlformats.org/drawingml/2006/main" xmlns:r="http://schemas.openxmlformats.org/officeDocument/2006/relationships" xmlns:p="http://schemas.openxmlformats.org/presentationml/2006/main">
+  <p:cSld>
+    <p:spTree>
+      <p:nvGrpSpPr>
+        <p:cNvPr id="1" name=""/>
+        <p:cNvGrpSpPr/>
+        <p:nvPr/>
+      </p:nvGrpSpPr>
+      <p:grpSpPr>
+        <a:xfrm>
+          <a:off x="0" y="0"/>
+          <a:ext cx="0" cy="0"/>
+          <a:chOff x="0" y="0"/>
+          <a:chExt cx="0" cy="0"/>
+        </a:xfrm>
+      </p:grpSpPr>
+      <p:sp>
+        <p:nvSpPr>
+          <p:cNvPr id="4" name="Title 3"/>
+          <p:cNvSpPr>
+            <a:spLocks noGrp="1"/>
+          </p:cNvSpPr>
+          <p:nvPr>
+            <p:ph type="title"/>
+          </p:nvPr>
+        </p:nvSpPr>
+        <p:spPr/>
+        <p:txBody>
+          <a:bodyPr/>
+          <a:lstStyle/>
+          <a:p>
+            <a:r>
+              <a:rPr lang="en-US" dirty="0" smtClean="0"/>
+              <a:t>What is polyglot persistence</a:t>
+            </a:r>
+            <a:endParaRPr lang="en-US" dirty="0"/>
+          </a:p>
+        </p:txBody>
+      </p:sp>
+      <p:pic>
+        <p:nvPicPr>
+          <p:cNvPr id="6" name="Content Placeholder 5"/>
+          <p:cNvPicPr>
+            <a:picLocks noGrp="1" noChangeAspect="1"/>
+          </p:cNvPicPr>
+          <p:nvPr>
+            <p:ph idx="1"/>
+          </p:nvPr>
+        </p:nvPicPr>
+        <p:blipFill>
+          <a:blip r:embed="rId2"/>
+          <a:stretch>
+            <a:fillRect/>
+          </a:stretch>
+        </p:blipFill>
+        <p:spPr>
+          <a:xfrm>
+            <a:off x="1293139" y="1545431"/>
+            <a:ext cx="5710912" cy="2636825"/>
+          </a:xfrm>
+          <a:prstGeom prst="rect">
+            <a:avLst/>
+          </a:prstGeom>
+        </p:spPr>
+      </p:pic>
+    </p:spTree>
+    <p:extLst>
+      <p:ext uri="{BB962C8B-B14F-4D97-AF65-F5344CB8AC3E}">
+        <p14:creationId xmlns:p14="http://schemas.microsoft.com/office/powerpoint/2010/main" val="1647381687"/>
+      </p:ext>
+    </p:extLst>
+  </p:cSld>
+  <p:clrMapOvr>
+    <a:masterClrMapping/>
+  </p:clrMapOvr>
+</p:sld>
+</file>
+
+<file path=ppt/slides/slide53.xml><?xml version="1.0" encoding="utf-8"?>
+<p:sld xmlns:a="http://schemas.openxmlformats.org/drawingml/2006/main" xmlns:r="http://schemas.openxmlformats.org/officeDocument/2006/relationships" xmlns:p="http://schemas.openxmlformats.org/presentationml/2006/main">
+  <p:cSld>
+    <p:spTree>
+      <p:nvGrpSpPr>
+        <p:cNvPr id="1" name=""/>
+        <p:cNvGrpSpPr/>
+        <p:nvPr/>
+      </p:nvGrpSpPr>
+      <p:grpSpPr>
+        <a:xfrm>
+          <a:off x="0" y="0"/>
+          <a:ext cx="0" cy="0"/>
+          <a:chOff x="0" y="0"/>
+          <a:chExt cx="0" cy="0"/>
+        </a:xfrm>
+      </p:grpSpPr>
+      <p:sp>
+        <p:nvSpPr>
+          <p:cNvPr id="2" name="Title 1"/>
+          <p:cNvSpPr>
+            <a:spLocks noGrp="1"/>
+          </p:cNvSpPr>
+          <p:nvPr>
+            <p:ph type="title"/>
+          </p:nvPr>
+        </p:nvSpPr>
+        <p:spPr/>
+        <p:txBody>
+          <a:bodyPr/>
+          <a:lstStyle/>
+          <a:p>
+            <a:r>
+              <a:rPr lang="en-US" dirty="0" smtClean="0"/>
               <a:t>What is Polyglot Persistence?</a:t>
             </a:r>
             <a:endParaRPr lang="en-US" dirty="0"/>
@@ -10832,13 +11123,8 @@
           <a:p>
             <a:r>
               <a:rPr lang="en-US" dirty="0" smtClean="0"/>
-              <a:t>Why limit yourself to one choice (kind of like using a hammer as the only construction tool</a:t>
-            </a:r>
-            <a:r>
-              <a:rPr lang="en-US" dirty="0" smtClean="0"/>
-              <a:t>)?</a:t>
-            </a:r>
-            <a:endParaRPr lang="en-US" dirty="0" smtClean="0"/>
+              <a:t>Why limit yourself to one choice (kind of like using a hammer as the only construction tool)?</a:t>
+            </a:r>
           </a:p>
           <a:p>
             <a:r>
@@ -10870,7 +11156,7 @@
 </p:sld>
 </file>
 
-<file path=ppt/slides/slide51.xml><?xml version="1.0" encoding="utf-8"?>
+<file path=ppt/slides/slide54.xml><?xml version="1.0" encoding="utf-8"?>
 <p:sld xmlns:a="http://schemas.openxmlformats.org/drawingml/2006/main" xmlns:r="http://schemas.openxmlformats.org/officeDocument/2006/relationships" xmlns:p="http://schemas.openxmlformats.org/presentationml/2006/main">
   <p:cSld>
     <p:spTree>
@@ -11638,7 +11924,7 @@
 </p:sld>
 </file>
 
-<file path=ppt/slides/slide52.xml><?xml version="1.0" encoding="utf-8"?>
+<file path=ppt/slides/slide55.xml><?xml version="1.0" encoding="utf-8"?>
 <p:sld xmlns:a="http://schemas.openxmlformats.org/drawingml/2006/main" xmlns:r="http://schemas.openxmlformats.org/officeDocument/2006/relationships" xmlns:p="http://schemas.openxmlformats.org/presentationml/2006/main">
   <p:cSld>
     <p:spTree>
@@ -11726,7 +12012,7 @@
 </p:sld>
 </file>
 
-<file path=ppt/slides/slide53.xml><?xml version="1.0" encoding="utf-8"?>
+<file path=ppt/slides/slide56.xml><?xml version="1.0" encoding="utf-8"?>
 <p:sld xmlns:a="http://schemas.openxmlformats.org/drawingml/2006/main" xmlns:r="http://schemas.openxmlformats.org/officeDocument/2006/relationships" xmlns:p="http://schemas.openxmlformats.org/presentationml/2006/main">
   <p:cSld>
     <p:spTree>
@@ -11798,7 +12084,7 @@
 </p:sld>
 </file>
 
-<file path=ppt/slides/slide54.xml><?xml version="1.0" encoding="utf-8"?>
+<file path=ppt/slides/slide57.xml><?xml version="1.0" encoding="utf-8"?>
 <p:sld xmlns:a="http://schemas.openxmlformats.org/drawingml/2006/main" xmlns:r="http://schemas.openxmlformats.org/officeDocument/2006/relationships" xmlns:p="http://schemas.openxmlformats.org/presentationml/2006/main">
   <p:cSld>
     <p:spTree>
